--- a/DIRECT_Documentation/Images/Images.pptx
+++ b/DIRECT_Documentation/Images/Images.pptx
@@ -469,8 +469,8 @@
 </file>
 
 <file path=ppt/slideLayouts/slideLayout1.xml><?xml version="1.0" encoding="utf-8"?>
-<p:sldLayout xmlns:a="http://schemas.openxmlformats.org/drawingml/2006/main" xmlns:r="http://schemas.openxmlformats.org/officeDocument/2006/relationships" xmlns:p="http://schemas.openxmlformats.org/presentationml/2006/main" showMasterSp="0" userDrawn="1">
-  <p:cSld name="2_Titelfolie">
+<p:sldLayout xmlns:a="http://schemas.openxmlformats.org/drawingml/2006/main" xmlns:r="http://schemas.openxmlformats.org/officeDocument/2006/relationships" xmlns:p="http://schemas.openxmlformats.org/presentationml/2006/main" preserve="1" userDrawn="1">
+  <p:cSld name="1_Title Only">
     <p:spTree>
       <p:nvGrpSpPr>
         <p:cNvPr id="1" name=""/>
@@ -487,176 +487,281 @@
       </p:grpSpPr>
       <p:sp>
         <p:nvSpPr>
-          <p:cNvPr id="5" name="Rectangle 21"/>
+          <p:cNvPr id="2" name="Title 1"/>
           <p:cNvSpPr>
-            <a:spLocks noChangeArrowheads="1"/>
+            <a:spLocks noGrp="1"/>
           </p:cNvSpPr>
-          <p:nvPr userDrawn="1"/>
+          <p:nvPr>
+            <p:ph type="title"/>
+          </p:nvPr>
         </p:nvSpPr>
-        <p:spPr bwMode="auto">
-          <a:xfrm>
-            <a:off x="0" y="0"/>
-            <a:ext cx="9146932" cy="6858000"/>
-          </a:xfrm>
-          <a:prstGeom prst="rect">
-            <a:avLst/>
-          </a:prstGeom>
-          <a:solidFill>
-            <a:srgbClr val="D9D9D9"/>
-          </a:solidFill>
-          <a:ln>
-            <a:noFill/>
-          </a:ln>
-          <a:extLst/>
-        </p:spPr>
+        <p:spPr/>
         <p:txBody>
-          <a:bodyPr wrap="none" anchor="ctr"/>
+          <a:bodyPr/>
           <a:lstStyle/>
           <a:p>
-            <a:pPr algn="ctr" fontAlgn="base">
-              <a:spcBef>
-                <a:spcPct val="0"/>
-              </a:spcBef>
-              <a:spcAft>
-                <a:spcPct val="30000"/>
-              </a:spcAft>
-              <a:buClr>
-                <a:srgbClr val="113388"/>
-              </a:buClr>
-              <a:buFont typeface="Wingdings" pitchFamily="2" charset="2"/>
-              <a:buNone/>
-            </a:pPr>
-            <a:endParaRPr lang="de-DE" altLang="de-DE" sz="1600" dirty="0">
-              <a:solidFill>
-                <a:srgbClr val="000000"/>
-              </a:solidFill>
-            </a:endParaRPr>
+            <a:r>
+              <a:rPr lang="en-US" dirty="0"/>
+              <a:t>Click to edit Master title style</a:t>
+            </a:r>
           </a:p>
         </p:txBody>
       </p:sp>
-      <p:pic>
-        <p:nvPicPr>
-          <p:cNvPr id="186441" name="Picture 73"/>
-          <p:cNvPicPr>
-            <a:picLocks noChangeAspect="1" noChangeArrowheads="1"/>
-          </p:cNvPicPr>
-          <p:nvPr userDrawn="1"/>
-        </p:nvPicPr>
-        <p:blipFill rotWithShape="1">
-          <a:blip r:embed="rId4">
-            <a:extLst>
-              <a:ext uri="{28A0092B-C50C-407E-A947-70E740481C1C}">
-                <a14:useLocalDpi xmlns:a14="http://schemas.microsoft.com/office/drawing/2010/main" val="0"/>
-              </a:ext>
-            </a:extLst>
-          </a:blip>
-          <a:srcRect b="6760"/>
-          <a:stretch/>
-        </p:blipFill>
-        <p:spPr bwMode="auto">
+    </p:spTree>
+    <p:extLst>
+      <p:ext uri="{BB962C8B-B14F-4D97-AF65-F5344CB8AC3E}">
+        <p14:creationId xmlns:p14="http://schemas.microsoft.com/office/powerpoint/2010/main" val="893387707"/>
+      </p:ext>
+    </p:extLst>
+  </p:cSld>
+  <p:clrMapOvr>
+    <a:masterClrMapping/>
+  </p:clrMapOvr>
+</p:sldLayout>
+</file>
+
+<file path=ppt/slideLayouts/slideLayout10.xml><?xml version="1.0" encoding="utf-8"?>
+<p:sldLayout xmlns:a="http://schemas.openxmlformats.org/drawingml/2006/main" xmlns:r="http://schemas.openxmlformats.org/officeDocument/2006/relationships" xmlns:p="http://schemas.openxmlformats.org/presentationml/2006/main" userDrawn="1">
+  <p:cSld name="Title and Content">
+    <p:spTree>
+      <p:nvGrpSpPr>
+        <p:cNvPr id="1" name=""/>
+        <p:cNvGrpSpPr/>
+        <p:nvPr/>
+      </p:nvGrpSpPr>
+      <p:grpSpPr>
+        <a:xfrm>
+          <a:off x="0" y="0"/>
+          <a:ext cx="0" cy="0"/>
+          <a:chOff x="0" y="0"/>
+          <a:chExt cx="0" cy="0"/>
+        </a:xfrm>
+      </p:grpSpPr>
+      <p:sp>
+        <p:nvSpPr>
+          <p:cNvPr id="8" name="Title 1"/>
+          <p:cNvSpPr>
+            <a:spLocks noGrp="1"/>
+          </p:cNvSpPr>
+          <p:nvPr>
+            <p:ph type="title"/>
+          </p:nvPr>
+        </p:nvSpPr>
+        <p:spPr>
           <a:xfrm>
-            <a:off x="-12302" y="0"/>
-            <a:ext cx="9156315" cy="6165850"/>
+            <a:off x="444165" y="303928"/>
+            <a:ext cx="6978931" cy="338554"/>
           </a:xfrm>
-          <a:prstGeom prst="rect">
-            <a:avLst/>
-          </a:prstGeom>
-          <a:noFill/>
-          <a:ln>
-            <a:noFill/>
-          </a:ln>
-          <a:extLst>
-            <a:ext uri="{909E8E84-426E-40DD-AFC4-6F175D3DCCD1}">
-              <a14:hiddenFill xmlns:a14="http://schemas.microsoft.com/office/drawing/2010/main">
-                <a:solidFill>
-                  <a:schemeClr val="accent1"/>
-                </a:solidFill>
-              </a14:hiddenFill>
-            </a:ext>
-            <a:ext uri="{91240B29-F687-4F45-9708-019B960494DF}">
-              <a14:hiddenLine xmlns:a14="http://schemas.microsoft.com/office/drawing/2010/main" w="9525">
-                <a:solidFill>
-                  <a:schemeClr val="tx1"/>
-                </a:solidFill>
-                <a:miter lim="800000"/>
-                <a:headEnd/>
-                <a:tailEnd/>
-              </a14:hiddenLine>
-            </a:ext>
-          </a:extLst>
         </p:spPr>
-      </p:pic>
+        <p:txBody>
+          <a:bodyPr/>
+          <a:lstStyle/>
+          <a:p>
+            <a:r>
+              <a:rPr lang="en-US" dirty="0"/>
+              <a:t>Click to edit Master title style</a:t>
+            </a:r>
+          </a:p>
+        </p:txBody>
+      </p:sp>
+    </p:spTree>
+    <p:extLst>
+      <p:ext uri="{BB962C8B-B14F-4D97-AF65-F5344CB8AC3E}">
+        <p14:creationId xmlns:p14="http://schemas.microsoft.com/office/powerpoint/2010/main" val="3398723770"/>
+      </p:ext>
+    </p:extLst>
+  </p:cSld>
+  <p:clrMapOvr>
+    <a:masterClrMapping/>
+  </p:clrMapOvr>
+</p:sldLayout>
+</file>
+
+<file path=ppt/slideLayouts/slideLayout11.xml><?xml version="1.0" encoding="utf-8"?>
+<p:sldLayout xmlns:a="http://schemas.openxmlformats.org/drawingml/2006/main" xmlns:r="http://schemas.openxmlformats.org/officeDocument/2006/relationships" xmlns:p="http://schemas.openxmlformats.org/presentationml/2006/main" userDrawn="1">
+  <p:cSld name="2_Title and Content">
+    <p:spTree>
+      <p:nvGrpSpPr>
+        <p:cNvPr id="1" name=""/>
+        <p:cNvGrpSpPr/>
+        <p:nvPr/>
+      </p:nvGrpSpPr>
+      <p:grpSpPr>
+        <a:xfrm>
+          <a:off x="0" y="0"/>
+          <a:ext cx="0" cy="0"/>
+          <a:chOff x="0" y="0"/>
+          <a:chExt cx="0" cy="0"/>
+        </a:xfrm>
+      </p:grpSpPr>
+      <p:sp>
+        <p:nvSpPr>
+          <p:cNvPr id="2" name="Title 1"/>
+          <p:cNvSpPr>
+            <a:spLocks noGrp="1"/>
+          </p:cNvSpPr>
+          <p:nvPr>
+            <p:ph type="title"/>
+          </p:nvPr>
+        </p:nvSpPr>
+        <p:spPr/>
+        <p:txBody>
+          <a:bodyPr/>
+          <a:lstStyle/>
+          <a:p>
+            <a:r>
+              <a:rPr lang="en-US" dirty="0"/>
+              <a:t>Click to edit Master title style</a:t>
+            </a:r>
+          </a:p>
+        </p:txBody>
+      </p:sp>
+      <p:sp>
+        <p:nvSpPr>
+          <p:cNvPr id="3" name="Content Placeholder 2"/>
+          <p:cNvSpPr>
+            <a:spLocks noGrp="1"/>
+          </p:cNvSpPr>
+          <p:nvPr>
+            <p:ph idx="1"/>
+          </p:nvPr>
+        </p:nvSpPr>
+        <p:spPr>
+          <a:xfrm>
+            <a:off x="2377115" y="2699100"/>
+            <a:ext cx="4389768" cy="1231106"/>
+          </a:xfrm>
+        </p:spPr>
+        <p:txBody>
+          <a:bodyPr/>
+          <a:lstStyle/>
+          <a:p>
+            <a:pPr lvl="0"/>
+            <a:r>
+              <a:rPr lang="en-US" dirty="0"/>
+              <a:t>Click to edit Master text styles</a:t>
+            </a:r>
+          </a:p>
+          <a:p>
+            <a:pPr lvl="1"/>
+            <a:r>
+              <a:rPr lang="en-US" dirty="0"/>
+              <a:t>Second level</a:t>
+            </a:r>
+          </a:p>
+          <a:p>
+            <a:pPr lvl="2"/>
+            <a:r>
+              <a:rPr lang="en-US" dirty="0"/>
+              <a:t>Third level</a:t>
+            </a:r>
+          </a:p>
+          <a:p>
+            <a:pPr lvl="3"/>
+            <a:r>
+              <a:rPr lang="en-US" dirty="0"/>
+              <a:t>Fourth level</a:t>
+            </a:r>
+          </a:p>
+          <a:p>
+            <a:pPr lvl="4"/>
+            <a:r>
+              <a:rPr lang="en-US" dirty="0"/>
+              <a:t>Fifth level</a:t>
+            </a:r>
+          </a:p>
+        </p:txBody>
+      </p:sp>
+    </p:spTree>
+    <p:extLst>
+      <p:ext uri="{BB962C8B-B14F-4D97-AF65-F5344CB8AC3E}">
+        <p14:creationId xmlns:p14="http://schemas.microsoft.com/office/powerpoint/2010/main" val="2638152607"/>
+      </p:ext>
+    </p:extLst>
+  </p:cSld>
+  <p:clrMapOvr>
+    <a:masterClrMapping/>
+  </p:clrMapOvr>
+</p:sldLayout>
+</file>
+
+<file path=ppt/slideLayouts/slideLayout12.xml><?xml version="1.0" encoding="utf-8"?>
+<p:sldLayout xmlns:a="http://schemas.openxmlformats.org/drawingml/2006/main" xmlns:r="http://schemas.openxmlformats.org/officeDocument/2006/relationships" xmlns:p="http://schemas.openxmlformats.org/presentationml/2006/main" userDrawn="1">
+  <p:cSld name="Title Only">
+    <p:bg bwMode="auto">
+      <p:bgPr>
+        <a:solidFill>
+          <a:schemeClr val="bg1"/>
+        </a:solidFill>
+        <a:effectLst/>
+      </p:bgPr>
+    </p:bg>
+    <p:spTree>
+      <p:nvGrpSpPr>
+        <p:cNvPr id="1" name=""/>
+        <p:cNvGrpSpPr/>
+        <p:nvPr/>
+      </p:nvGrpSpPr>
+      <p:grpSpPr>
+        <a:xfrm>
+          <a:off x="0" y="0"/>
+          <a:ext cx="0" cy="0"/>
+          <a:chOff x="0" y="0"/>
+          <a:chExt cx="0" cy="0"/>
+        </a:xfrm>
+      </p:grpSpPr>
       <p:graphicFrame>
         <p:nvGraphicFramePr>
-          <p:cNvPr id="4" name="Object 2" hidden="1"/>
+          <p:cNvPr id="4" name="Object 3" hidden="1"/>
           <p:cNvGraphicFramePr>
-            <a:graphicFrameLocks noChangeAspect="1"/>
+            <a:graphicFrameLocks/>
           </p:cNvGraphicFramePr>
-          <p:nvPr>
+          <p:nvPr userDrawn="1">
             <p:custDataLst>
               <p:tags r:id="rId2"/>
             </p:custDataLst>
             <p:extLst>
               <p:ext uri="{D42A27DB-BD31-4B8C-83A1-F6EECF244321}">
-                <p14:modId xmlns:p14="http://schemas.microsoft.com/office/powerpoint/2010/main" val="2485256222"/>
+                <p14:modId xmlns:p14="http://schemas.microsoft.com/office/powerpoint/2010/main" val="4291118162"/>
               </p:ext>
             </p:extLst>
           </p:nvPr>
         </p:nvGraphicFramePr>
         <p:xfrm>
-          <a:off x="1499" y="1605"/>
-          <a:ext cx="1466" cy="1587"/>
+          <a:off x="0" y="0"/>
+          <a:ext cx="158750" cy="158750"/>
         </p:xfrm>
         <a:graphic>
           <a:graphicData uri="http://schemas.openxmlformats.org/presentationml/2006/ole">
             <mc:AlternateContent xmlns:mc="http://schemas.openxmlformats.org/markup-compatibility/2006">
               <mc:Choice xmlns:v="urn:schemas-microsoft-com:vml" Requires="v">
-                <p:oleObj spid="_x0000_s2059" name="think-cell Slide" r:id="rId5" imgW="360" imgH="360" progId="TCLayout.ActiveDocument.1">
+                <p:oleObj spid="_x0000_s7180" name="think-cell Slide" r:id="rId4" imgW="270" imgH="270" progId="TCLayout.ActiveDocument.1">
                   <p:embed/>
                 </p:oleObj>
               </mc:Choice>
               <mc:Fallback>
-                <p:oleObj name="think-cell Slide" r:id="rId5" imgW="360" imgH="360" progId="TCLayout.ActiveDocument.1">
+                <p:oleObj name="think-cell Slide" r:id="rId4" imgW="270" imgH="270" progId="TCLayout.ActiveDocument.1">
                   <p:embed/>
                   <p:pic>
                     <p:nvPicPr>
                       <p:cNvPr id="0" name=""/>
-                      <p:cNvPicPr>
-                        <a:picLocks noChangeAspect="1" noChangeArrowheads="1"/>
-                      </p:cNvPicPr>
+                      <p:cNvPicPr/>
                       <p:nvPr/>
                     </p:nvPicPr>
                     <p:blipFill>
-                      <a:blip r:embed="rId6">
-                        <a:extLst>
-                          <a:ext uri="{28A0092B-C50C-407E-A947-70E740481C1C}">
-                            <a14:useLocalDpi xmlns:a14="http://schemas.microsoft.com/office/drawing/2010/main" val="0"/>
-                          </a:ext>
-                        </a:extLst>
-                      </a:blip>
-                      <a:srcRect/>
+                      <a:blip r:embed="rId5"/>
                       <a:stretch>
                         <a:fillRect/>
                       </a:stretch>
                     </p:blipFill>
-                    <p:spPr bwMode="auto">
+                    <p:spPr>
                       <a:xfrm>
-                        <a:off x="1499" y="1605"/>
-                        <a:ext cx="1466" cy="1587"/>
+                        <a:off x="0" y="0"/>
+                        <a:ext cx="158750" cy="158750"/>
                       </a:xfrm>
                       <a:prstGeom prst="rect">
                         <a:avLst/>
                       </a:prstGeom>
-                      <a:noFill/>
-                      <a:extLst>
-                        <a:ext uri="{909E8E84-426E-40DD-AFC4-6F175D3DCCD1}">
-                          <a14:hiddenFill xmlns:a14="http://schemas.microsoft.com/office/drawing/2010/main">
-                            <a:solidFill>
-                              <a:srgbClr val="FFFFFF"/>
-                            </a:solidFill>
-                          </a14:hiddenFill>
-                        </a:ext>
-                      </a:extLst>
                     </p:spPr>
                   </p:pic>
                 </p:oleObj>
@@ -667,550 +772,38 @@
       </p:graphicFrame>
       <p:sp>
         <p:nvSpPr>
-          <p:cNvPr id="7" name="Freeform 11"/>
+          <p:cNvPr id="2" name="McK 2. Slide Title"/>
           <p:cNvSpPr>
-            <a:spLocks/>
-          </p:cNvSpPr>
-          <p:nvPr userDrawn="1"/>
-        </p:nvSpPr>
-        <p:spPr bwMode="auto">
-          <a:xfrm>
-            <a:off x="643510" y="682625"/>
-            <a:ext cx="3686623" cy="3657600"/>
-          </a:xfrm>
-          <a:custGeom>
-            <a:avLst/>
-            <a:gdLst>
-              <a:gd name="T0" fmla="*/ 0 w 2322"/>
-              <a:gd name="T1" fmla="*/ 2147483647 h 2304"/>
-              <a:gd name="T2" fmla="*/ 2147483647 w 2322"/>
-              <a:gd name="T3" fmla="*/ 2147483647 h 2304"/>
-              <a:gd name="T4" fmla="*/ 2147483647 w 2322"/>
-              <a:gd name="T5" fmla="*/ 2147483647 h 2304"/>
-              <a:gd name="T6" fmla="*/ 2147483647 w 2322"/>
-              <a:gd name="T7" fmla="*/ 0 h 2304"/>
-              <a:gd name="T8" fmla="*/ 0 w 2322"/>
-              <a:gd name="T9" fmla="*/ 0 h 2304"/>
-              <a:gd name="T10" fmla="*/ 0 w 2322"/>
-              <a:gd name="T11" fmla="*/ 2147483647 h 2304"/>
-              <a:gd name="T12" fmla="*/ 0 60000 65536"/>
-              <a:gd name="T13" fmla="*/ 0 60000 65536"/>
-              <a:gd name="T14" fmla="*/ 0 60000 65536"/>
-              <a:gd name="T15" fmla="*/ 0 60000 65536"/>
-              <a:gd name="T16" fmla="*/ 0 60000 65536"/>
-              <a:gd name="T17" fmla="*/ 0 60000 65536"/>
-              <a:gd name="T18" fmla="*/ 0 w 2322"/>
-              <a:gd name="T19" fmla="*/ 0 h 2304"/>
-              <a:gd name="T20" fmla="*/ 2322 w 2322"/>
-              <a:gd name="T21" fmla="*/ 2304 h 2304"/>
-            </a:gdLst>
-            <a:ahLst/>
-            <a:cxnLst>
-              <a:cxn ang="T12">
-                <a:pos x="T0" y="T1"/>
-              </a:cxn>
-              <a:cxn ang="T13">
-                <a:pos x="T2" y="T3"/>
-              </a:cxn>
-              <a:cxn ang="T14">
-                <a:pos x="T4" y="T5"/>
-              </a:cxn>
-              <a:cxn ang="T15">
-                <a:pos x="T6" y="T7"/>
-              </a:cxn>
-              <a:cxn ang="T16">
-                <a:pos x="T8" y="T9"/>
-              </a:cxn>
-              <a:cxn ang="T17">
-                <a:pos x="T10" y="T11"/>
-              </a:cxn>
-            </a:cxnLst>
-            <a:rect l="T18" t="T19" r="T20" b="T21"/>
-            <a:pathLst>
-              <a:path w="2322" h="2304">
-                <a:moveTo>
-                  <a:pt x="0" y="2304"/>
-                </a:moveTo>
-                <a:lnTo>
-                  <a:pt x="2010" y="2304"/>
-                </a:lnTo>
-                <a:lnTo>
-                  <a:pt x="2322" y="1992"/>
-                </a:lnTo>
-                <a:lnTo>
-                  <a:pt x="2322" y="0"/>
-                </a:lnTo>
-                <a:lnTo>
-                  <a:pt x="0" y="0"/>
-                </a:lnTo>
-                <a:lnTo>
-                  <a:pt x="0" y="2304"/>
-                </a:lnTo>
-                <a:close/>
-              </a:path>
-            </a:pathLst>
-          </a:custGeom>
-          <a:solidFill>
-            <a:schemeClr val="accent1"/>
-          </a:solidFill>
-          <a:ln>
-            <a:noFill/>
-          </a:ln>
-          <a:extLst/>
-        </p:spPr>
-        <p:txBody>
-          <a:bodyPr/>
-          <a:lstStyle/>
-          <a:p>
-            <a:pPr fontAlgn="base">
-              <a:spcBef>
-                <a:spcPct val="0"/>
-              </a:spcBef>
-              <a:spcAft>
-                <a:spcPct val="0"/>
-              </a:spcAft>
-              <a:defRPr/>
-            </a:pPr>
-            <a:endParaRPr lang="en-US" sz="1700" dirty="0">
-              <a:solidFill>
-                <a:srgbClr val="000000"/>
-              </a:solidFill>
-            </a:endParaRPr>
-          </a:p>
-        </p:txBody>
-      </p:sp>
-      <p:grpSp>
-        <p:nvGrpSpPr>
-          <p:cNvPr id="3" name="McK Title Elements" hidden="1"/>
-          <p:cNvGrpSpPr>
-            <a:grpSpLocks/>
-          </p:cNvGrpSpPr>
-          <p:nvPr/>
-        </p:nvGrpSpPr>
-        <p:grpSpPr bwMode="auto">
-          <a:xfrm>
-            <a:off x="744687" y="3676650"/>
-            <a:ext cx="2965424" cy="515938"/>
-            <a:chOff x="1663" y="3099"/>
-            <a:chExt cx="3109" cy="319"/>
-          </a:xfrm>
-        </p:grpSpPr>
-        <p:sp>
-          <p:nvSpPr>
-            <p:cNvPr id="15" name="McK Document type"/>
-            <p:cNvSpPr txBox="1">
-              <a:spLocks noChangeArrowheads="1"/>
-            </p:cNvSpPr>
-            <p:nvPr/>
-          </p:nvSpPr>
-          <p:spPr bwMode="auto">
-            <a:xfrm>
-              <a:off x="1663" y="3099"/>
-              <a:ext cx="3109" cy="143"/>
-            </a:xfrm>
-            <a:prstGeom prst="rect">
-              <a:avLst/>
-            </a:prstGeom>
-            <a:noFill/>
-            <a:ln>
-              <a:noFill/>
-            </a:ln>
-            <a:effectLst/>
-            <a:extLst/>
-          </p:spPr>
-          <p:txBody>
-            <a:bodyPr lIns="0" tIns="0" rIns="0" bIns="0" anchor="b">
-              <a:spAutoFit/>
-            </a:bodyPr>
-            <a:lstStyle>
-              <a:lvl1pPr eaLnBrk="0" hangingPunct="0">
-                <a:defRPr sz="1600">
-                  <a:solidFill>
-                    <a:schemeClr val="tx1"/>
-                  </a:solidFill>
-                  <a:latin typeface="Arial" charset="0"/>
-                </a:defRPr>
-              </a:lvl1pPr>
-              <a:lvl2pPr marL="742950" indent="-285750" eaLnBrk="0" hangingPunct="0">
-                <a:defRPr sz="1600">
-                  <a:solidFill>
-                    <a:schemeClr val="tx1"/>
-                  </a:solidFill>
-                  <a:latin typeface="Arial" charset="0"/>
-                </a:defRPr>
-              </a:lvl2pPr>
-              <a:lvl3pPr marL="1143000" indent="-228600" eaLnBrk="0" hangingPunct="0">
-                <a:defRPr sz="1600">
-                  <a:solidFill>
-                    <a:schemeClr val="tx1"/>
-                  </a:solidFill>
-                  <a:latin typeface="Arial" charset="0"/>
-                </a:defRPr>
-              </a:lvl3pPr>
-              <a:lvl4pPr marL="1600200" indent="-228600" eaLnBrk="0" hangingPunct="0">
-                <a:defRPr sz="1600">
-                  <a:solidFill>
-                    <a:schemeClr val="tx1"/>
-                  </a:solidFill>
-                  <a:latin typeface="Arial" charset="0"/>
-                </a:defRPr>
-              </a:lvl4pPr>
-              <a:lvl5pPr marL="2057400" indent="-228600" eaLnBrk="0" hangingPunct="0">
-                <a:defRPr sz="1600">
-                  <a:solidFill>
-                    <a:schemeClr val="tx1"/>
-                  </a:solidFill>
-                  <a:latin typeface="Arial" charset="0"/>
-                </a:defRPr>
-              </a:lvl5pPr>
-              <a:lvl6pPr marL="2514600" indent="-228600" eaLnBrk="0" fontAlgn="base" hangingPunct="0">
-                <a:spcBef>
-                  <a:spcPct val="0"/>
-                </a:spcBef>
-                <a:spcAft>
-                  <a:spcPct val="0"/>
-                </a:spcAft>
-                <a:defRPr sz="1600">
-                  <a:solidFill>
-                    <a:schemeClr val="tx1"/>
-                  </a:solidFill>
-                  <a:latin typeface="Arial" charset="0"/>
-                </a:defRPr>
-              </a:lvl6pPr>
-              <a:lvl7pPr marL="2971800" indent="-228600" eaLnBrk="0" fontAlgn="base" hangingPunct="0">
-                <a:spcBef>
-                  <a:spcPct val="0"/>
-                </a:spcBef>
-                <a:spcAft>
-                  <a:spcPct val="0"/>
-                </a:spcAft>
-                <a:defRPr sz="1600">
-                  <a:solidFill>
-                    <a:schemeClr val="tx1"/>
-                  </a:solidFill>
-                  <a:latin typeface="Arial" charset="0"/>
-                </a:defRPr>
-              </a:lvl7pPr>
-              <a:lvl8pPr marL="3429000" indent="-228600" eaLnBrk="0" fontAlgn="base" hangingPunct="0">
-                <a:spcBef>
-                  <a:spcPct val="0"/>
-                </a:spcBef>
-                <a:spcAft>
-                  <a:spcPct val="0"/>
-                </a:spcAft>
-                <a:defRPr sz="1600">
-                  <a:solidFill>
-                    <a:schemeClr val="tx1"/>
-                  </a:solidFill>
-                  <a:latin typeface="Arial" charset="0"/>
-                </a:defRPr>
-              </a:lvl8pPr>
-              <a:lvl9pPr marL="3886200" indent="-228600" eaLnBrk="0" fontAlgn="base" hangingPunct="0">
-                <a:spcBef>
-                  <a:spcPct val="0"/>
-                </a:spcBef>
-                <a:spcAft>
-                  <a:spcPct val="0"/>
-                </a:spcAft>
-                <a:defRPr sz="1600">
-                  <a:solidFill>
-                    <a:schemeClr val="tx1"/>
-                  </a:solidFill>
-                  <a:latin typeface="Arial" charset="0"/>
-                </a:defRPr>
-              </a:lvl9pPr>
-            </a:lstStyle>
-            <a:p>
-              <a:pPr eaLnBrk="1" fontAlgn="base" hangingPunct="1">
-                <a:spcBef>
-                  <a:spcPct val="0"/>
-                </a:spcBef>
-                <a:spcAft>
-                  <a:spcPct val="0"/>
-                </a:spcAft>
-                <a:defRPr/>
-              </a:pPr>
-              <a:r>
-                <a:rPr lang="en-US" sz="1500" dirty="0">
-                  <a:solidFill>
-                    <a:srgbClr val="FFFFFF"/>
-                  </a:solidFill>
-                  <a:latin typeface="Arial"/>
-                </a:rPr>
-                <a:t>Document type</a:t>
-              </a:r>
-            </a:p>
-          </p:txBody>
-        </p:sp>
-        <p:sp>
-          <p:nvSpPr>
-            <p:cNvPr id="16" name="McK Date"/>
-            <p:cNvSpPr txBox="1">
-              <a:spLocks noChangeArrowheads="1"/>
-            </p:cNvSpPr>
-            <p:nvPr/>
-          </p:nvSpPr>
-          <p:spPr bwMode="auto">
-            <a:xfrm>
-              <a:off x="1663" y="3275"/>
-              <a:ext cx="3109" cy="143"/>
-            </a:xfrm>
-            <a:prstGeom prst="rect">
-              <a:avLst/>
-            </a:prstGeom>
-            <a:noFill/>
-            <a:ln>
-              <a:noFill/>
-            </a:ln>
-            <a:effectLst/>
-            <a:extLst/>
-          </p:spPr>
-          <p:txBody>
-            <a:bodyPr lIns="0" tIns="0" rIns="0" bIns="0">
-              <a:spAutoFit/>
-            </a:bodyPr>
-            <a:lstStyle>
-              <a:lvl1pPr eaLnBrk="0" hangingPunct="0">
-                <a:defRPr sz="1600">
-                  <a:solidFill>
-                    <a:schemeClr val="tx1"/>
-                  </a:solidFill>
-                  <a:latin typeface="Arial" charset="0"/>
-                </a:defRPr>
-              </a:lvl1pPr>
-              <a:lvl2pPr marL="742950" indent="-285750" eaLnBrk="0" hangingPunct="0">
-                <a:defRPr sz="1600">
-                  <a:solidFill>
-                    <a:schemeClr val="tx1"/>
-                  </a:solidFill>
-                  <a:latin typeface="Arial" charset="0"/>
-                </a:defRPr>
-              </a:lvl2pPr>
-              <a:lvl3pPr marL="1143000" indent="-228600" eaLnBrk="0" hangingPunct="0">
-                <a:defRPr sz="1600">
-                  <a:solidFill>
-                    <a:schemeClr val="tx1"/>
-                  </a:solidFill>
-                  <a:latin typeface="Arial" charset="0"/>
-                </a:defRPr>
-              </a:lvl3pPr>
-              <a:lvl4pPr marL="1600200" indent="-228600" eaLnBrk="0" hangingPunct="0">
-                <a:defRPr sz="1600">
-                  <a:solidFill>
-                    <a:schemeClr val="tx1"/>
-                  </a:solidFill>
-                  <a:latin typeface="Arial" charset="0"/>
-                </a:defRPr>
-              </a:lvl4pPr>
-              <a:lvl5pPr marL="2057400" indent="-228600" eaLnBrk="0" hangingPunct="0">
-                <a:defRPr sz="1600">
-                  <a:solidFill>
-                    <a:schemeClr val="tx1"/>
-                  </a:solidFill>
-                  <a:latin typeface="Arial" charset="0"/>
-                </a:defRPr>
-              </a:lvl5pPr>
-              <a:lvl6pPr marL="2514600" indent="-228600" eaLnBrk="0" fontAlgn="base" hangingPunct="0">
-                <a:spcBef>
-                  <a:spcPct val="0"/>
-                </a:spcBef>
-                <a:spcAft>
-                  <a:spcPct val="0"/>
-                </a:spcAft>
-                <a:defRPr sz="1600">
-                  <a:solidFill>
-                    <a:schemeClr val="tx1"/>
-                  </a:solidFill>
-                  <a:latin typeface="Arial" charset="0"/>
-                </a:defRPr>
-              </a:lvl6pPr>
-              <a:lvl7pPr marL="2971800" indent="-228600" eaLnBrk="0" fontAlgn="base" hangingPunct="0">
-                <a:spcBef>
-                  <a:spcPct val="0"/>
-                </a:spcBef>
-                <a:spcAft>
-                  <a:spcPct val="0"/>
-                </a:spcAft>
-                <a:defRPr sz="1600">
-                  <a:solidFill>
-                    <a:schemeClr val="tx1"/>
-                  </a:solidFill>
-                  <a:latin typeface="Arial" charset="0"/>
-                </a:defRPr>
-              </a:lvl7pPr>
-              <a:lvl8pPr marL="3429000" indent="-228600" eaLnBrk="0" fontAlgn="base" hangingPunct="0">
-                <a:spcBef>
-                  <a:spcPct val="0"/>
-                </a:spcBef>
-                <a:spcAft>
-                  <a:spcPct val="0"/>
-                </a:spcAft>
-                <a:defRPr sz="1600">
-                  <a:solidFill>
-                    <a:schemeClr val="tx1"/>
-                  </a:solidFill>
-                  <a:latin typeface="Arial" charset="0"/>
-                </a:defRPr>
-              </a:lvl8pPr>
-              <a:lvl9pPr marL="3886200" indent="-228600" eaLnBrk="0" fontAlgn="base" hangingPunct="0">
-                <a:spcBef>
-                  <a:spcPct val="0"/>
-                </a:spcBef>
-                <a:spcAft>
-                  <a:spcPct val="0"/>
-                </a:spcAft>
-                <a:defRPr sz="1600">
-                  <a:solidFill>
-                    <a:schemeClr val="tx1"/>
-                  </a:solidFill>
-                  <a:latin typeface="Arial" charset="0"/>
-                </a:defRPr>
-              </a:lvl9pPr>
-            </a:lstStyle>
-            <a:p>
-              <a:pPr eaLnBrk="1" fontAlgn="base" hangingPunct="1">
-                <a:spcBef>
-                  <a:spcPct val="0"/>
-                </a:spcBef>
-                <a:spcAft>
-                  <a:spcPct val="0"/>
-                </a:spcAft>
-                <a:defRPr/>
-              </a:pPr>
-              <a:r>
-                <a:rPr lang="en-US" sz="1500" dirty="0">
-                  <a:solidFill>
-                    <a:srgbClr val="FFFFFF"/>
-                  </a:solidFill>
-                  <a:latin typeface="Arial"/>
-                </a:rPr>
-                <a:t>Date</a:t>
-              </a:r>
-            </a:p>
-          </p:txBody>
-        </p:sp>
-      </p:grpSp>
-      <p:sp>
-        <p:nvSpPr>
-          <p:cNvPr id="13314" name="Rectangle 1026"/>
-          <p:cNvSpPr>
-            <a:spLocks noGrp="1" noChangeArrowheads="1"/>
+            <a:spLocks noGrp="1"/>
           </p:cNvSpPr>
           <p:nvPr>
-            <p:ph type="ctrTitle"/>
+            <p:ph type="title"/>
           </p:nvPr>
         </p:nvSpPr>
-        <p:spPr bwMode="auto">
-          <a:xfrm>
-            <a:off x="744103" y="824364"/>
-            <a:ext cx="3488147" cy="1384995"/>
-          </a:xfrm>
-          <a:prstGeom prst="rect">
-            <a:avLst/>
-          </a:prstGeom>
-        </p:spPr>
+        <p:spPr bwMode="auto"/>
         <p:txBody>
           <a:bodyPr/>
           <a:lstStyle>
             <a:lvl1pPr>
-              <a:defRPr sz="3000" b="0" baseline="0">
-                <a:solidFill>
-                  <a:schemeClr val="bg1"/>
-                </a:solidFill>
+              <a:defRPr>
                 <a:latin typeface="+mj-lt"/>
-                <a:ea typeface="+mj-ea"/>
+                <a:ea typeface="Arial Unicode MS" pitchFamily="34" charset="-128"/>
+                <a:cs typeface="Arial Unicode MS" pitchFamily="34" charset="-128"/>
               </a:defRPr>
             </a:lvl1pPr>
           </a:lstStyle>
           <a:p>
-            <a:pPr lvl="0"/>
             <a:r>
-              <a:rPr lang="de-DE" noProof="0"/>
-              <a:t>Titelmasterformat durch Klicken bearbeiten</a:t>
+              <a:rPr lang="en-US"/>
+              <a:t>Click to edit Master title style</a:t>
             </a:r>
-            <a:endParaRPr lang="en-US" noProof="0" dirty="0"/>
           </a:p>
         </p:txBody>
       </p:sp>
-      <p:sp>
-        <p:nvSpPr>
-          <p:cNvPr id="13315" name="Rectangle 1027"/>
-          <p:cNvSpPr>
-            <a:spLocks noGrp="1" noChangeArrowheads="1"/>
-          </p:cNvSpPr>
-          <p:nvPr>
-            <p:ph type="subTitle" idx="1"/>
-          </p:nvPr>
-        </p:nvSpPr>
-        <p:spPr bwMode="auto">
-          <a:xfrm>
-            <a:off x="744103" y="2358312"/>
-            <a:ext cx="3488147" cy="492443"/>
-          </a:xfrm>
-          <a:prstGeom prst="rect">
-            <a:avLst/>
-          </a:prstGeom>
-        </p:spPr>
-        <p:txBody>
-          <a:bodyPr lIns="0" tIns="0" rIns="0" bIns="0"/>
-          <a:lstStyle>
-            <a:lvl1pPr>
-              <a:defRPr sz="1600" baseline="0">
-                <a:solidFill>
-                  <a:schemeClr val="bg1"/>
-                </a:solidFill>
-                <a:latin typeface="+mj-lt"/>
-                <a:ea typeface="+mj-ea"/>
-              </a:defRPr>
-            </a:lvl1pPr>
-          </a:lstStyle>
-          <a:p>
-            <a:pPr lvl="0"/>
-            <a:r>
-              <a:rPr lang="de-DE" noProof="0"/>
-              <a:t>Formatvorlage des Untertitelmasters durch Klicken bearbeiten</a:t>
-            </a:r>
-            <a:endParaRPr lang="en-US" noProof="0" dirty="0"/>
-          </a:p>
-        </p:txBody>
-      </p:sp>
-      <p:pic>
-        <p:nvPicPr>
-          <p:cNvPr id="14" name="Picture 13"/>
-          <p:cNvPicPr/>
-          <p:nvPr userDrawn="1"/>
-        </p:nvPicPr>
-        <p:blipFill>
-          <a:blip r:embed="rId7" cstate="print">
-            <a:extLst>
-              <a:ext uri="{28A0092B-C50C-407E-A947-70E740481C1C}">
-                <a14:useLocalDpi xmlns:a14="http://schemas.microsoft.com/office/drawing/2010/main" val="0"/>
-              </a:ext>
-            </a:extLst>
-          </a:blip>
-          <a:srcRect/>
-          <a:stretch>
-            <a:fillRect/>
-          </a:stretch>
-        </p:blipFill>
-        <p:spPr bwMode="auto">
-          <a:xfrm>
-            <a:off x="6787936" y="5317955"/>
-            <a:ext cx="1859585" cy="1284428"/>
-          </a:xfrm>
-          <a:prstGeom prst="rect">
-            <a:avLst/>
-          </a:prstGeom>
-          <a:noFill/>
-          <a:ln>
-            <a:noFill/>
-          </a:ln>
-        </p:spPr>
-      </p:pic>
     </p:spTree>
     <p:extLst>
       <p:ext uri="{BB962C8B-B14F-4D97-AF65-F5344CB8AC3E}">
-        <p14:creationId xmlns:p14="http://schemas.microsoft.com/office/powerpoint/2010/main" val="3894814917"/>
+        <p14:creationId xmlns:p14="http://schemas.microsoft.com/office/powerpoint/2010/main" val="611516639"/>
       </p:ext>
     </p:extLst>
   </p:cSld>
@@ -1220,7 +813,423 @@
 </p:sldLayout>
 </file>
 
-<file path=ppt/slideLayouts/slideLayout10.xml><?xml version="1.0" encoding="utf-8"?>
+<file path=ppt/slideLayouts/slideLayout13.xml><?xml version="1.0" encoding="utf-8"?>
+<p:sldLayout xmlns:a="http://schemas.openxmlformats.org/drawingml/2006/main" xmlns:r="http://schemas.openxmlformats.org/officeDocument/2006/relationships" xmlns:p="http://schemas.openxmlformats.org/presentationml/2006/main" userDrawn="1">
+  <p:cSld name="Title &amp; Subtitle">
+    <p:spTree>
+      <p:nvGrpSpPr>
+        <p:cNvPr id="1" name=""/>
+        <p:cNvGrpSpPr/>
+        <p:nvPr/>
+      </p:nvGrpSpPr>
+      <p:grpSpPr>
+        <a:xfrm>
+          <a:off x="0" y="0"/>
+          <a:ext cx="0" cy="0"/>
+          <a:chOff x="0" y="0"/>
+          <a:chExt cx="0" cy="0"/>
+        </a:xfrm>
+      </p:grpSpPr>
+      <p:sp>
+        <p:nvSpPr>
+          <p:cNvPr id="2" name="Title 1"/>
+          <p:cNvSpPr>
+            <a:spLocks noGrp="1"/>
+          </p:cNvSpPr>
+          <p:nvPr>
+            <p:ph type="title"/>
+          </p:nvPr>
+        </p:nvSpPr>
+        <p:spPr/>
+        <p:txBody>
+          <a:bodyPr/>
+          <a:lstStyle/>
+          <a:p>
+            <a:r>
+              <a:rPr lang="en-US" dirty="0"/>
+              <a:t>Click to edit Master title style</a:t>
+            </a:r>
+          </a:p>
+        </p:txBody>
+      </p:sp>
+      <p:sp>
+        <p:nvSpPr>
+          <p:cNvPr id="5" name="Text Placeholder 4"/>
+          <p:cNvSpPr>
+            <a:spLocks noGrp="1"/>
+          </p:cNvSpPr>
+          <p:nvPr>
+            <p:ph type="body" sz="quarter" idx="10"/>
+          </p:nvPr>
+        </p:nvSpPr>
+        <p:spPr>
+          <a:xfrm>
+            <a:off x="360364" y="1352550"/>
+            <a:ext cx="8315325" cy="406400"/>
+          </a:xfrm>
+        </p:spPr>
+        <p:txBody>
+          <a:bodyPr>
+            <a:noAutofit/>
+          </a:bodyPr>
+          <a:lstStyle>
+            <a:lvl1pPr>
+              <a:defRPr sz="2900"/>
+            </a:lvl1pPr>
+          </a:lstStyle>
+          <a:p>
+            <a:pPr lvl="0"/>
+            <a:r>
+              <a:rPr lang="en-US" dirty="0"/>
+              <a:t>Click to edit Master text styles</a:t>
+            </a:r>
+          </a:p>
+        </p:txBody>
+      </p:sp>
+      <p:sp>
+        <p:nvSpPr>
+          <p:cNvPr id="4" name="Content Placeholder 10"/>
+          <p:cNvSpPr>
+            <a:spLocks noGrp="1"/>
+          </p:cNvSpPr>
+          <p:nvPr>
+            <p:ph sz="quarter" idx="11"/>
+          </p:nvPr>
+        </p:nvSpPr>
+        <p:spPr>
+          <a:xfrm>
+            <a:off x="360363" y="1979407"/>
+            <a:ext cx="8280400" cy="1295226"/>
+          </a:xfrm>
+        </p:spPr>
+        <p:txBody>
+          <a:bodyPr/>
+          <a:lstStyle>
+            <a:lvl1pPr>
+              <a:spcAft>
+                <a:spcPts val="523"/>
+              </a:spcAft>
+              <a:defRPr/>
+            </a:lvl1pPr>
+          </a:lstStyle>
+          <a:p>
+            <a:pPr lvl="0"/>
+            <a:r>
+              <a:rPr lang="en-US" dirty="0"/>
+              <a:t>Click to edit Master text styles</a:t>
+            </a:r>
+          </a:p>
+          <a:p>
+            <a:pPr lvl="1"/>
+            <a:r>
+              <a:rPr lang="en-US" dirty="0"/>
+              <a:t>Second level</a:t>
+            </a:r>
+          </a:p>
+          <a:p>
+            <a:pPr lvl="2"/>
+            <a:r>
+              <a:rPr lang="en-US" dirty="0"/>
+              <a:t>Third level</a:t>
+            </a:r>
+          </a:p>
+          <a:p>
+            <a:pPr lvl="3"/>
+            <a:r>
+              <a:rPr lang="en-US" dirty="0"/>
+              <a:t>Fourth level</a:t>
+            </a:r>
+          </a:p>
+          <a:p>
+            <a:pPr lvl="4"/>
+            <a:r>
+              <a:rPr lang="en-US" dirty="0"/>
+              <a:t>Fifth level</a:t>
+            </a:r>
+            <a:endParaRPr lang="en-AU" dirty="0"/>
+          </a:p>
+        </p:txBody>
+      </p:sp>
+    </p:spTree>
+    <p:extLst>
+      <p:ext uri="{BB962C8B-B14F-4D97-AF65-F5344CB8AC3E}">
+        <p14:creationId xmlns:p14="http://schemas.microsoft.com/office/powerpoint/2010/main" val="2450306242"/>
+      </p:ext>
+    </p:extLst>
+  </p:cSld>
+  <p:clrMapOvr>
+    <a:masterClrMapping/>
+  </p:clrMapOvr>
+</p:sldLayout>
+</file>
+
+<file path=ppt/slideLayouts/slideLayout2.xml><?xml version="1.0" encoding="utf-8"?>
+<p:sldLayout xmlns:a="http://schemas.openxmlformats.org/drawingml/2006/main" xmlns:r="http://schemas.openxmlformats.org/officeDocument/2006/relationships" xmlns:p="http://schemas.openxmlformats.org/presentationml/2006/main" userDrawn="1">
+  <p:cSld name="2_Title Only">
+    <p:spTree>
+      <p:nvGrpSpPr>
+        <p:cNvPr id="1" name=""/>
+        <p:cNvGrpSpPr/>
+        <p:nvPr/>
+      </p:nvGrpSpPr>
+      <p:grpSpPr>
+        <a:xfrm>
+          <a:off x="0" y="0"/>
+          <a:ext cx="0" cy="0"/>
+          <a:chOff x="0" y="0"/>
+          <a:chExt cx="0" cy="0"/>
+        </a:xfrm>
+      </p:grpSpPr>
+      <p:sp>
+        <p:nvSpPr>
+          <p:cNvPr id="2" name="Title 1"/>
+          <p:cNvSpPr>
+            <a:spLocks noGrp="1"/>
+          </p:cNvSpPr>
+          <p:nvPr>
+            <p:ph type="title"/>
+          </p:nvPr>
+        </p:nvSpPr>
+        <p:spPr/>
+        <p:txBody>
+          <a:bodyPr/>
+          <a:lstStyle/>
+          <a:p>
+            <a:r>
+              <a:rPr lang="en-US"/>
+              <a:t>Click to edit Master title style</a:t>
+            </a:r>
+          </a:p>
+        </p:txBody>
+      </p:sp>
+    </p:spTree>
+    <p:extLst>
+      <p:ext uri="{BB962C8B-B14F-4D97-AF65-F5344CB8AC3E}">
+        <p14:creationId xmlns:p14="http://schemas.microsoft.com/office/powerpoint/2010/main" val="3094576267"/>
+      </p:ext>
+    </p:extLst>
+  </p:cSld>
+  <p:clrMapOvr>
+    <a:masterClrMapping/>
+  </p:clrMapOvr>
+</p:sldLayout>
+</file>
+
+<file path=ppt/slideLayouts/slideLayout3.xml><?xml version="1.0" encoding="utf-8"?>
+<p:sldLayout xmlns:a="http://schemas.openxmlformats.org/drawingml/2006/main" xmlns:r="http://schemas.openxmlformats.org/officeDocument/2006/relationships" xmlns:p="http://schemas.openxmlformats.org/presentationml/2006/main" userDrawn="1">
+  <p:cSld name="Title and Content">
+    <p:spTree>
+      <p:nvGrpSpPr>
+        <p:cNvPr id="1" name=""/>
+        <p:cNvGrpSpPr/>
+        <p:nvPr/>
+      </p:nvGrpSpPr>
+      <p:grpSpPr>
+        <a:xfrm>
+          <a:off x="0" y="0"/>
+          <a:ext cx="0" cy="0"/>
+          <a:chOff x="0" y="0"/>
+          <a:chExt cx="0" cy="0"/>
+        </a:xfrm>
+      </p:grpSpPr>
+      <p:sp>
+        <p:nvSpPr>
+          <p:cNvPr id="8" name="Title 1"/>
+          <p:cNvSpPr>
+            <a:spLocks noGrp="1"/>
+          </p:cNvSpPr>
+          <p:nvPr>
+            <p:ph type="title"/>
+          </p:nvPr>
+        </p:nvSpPr>
+        <p:spPr>
+          <a:xfrm>
+            <a:off x="444165" y="303928"/>
+            <a:ext cx="6978931" cy="338554"/>
+          </a:xfrm>
+        </p:spPr>
+        <p:txBody>
+          <a:bodyPr/>
+          <a:lstStyle/>
+          <a:p>
+            <a:r>
+              <a:rPr lang="en-US" dirty="0"/>
+              <a:t>Click to edit Master title style</a:t>
+            </a:r>
+          </a:p>
+        </p:txBody>
+      </p:sp>
+    </p:spTree>
+    <p:extLst>
+      <p:ext uri="{BB962C8B-B14F-4D97-AF65-F5344CB8AC3E}">
+        <p14:creationId xmlns:p14="http://schemas.microsoft.com/office/powerpoint/2010/main" val="1104809345"/>
+      </p:ext>
+    </p:extLst>
+  </p:cSld>
+  <p:clrMapOvr>
+    <a:masterClrMapping/>
+  </p:clrMapOvr>
+</p:sldLayout>
+</file>
+
+<file path=ppt/slideLayouts/slideLayout4.xml><?xml version="1.0" encoding="utf-8"?>
+<p:sldLayout xmlns:a="http://schemas.openxmlformats.org/drawingml/2006/main" xmlns:r="http://schemas.openxmlformats.org/officeDocument/2006/relationships" xmlns:p="http://schemas.openxmlformats.org/presentationml/2006/main" userDrawn="1">
+  <p:cSld name="1_Title and Content">
+    <p:spTree>
+      <p:nvGrpSpPr>
+        <p:cNvPr id="1" name=""/>
+        <p:cNvGrpSpPr/>
+        <p:nvPr/>
+      </p:nvGrpSpPr>
+      <p:grpSpPr>
+        <a:xfrm>
+          <a:off x="0" y="0"/>
+          <a:ext cx="0" cy="0"/>
+          <a:chOff x="0" y="0"/>
+          <a:chExt cx="0" cy="0"/>
+        </a:xfrm>
+      </p:grpSpPr>
+      <p:sp>
+        <p:nvSpPr>
+          <p:cNvPr id="2" name="Title 1"/>
+          <p:cNvSpPr>
+            <a:spLocks noGrp="1"/>
+          </p:cNvSpPr>
+          <p:nvPr>
+            <p:ph type="title"/>
+          </p:nvPr>
+        </p:nvSpPr>
+        <p:spPr/>
+        <p:txBody>
+          <a:bodyPr/>
+          <a:lstStyle/>
+          <a:p>
+            <a:r>
+              <a:rPr lang="en-US"/>
+              <a:t>Click to edit Master title style</a:t>
+            </a:r>
+            <a:endParaRPr lang="en-AU"/>
+          </a:p>
+        </p:txBody>
+      </p:sp>
+    </p:spTree>
+    <p:extLst>
+      <p:ext uri="{BB962C8B-B14F-4D97-AF65-F5344CB8AC3E}">
+        <p14:creationId xmlns:p14="http://schemas.microsoft.com/office/powerpoint/2010/main" val="1166257346"/>
+      </p:ext>
+    </p:extLst>
+  </p:cSld>
+  <p:clrMapOvr>
+    <a:masterClrMapping/>
+  </p:clrMapOvr>
+</p:sldLayout>
+</file>
+
+<file path=ppt/slideLayouts/slideLayout5.xml><?xml version="1.0" encoding="utf-8"?>
+<p:sldLayout xmlns:a="http://schemas.openxmlformats.org/drawingml/2006/main" xmlns:r="http://schemas.openxmlformats.org/officeDocument/2006/relationships" xmlns:p="http://schemas.openxmlformats.org/presentationml/2006/main" type="titleOnly">
+  <p:cSld name="Titre seul">
+    <p:spTree>
+      <p:nvGrpSpPr>
+        <p:cNvPr id="1" name=""/>
+        <p:cNvGrpSpPr/>
+        <p:nvPr/>
+      </p:nvGrpSpPr>
+      <p:grpSpPr>
+        <a:xfrm>
+          <a:off x="0" y="0"/>
+          <a:ext cx="0" cy="0"/>
+          <a:chOff x="0" y="0"/>
+          <a:chExt cx="0" cy="0"/>
+        </a:xfrm>
+      </p:grpSpPr>
+      <p:sp>
+        <p:nvSpPr>
+          <p:cNvPr id="2" name="Titre 1"/>
+          <p:cNvSpPr>
+            <a:spLocks noGrp="1"/>
+          </p:cNvSpPr>
+          <p:nvPr>
+            <p:ph type="title"/>
+          </p:nvPr>
+        </p:nvSpPr>
+        <p:spPr/>
+        <p:txBody>
+          <a:bodyPr/>
+          <a:lstStyle/>
+          <a:p>
+            <a:r>
+              <a:rPr lang="fr-FR" dirty="0"/>
+              <a:t>Cliquez pour modifier le style du titre</a:t>
+            </a:r>
+          </a:p>
+        </p:txBody>
+      </p:sp>
+    </p:spTree>
+    <p:extLst>
+      <p:ext uri="{BB962C8B-B14F-4D97-AF65-F5344CB8AC3E}">
+        <p14:creationId xmlns:p14="http://schemas.microsoft.com/office/powerpoint/2010/main" val="3571363464"/>
+      </p:ext>
+    </p:extLst>
+  </p:cSld>
+  <p:clrMapOvr>
+    <a:masterClrMapping/>
+  </p:clrMapOvr>
+</p:sldLayout>
+</file>
+
+<file path=ppt/slideLayouts/slideLayout6.xml><?xml version="1.0" encoding="utf-8"?>
+<p:sldLayout xmlns:a="http://schemas.openxmlformats.org/drawingml/2006/main" xmlns:r="http://schemas.openxmlformats.org/officeDocument/2006/relationships" xmlns:p="http://schemas.openxmlformats.org/presentationml/2006/main" userDrawn="1">
+  <p:cSld name="2_Title and Content">
+    <p:spTree>
+      <p:nvGrpSpPr>
+        <p:cNvPr id="1" name=""/>
+        <p:cNvGrpSpPr/>
+        <p:nvPr/>
+      </p:nvGrpSpPr>
+      <p:grpSpPr>
+        <a:xfrm>
+          <a:off x="0" y="0"/>
+          <a:ext cx="0" cy="0"/>
+          <a:chOff x="0" y="0"/>
+          <a:chExt cx="0" cy="0"/>
+        </a:xfrm>
+      </p:grpSpPr>
+      <p:sp>
+        <p:nvSpPr>
+          <p:cNvPr id="2" name="Title 1"/>
+          <p:cNvSpPr>
+            <a:spLocks noGrp="1"/>
+          </p:cNvSpPr>
+          <p:nvPr>
+            <p:ph type="title"/>
+          </p:nvPr>
+        </p:nvSpPr>
+        <p:spPr/>
+        <p:txBody>
+          <a:bodyPr/>
+          <a:lstStyle/>
+          <a:p>
+            <a:r>
+              <a:rPr lang="en-US" dirty="0"/>
+              <a:t>Click to edit Master title style</a:t>
+            </a:r>
+          </a:p>
+        </p:txBody>
+      </p:sp>
+    </p:spTree>
+    <p:extLst>
+      <p:ext uri="{BB962C8B-B14F-4D97-AF65-F5344CB8AC3E}">
+        <p14:creationId xmlns:p14="http://schemas.microsoft.com/office/powerpoint/2010/main" val="354325967"/>
+      </p:ext>
+    </p:extLst>
+  </p:cSld>
+  <p:clrMapOvr>
+    <a:masterClrMapping/>
+  </p:clrMapOvr>
+</p:sldLayout>
+</file>
+
+<file path=ppt/slideLayouts/slideLayout7.xml><?xml version="1.0" encoding="utf-8"?>
 <p:sldLayout xmlns:a="http://schemas.openxmlformats.org/drawingml/2006/main" xmlns:r="http://schemas.openxmlformats.org/officeDocument/2006/relationships" xmlns:p="http://schemas.openxmlformats.org/presentationml/2006/main" userDrawn="1">
   <p:cSld name="Title &amp; Subtitle">
     <p:spTree>
@@ -1370,812 +1379,7 @@
 </p:sldLayout>
 </file>
 
-<file path=ppt/slideLayouts/slideLayout11.xml><?xml version="1.0" encoding="utf-8"?>
-<p:sldLayout xmlns:a="http://schemas.openxmlformats.org/drawingml/2006/main" xmlns:r="http://schemas.openxmlformats.org/officeDocument/2006/relationships" xmlns:p="http://schemas.openxmlformats.org/presentationml/2006/main" userDrawn="1">
-  <p:cSld name="Nur Titel">
-    <p:spTree>
-      <p:nvGrpSpPr>
-        <p:cNvPr id="1" name=""/>
-        <p:cNvGrpSpPr/>
-        <p:nvPr/>
-      </p:nvGrpSpPr>
-      <p:grpSpPr>
-        <a:xfrm>
-          <a:off x="0" y="0"/>
-          <a:ext cx="0" cy="0"/>
-          <a:chOff x="0" y="0"/>
-          <a:chExt cx="0" cy="0"/>
-        </a:xfrm>
-      </p:grpSpPr>
-      <p:sp>
-        <p:nvSpPr>
-          <p:cNvPr id="9" name="Titel 8"/>
-          <p:cNvSpPr>
-            <a:spLocks noGrp="1"/>
-          </p:cNvSpPr>
-          <p:nvPr>
-            <p:ph type="title"/>
-          </p:nvPr>
-        </p:nvSpPr>
-        <p:spPr/>
-        <p:txBody>
-          <a:bodyPr/>
-          <a:lstStyle/>
-          <a:p>
-            <a:r>
-              <a:rPr lang="de-DE"/>
-              <a:t>Titelmasterformat durch Klicken bearbeiten</a:t>
-            </a:r>
-            <a:endParaRPr lang="de-AT"/>
-          </a:p>
-        </p:txBody>
-      </p:sp>
-    </p:spTree>
-    <p:extLst>
-      <p:ext uri="{BB962C8B-B14F-4D97-AF65-F5344CB8AC3E}">
-        <p14:creationId xmlns:p14="http://schemas.microsoft.com/office/powerpoint/2010/main" val="1446059594"/>
-      </p:ext>
-    </p:extLst>
-  </p:cSld>
-  <p:clrMapOvr>
-    <a:masterClrMapping/>
-  </p:clrMapOvr>
-</p:sldLayout>
-</file>
-
-<file path=ppt/slideLayouts/slideLayout12.xml><?xml version="1.0" encoding="utf-8"?>
-<p:sldLayout xmlns:a="http://schemas.openxmlformats.org/drawingml/2006/main" xmlns:r="http://schemas.openxmlformats.org/officeDocument/2006/relationships" xmlns:p="http://schemas.openxmlformats.org/presentationml/2006/main" showMasterSp="0" userDrawn="1">
-  <p:cSld name="2_Titelfolie">
-    <p:spTree>
-      <p:nvGrpSpPr>
-        <p:cNvPr id="1" name=""/>
-        <p:cNvGrpSpPr/>
-        <p:nvPr/>
-      </p:nvGrpSpPr>
-      <p:grpSpPr>
-        <a:xfrm>
-          <a:off x="0" y="0"/>
-          <a:ext cx="0" cy="0"/>
-          <a:chOff x="0" y="0"/>
-          <a:chExt cx="0" cy="0"/>
-        </a:xfrm>
-      </p:grpSpPr>
-      <p:sp>
-        <p:nvSpPr>
-          <p:cNvPr id="5" name="Rectangle 21"/>
-          <p:cNvSpPr>
-            <a:spLocks noChangeArrowheads="1"/>
-          </p:cNvSpPr>
-          <p:nvPr userDrawn="1"/>
-        </p:nvSpPr>
-        <p:spPr bwMode="auto">
-          <a:xfrm>
-            <a:off x="0" y="0"/>
-            <a:ext cx="9146932" cy="6858000"/>
-          </a:xfrm>
-          <a:prstGeom prst="rect">
-            <a:avLst/>
-          </a:prstGeom>
-          <a:solidFill>
-            <a:srgbClr val="D9D9D9"/>
-          </a:solidFill>
-          <a:ln>
-            <a:noFill/>
-          </a:ln>
-          <a:extLst/>
-        </p:spPr>
-        <p:txBody>
-          <a:bodyPr wrap="none" anchor="ctr"/>
-          <a:lstStyle/>
-          <a:p>
-            <a:pPr algn="ctr" fontAlgn="base">
-              <a:spcBef>
-                <a:spcPct val="0"/>
-              </a:spcBef>
-              <a:spcAft>
-                <a:spcPct val="30000"/>
-              </a:spcAft>
-              <a:buClr>
-                <a:srgbClr val="113388"/>
-              </a:buClr>
-              <a:buFont typeface="Wingdings" pitchFamily="2" charset="2"/>
-              <a:buNone/>
-            </a:pPr>
-            <a:endParaRPr lang="de-DE" altLang="de-DE" sz="1600" dirty="0">
-              <a:solidFill>
-                <a:srgbClr val="000000"/>
-              </a:solidFill>
-            </a:endParaRPr>
-          </a:p>
-        </p:txBody>
-      </p:sp>
-      <p:pic>
-        <p:nvPicPr>
-          <p:cNvPr id="186441" name="Picture 73"/>
-          <p:cNvPicPr>
-            <a:picLocks noChangeAspect="1" noChangeArrowheads="1"/>
-          </p:cNvPicPr>
-          <p:nvPr userDrawn="1"/>
-        </p:nvPicPr>
-        <p:blipFill rotWithShape="1">
-          <a:blip r:embed="rId4">
-            <a:extLst>
-              <a:ext uri="{28A0092B-C50C-407E-A947-70E740481C1C}">
-                <a14:useLocalDpi xmlns:a14="http://schemas.microsoft.com/office/drawing/2010/main" val="0"/>
-              </a:ext>
-            </a:extLst>
-          </a:blip>
-          <a:srcRect b="6760"/>
-          <a:stretch/>
-        </p:blipFill>
-        <p:spPr bwMode="auto">
-          <a:xfrm>
-            <a:off x="-12302" y="0"/>
-            <a:ext cx="9156315" cy="6165850"/>
-          </a:xfrm>
-          <a:prstGeom prst="rect">
-            <a:avLst/>
-          </a:prstGeom>
-          <a:noFill/>
-          <a:ln>
-            <a:noFill/>
-          </a:ln>
-          <a:extLst>
-            <a:ext uri="{909E8E84-426E-40DD-AFC4-6F175D3DCCD1}">
-              <a14:hiddenFill xmlns:a14="http://schemas.microsoft.com/office/drawing/2010/main">
-                <a:solidFill>
-                  <a:schemeClr val="accent1"/>
-                </a:solidFill>
-              </a14:hiddenFill>
-            </a:ext>
-            <a:ext uri="{91240B29-F687-4F45-9708-019B960494DF}">
-              <a14:hiddenLine xmlns:a14="http://schemas.microsoft.com/office/drawing/2010/main" w="9525">
-                <a:solidFill>
-                  <a:schemeClr val="tx1"/>
-                </a:solidFill>
-                <a:miter lim="800000"/>
-                <a:headEnd/>
-                <a:tailEnd/>
-              </a14:hiddenLine>
-            </a:ext>
-          </a:extLst>
-        </p:spPr>
-      </p:pic>
-      <p:graphicFrame>
-        <p:nvGraphicFramePr>
-          <p:cNvPr id="4" name="Object 2" hidden="1"/>
-          <p:cNvGraphicFramePr>
-            <a:graphicFrameLocks noChangeAspect="1"/>
-          </p:cNvGraphicFramePr>
-          <p:nvPr>
-            <p:custDataLst>
-              <p:tags r:id="rId2"/>
-            </p:custDataLst>
-            <p:extLst>
-              <p:ext uri="{D42A27DB-BD31-4B8C-83A1-F6EECF244321}">
-                <p14:modId xmlns:p14="http://schemas.microsoft.com/office/powerpoint/2010/main" val="245934176"/>
-              </p:ext>
-            </p:extLst>
-          </p:nvPr>
-        </p:nvGraphicFramePr>
-        <p:xfrm>
-          <a:off x="1499" y="1605"/>
-          <a:ext cx="1466" cy="1587"/>
-        </p:xfrm>
-        <a:graphic>
-          <a:graphicData uri="http://schemas.openxmlformats.org/presentationml/2006/ole">
-            <mc:AlternateContent xmlns:mc="http://schemas.openxmlformats.org/markup-compatibility/2006">
-              <mc:Choice xmlns:v="urn:schemas-microsoft-com:vml" Requires="v">
-                <p:oleObj spid="_x0000_s6155" name="think-cell Slide" r:id="rId5" imgW="360" imgH="360" progId="TCLayout.ActiveDocument.1">
-                  <p:embed/>
-                </p:oleObj>
-              </mc:Choice>
-              <mc:Fallback>
-                <p:oleObj name="think-cell Slide" r:id="rId5" imgW="360" imgH="360" progId="TCLayout.ActiveDocument.1">
-                  <p:embed/>
-                  <p:pic>
-                    <p:nvPicPr>
-                      <p:cNvPr id="0" name=""/>
-                      <p:cNvPicPr>
-                        <a:picLocks noChangeAspect="1" noChangeArrowheads="1"/>
-                      </p:cNvPicPr>
-                      <p:nvPr/>
-                    </p:nvPicPr>
-                    <p:blipFill>
-                      <a:blip r:embed="rId6">
-                        <a:extLst>
-                          <a:ext uri="{28A0092B-C50C-407E-A947-70E740481C1C}">
-                            <a14:useLocalDpi xmlns:a14="http://schemas.microsoft.com/office/drawing/2010/main" val="0"/>
-                          </a:ext>
-                        </a:extLst>
-                      </a:blip>
-                      <a:srcRect/>
-                      <a:stretch>
-                        <a:fillRect/>
-                      </a:stretch>
-                    </p:blipFill>
-                    <p:spPr bwMode="auto">
-                      <a:xfrm>
-                        <a:off x="1499" y="1605"/>
-                        <a:ext cx="1466" cy="1587"/>
-                      </a:xfrm>
-                      <a:prstGeom prst="rect">
-                        <a:avLst/>
-                      </a:prstGeom>
-                      <a:noFill/>
-                      <a:extLst>
-                        <a:ext uri="{909E8E84-426E-40DD-AFC4-6F175D3DCCD1}">
-                          <a14:hiddenFill xmlns:a14="http://schemas.microsoft.com/office/drawing/2010/main">
-                            <a:solidFill>
-                              <a:srgbClr val="FFFFFF"/>
-                            </a:solidFill>
-                          </a14:hiddenFill>
-                        </a:ext>
-                      </a:extLst>
-                    </p:spPr>
-                  </p:pic>
-                </p:oleObj>
-              </mc:Fallback>
-            </mc:AlternateContent>
-          </a:graphicData>
-        </a:graphic>
-      </p:graphicFrame>
-      <p:sp>
-        <p:nvSpPr>
-          <p:cNvPr id="7" name="Freeform 11"/>
-          <p:cNvSpPr>
-            <a:spLocks/>
-          </p:cNvSpPr>
-          <p:nvPr userDrawn="1"/>
-        </p:nvSpPr>
-        <p:spPr bwMode="auto">
-          <a:xfrm>
-            <a:off x="643510" y="682625"/>
-            <a:ext cx="3686623" cy="3657600"/>
-          </a:xfrm>
-          <a:custGeom>
-            <a:avLst/>
-            <a:gdLst>
-              <a:gd name="T0" fmla="*/ 0 w 2322"/>
-              <a:gd name="T1" fmla="*/ 2147483647 h 2304"/>
-              <a:gd name="T2" fmla="*/ 2147483647 w 2322"/>
-              <a:gd name="T3" fmla="*/ 2147483647 h 2304"/>
-              <a:gd name="T4" fmla="*/ 2147483647 w 2322"/>
-              <a:gd name="T5" fmla="*/ 2147483647 h 2304"/>
-              <a:gd name="T6" fmla="*/ 2147483647 w 2322"/>
-              <a:gd name="T7" fmla="*/ 0 h 2304"/>
-              <a:gd name="T8" fmla="*/ 0 w 2322"/>
-              <a:gd name="T9" fmla="*/ 0 h 2304"/>
-              <a:gd name="T10" fmla="*/ 0 w 2322"/>
-              <a:gd name="T11" fmla="*/ 2147483647 h 2304"/>
-              <a:gd name="T12" fmla="*/ 0 60000 65536"/>
-              <a:gd name="T13" fmla="*/ 0 60000 65536"/>
-              <a:gd name="T14" fmla="*/ 0 60000 65536"/>
-              <a:gd name="T15" fmla="*/ 0 60000 65536"/>
-              <a:gd name="T16" fmla="*/ 0 60000 65536"/>
-              <a:gd name="T17" fmla="*/ 0 60000 65536"/>
-              <a:gd name="T18" fmla="*/ 0 w 2322"/>
-              <a:gd name="T19" fmla="*/ 0 h 2304"/>
-              <a:gd name="T20" fmla="*/ 2322 w 2322"/>
-              <a:gd name="T21" fmla="*/ 2304 h 2304"/>
-            </a:gdLst>
-            <a:ahLst/>
-            <a:cxnLst>
-              <a:cxn ang="T12">
-                <a:pos x="T0" y="T1"/>
-              </a:cxn>
-              <a:cxn ang="T13">
-                <a:pos x="T2" y="T3"/>
-              </a:cxn>
-              <a:cxn ang="T14">
-                <a:pos x="T4" y="T5"/>
-              </a:cxn>
-              <a:cxn ang="T15">
-                <a:pos x="T6" y="T7"/>
-              </a:cxn>
-              <a:cxn ang="T16">
-                <a:pos x="T8" y="T9"/>
-              </a:cxn>
-              <a:cxn ang="T17">
-                <a:pos x="T10" y="T11"/>
-              </a:cxn>
-            </a:cxnLst>
-            <a:rect l="T18" t="T19" r="T20" b="T21"/>
-            <a:pathLst>
-              <a:path w="2322" h="2304">
-                <a:moveTo>
-                  <a:pt x="0" y="2304"/>
-                </a:moveTo>
-                <a:lnTo>
-                  <a:pt x="2010" y="2304"/>
-                </a:lnTo>
-                <a:lnTo>
-                  <a:pt x="2322" y="1992"/>
-                </a:lnTo>
-                <a:lnTo>
-                  <a:pt x="2322" y="0"/>
-                </a:lnTo>
-                <a:lnTo>
-                  <a:pt x="0" y="0"/>
-                </a:lnTo>
-                <a:lnTo>
-                  <a:pt x="0" y="2304"/>
-                </a:lnTo>
-                <a:close/>
-              </a:path>
-            </a:pathLst>
-          </a:custGeom>
-          <a:solidFill>
-            <a:schemeClr val="accent1"/>
-          </a:solidFill>
-          <a:ln>
-            <a:noFill/>
-          </a:ln>
-          <a:extLst/>
-        </p:spPr>
-        <p:txBody>
-          <a:bodyPr/>
-          <a:lstStyle/>
-          <a:p>
-            <a:pPr fontAlgn="base">
-              <a:spcBef>
-                <a:spcPct val="0"/>
-              </a:spcBef>
-              <a:spcAft>
-                <a:spcPct val="0"/>
-              </a:spcAft>
-              <a:defRPr/>
-            </a:pPr>
-            <a:endParaRPr lang="en-US" sz="1700" dirty="0">
-              <a:solidFill>
-                <a:srgbClr val="000000"/>
-              </a:solidFill>
-            </a:endParaRPr>
-          </a:p>
-        </p:txBody>
-      </p:sp>
-      <p:grpSp>
-        <p:nvGrpSpPr>
-          <p:cNvPr id="3" name="McK Title Elements" hidden="1"/>
-          <p:cNvGrpSpPr>
-            <a:grpSpLocks/>
-          </p:cNvGrpSpPr>
-          <p:nvPr/>
-        </p:nvGrpSpPr>
-        <p:grpSpPr bwMode="auto">
-          <a:xfrm>
-            <a:off x="744687" y="3676650"/>
-            <a:ext cx="2965424" cy="515938"/>
-            <a:chOff x="1663" y="3099"/>
-            <a:chExt cx="3109" cy="319"/>
-          </a:xfrm>
-        </p:grpSpPr>
-        <p:sp>
-          <p:nvSpPr>
-            <p:cNvPr id="15" name="McK Document type"/>
-            <p:cNvSpPr txBox="1">
-              <a:spLocks noChangeArrowheads="1"/>
-            </p:cNvSpPr>
-            <p:nvPr/>
-          </p:nvSpPr>
-          <p:spPr bwMode="auto">
-            <a:xfrm>
-              <a:off x="1663" y="3099"/>
-              <a:ext cx="3109" cy="143"/>
-            </a:xfrm>
-            <a:prstGeom prst="rect">
-              <a:avLst/>
-            </a:prstGeom>
-            <a:noFill/>
-            <a:ln>
-              <a:noFill/>
-            </a:ln>
-            <a:effectLst/>
-            <a:extLst/>
-          </p:spPr>
-          <p:txBody>
-            <a:bodyPr lIns="0" tIns="0" rIns="0" bIns="0" anchor="b">
-              <a:spAutoFit/>
-            </a:bodyPr>
-            <a:lstStyle>
-              <a:lvl1pPr eaLnBrk="0" hangingPunct="0">
-                <a:defRPr sz="1600">
-                  <a:solidFill>
-                    <a:schemeClr val="tx1"/>
-                  </a:solidFill>
-                  <a:latin typeface="Arial" charset="0"/>
-                </a:defRPr>
-              </a:lvl1pPr>
-              <a:lvl2pPr marL="742950" indent="-285750" eaLnBrk="0" hangingPunct="0">
-                <a:defRPr sz="1600">
-                  <a:solidFill>
-                    <a:schemeClr val="tx1"/>
-                  </a:solidFill>
-                  <a:latin typeface="Arial" charset="0"/>
-                </a:defRPr>
-              </a:lvl2pPr>
-              <a:lvl3pPr marL="1143000" indent="-228600" eaLnBrk="0" hangingPunct="0">
-                <a:defRPr sz="1600">
-                  <a:solidFill>
-                    <a:schemeClr val="tx1"/>
-                  </a:solidFill>
-                  <a:latin typeface="Arial" charset="0"/>
-                </a:defRPr>
-              </a:lvl3pPr>
-              <a:lvl4pPr marL="1600200" indent="-228600" eaLnBrk="0" hangingPunct="0">
-                <a:defRPr sz="1600">
-                  <a:solidFill>
-                    <a:schemeClr val="tx1"/>
-                  </a:solidFill>
-                  <a:latin typeface="Arial" charset="0"/>
-                </a:defRPr>
-              </a:lvl4pPr>
-              <a:lvl5pPr marL="2057400" indent="-228600" eaLnBrk="0" hangingPunct="0">
-                <a:defRPr sz="1600">
-                  <a:solidFill>
-                    <a:schemeClr val="tx1"/>
-                  </a:solidFill>
-                  <a:latin typeface="Arial" charset="0"/>
-                </a:defRPr>
-              </a:lvl5pPr>
-              <a:lvl6pPr marL="2514600" indent="-228600" eaLnBrk="0" fontAlgn="base" hangingPunct="0">
-                <a:spcBef>
-                  <a:spcPct val="0"/>
-                </a:spcBef>
-                <a:spcAft>
-                  <a:spcPct val="0"/>
-                </a:spcAft>
-                <a:defRPr sz="1600">
-                  <a:solidFill>
-                    <a:schemeClr val="tx1"/>
-                  </a:solidFill>
-                  <a:latin typeface="Arial" charset="0"/>
-                </a:defRPr>
-              </a:lvl6pPr>
-              <a:lvl7pPr marL="2971800" indent="-228600" eaLnBrk="0" fontAlgn="base" hangingPunct="0">
-                <a:spcBef>
-                  <a:spcPct val="0"/>
-                </a:spcBef>
-                <a:spcAft>
-                  <a:spcPct val="0"/>
-                </a:spcAft>
-                <a:defRPr sz="1600">
-                  <a:solidFill>
-                    <a:schemeClr val="tx1"/>
-                  </a:solidFill>
-                  <a:latin typeface="Arial" charset="0"/>
-                </a:defRPr>
-              </a:lvl7pPr>
-              <a:lvl8pPr marL="3429000" indent="-228600" eaLnBrk="0" fontAlgn="base" hangingPunct="0">
-                <a:spcBef>
-                  <a:spcPct val="0"/>
-                </a:spcBef>
-                <a:spcAft>
-                  <a:spcPct val="0"/>
-                </a:spcAft>
-                <a:defRPr sz="1600">
-                  <a:solidFill>
-                    <a:schemeClr val="tx1"/>
-                  </a:solidFill>
-                  <a:latin typeface="Arial" charset="0"/>
-                </a:defRPr>
-              </a:lvl8pPr>
-              <a:lvl9pPr marL="3886200" indent="-228600" eaLnBrk="0" fontAlgn="base" hangingPunct="0">
-                <a:spcBef>
-                  <a:spcPct val="0"/>
-                </a:spcBef>
-                <a:spcAft>
-                  <a:spcPct val="0"/>
-                </a:spcAft>
-                <a:defRPr sz="1600">
-                  <a:solidFill>
-                    <a:schemeClr val="tx1"/>
-                  </a:solidFill>
-                  <a:latin typeface="Arial" charset="0"/>
-                </a:defRPr>
-              </a:lvl9pPr>
-            </a:lstStyle>
-            <a:p>
-              <a:pPr eaLnBrk="1" fontAlgn="base" hangingPunct="1">
-                <a:spcBef>
-                  <a:spcPct val="0"/>
-                </a:spcBef>
-                <a:spcAft>
-                  <a:spcPct val="0"/>
-                </a:spcAft>
-                <a:defRPr/>
-              </a:pPr>
-              <a:r>
-                <a:rPr lang="en-US" sz="1500" dirty="0">
-                  <a:solidFill>
-                    <a:srgbClr val="FFFFFF"/>
-                  </a:solidFill>
-                  <a:latin typeface="Arial"/>
-                </a:rPr>
-                <a:t>Document type</a:t>
-              </a:r>
-            </a:p>
-          </p:txBody>
-        </p:sp>
-        <p:sp>
-          <p:nvSpPr>
-            <p:cNvPr id="16" name="McK Date"/>
-            <p:cNvSpPr txBox="1">
-              <a:spLocks noChangeArrowheads="1"/>
-            </p:cNvSpPr>
-            <p:nvPr/>
-          </p:nvSpPr>
-          <p:spPr bwMode="auto">
-            <a:xfrm>
-              <a:off x="1663" y="3275"/>
-              <a:ext cx="3109" cy="143"/>
-            </a:xfrm>
-            <a:prstGeom prst="rect">
-              <a:avLst/>
-            </a:prstGeom>
-            <a:noFill/>
-            <a:ln>
-              <a:noFill/>
-            </a:ln>
-            <a:effectLst/>
-            <a:extLst/>
-          </p:spPr>
-          <p:txBody>
-            <a:bodyPr lIns="0" tIns="0" rIns="0" bIns="0">
-              <a:spAutoFit/>
-            </a:bodyPr>
-            <a:lstStyle>
-              <a:lvl1pPr eaLnBrk="0" hangingPunct="0">
-                <a:defRPr sz="1600">
-                  <a:solidFill>
-                    <a:schemeClr val="tx1"/>
-                  </a:solidFill>
-                  <a:latin typeface="Arial" charset="0"/>
-                </a:defRPr>
-              </a:lvl1pPr>
-              <a:lvl2pPr marL="742950" indent="-285750" eaLnBrk="0" hangingPunct="0">
-                <a:defRPr sz="1600">
-                  <a:solidFill>
-                    <a:schemeClr val="tx1"/>
-                  </a:solidFill>
-                  <a:latin typeface="Arial" charset="0"/>
-                </a:defRPr>
-              </a:lvl2pPr>
-              <a:lvl3pPr marL="1143000" indent="-228600" eaLnBrk="0" hangingPunct="0">
-                <a:defRPr sz="1600">
-                  <a:solidFill>
-                    <a:schemeClr val="tx1"/>
-                  </a:solidFill>
-                  <a:latin typeface="Arial" charset="0"/>
-                </a:defRPr>
-              </a:lvl3pPr>
-              <a:lvl4pPr marL="1600200" indent="-228600" eaLnBrk="0" hangingPunct="0">
-                <a:defRPr sz="1600">
-                  <a:solidFill>
-                    <a:schemeClr val="tx1"/>
-                  </a:solidFill>
-                  <a:latin typeface="Arial" charset="0"/>
-                </a:defRPr>
-              </a:lvl4pPr>
-              <a:lvl5pPr marL="2057400" indent="-228600" eaLnBrk="0" hangingPunct="0">
-                <a:defRPr sz="1600">
-                  <a:solidFill>
-                    <a:schemeClr val="tx1"/>
-                  </a:solidFill>
-                  <a:latin typeface="Arial" charset="0"/>
-                </a:defRPr>
-              </a:lvl5pPr>
-              <a:lvl6pPr marL="2514600" indent="-228600" eaLnBrk="0" fontAlgn="base" hangingPunct="0">
-                <a:spcBef>
-                  <a:spcPct val="0"/>
-                </a:spcBef>
-                <a:spcAft>
-                  <a:spcPct val="0"/>
-                </a:spcAft>
-                <a:defRPr sz="1600">
-                  <a:solidFill>
-                    <a:schemeClr val="tx1"/>
-                  </a:solidFill>
-                  <a:latin typeface="Arial" charset="0"/>
-                </a:defRPr>
-              </a:lvl6pPr>
-              <a:lvl7pPr marL="2971800" indent="-228600" eaLnBrk="0" fontAlgn="base" hangingPunct="0">
-                <a:spcBef>
-                  <a:spcPct val="0"/>
-                </a:spcBef>
-                <a:spcAft>
-                  <a:spcPct val="0"/>
-                </a:spcAft>
-                <a:defRPr sz="1600">
-                  <a:solidFill>
-                    <a:schemeClr val="tx1"/>
-                  </a:solidFill>
-                  <a:latin typeface="Arial" charset="0"/>
-                </a:defRPr>
-              </a:lvl7pPr>
-              <a:lvl8pPr marL="3429000" indent="-228600" eaLnBrk="0" fontAlgn="base" hangingPunct="0">
-                <a:spcBef>
-                  <a:spcPct val="0"/>
-                </a:spcBef>
-                <a:spcAft>
-                  <a:spcPct val="0"/>
-                </a:spcAft>
-                <a:defRPr sz="1600">
-                  <a:solidFill>
-                    <a:schemeClr val="tx1"/>
-                  </a:solidFill>
-                  <a:latin typeface="Arial" charset="0"/>
-                </a:defRPr>
-              </a:lvl8pPr>
-              <a:lvl9pPr marL="3886200" indent="-228600" eaLnBrk="0" fontAlgn="base" hangingPunct="0">
-                <a:spcBef>
-                  <a:spcPct val="0"/>
-                </a:spcBef>
-                <a:spcAft>
-                  <a:spcPct val="0"/>
-                </a:spcAft>
-                <a:defRPr sz="1600">
-                  <a:solidFill>
-                    <a:schemeClr val="tx1"/>
-                  </a:solidFill>
-                  <a:latin typeface="Arial" charset="0"/>
-                </a:defRPr>
-              </a:lvl9pPr>
-            </a:lstStyle>
-            <a:p>
-              <a:pPr eaLnBrk="1" fontAlgn="base" hangingPunct="1">
-                <a:spcBef>
-                  <a:spcPct val="0"/>
-                </a:spcBef>
-                <a:spcAft>
-                  <a:spcPct val="0"/>
-                </a:spcAft>
-                <a:defRPr/>
-              </a:pPr>
-              <a:r>
-                <a:rPr lang="en-US" sz="1500" dirty="0">
-                  <a:solidFill>
-                    <a:srgbClr val="FFFFFF"/>
-                  </a:solidFill>
-                  <a:latin typeface="Arial"/>
-                </a:rPr>
-                <a:t>Date</a:t>
-              </a:r>
-            </a:p>
-          </p:txBody>
-        </p:sp>
-      </p:grpSp>
-      <p:sp>
-        <p:nvSpPr>
-          <p:cNvPr id="13314" name="Rectangle 1026"/>
-          <p:cNvSpPr>
-            <a:spLocks noGrp="1" noChangeArrowheads="1"/>
-          </p:cNvSpPr>
-          <p:nvPr>
-            <p:ph type="ctrTitle"/>
-          </p:nvPr>
-        </p:nvSpPr>
-        <p:spPr bwMode="auto">
-          <a:xfrm>
-            <a:off x="744103" y="824364"/>
-            <a:ext cx="3488147" cy="1384995"/>
-          </a:xfrm>
-          <a:prstGeom prst="rect">
-            <a:avLst/>
-          </a:prstGeom>
-        </p:spPr>
-        <p:txBody>
-          <a:bodyPr/>
-          <a:lstStyle>
-            <a:lvl1pPr>
-              <a:defRPr sz="3000" b="0" baseline="0">
-                <a:solidFill>
-                  <a:schemeClr val="bg1"/>
-                </a:solidFill>
-                <a:latin typeface="+mj-lt"/>
-                <a:ea typeface="+mj-ea"/>
-              </a:defRPr>
-            </a:lvl1pPr>
-          </a:lstStyle>
-          <a:p>
-            <a:pPr lvl="0"/>
-            <a:r>
-              <a:rPr lang="de-DE" noProof="0"/>
-              <a:t>Titelmasterformat durch Klicken bearbeiten</a:t>
-            </a:r>
-            <a:endParaRPr lang="en-US" noProof="0" dirty="0"/>
-          </a:p>
-        </p:txBody>
-      </p:sp>
-      <p:sp>
-        <p:nvSpPr>
-          <p:cNvPr id="13315" name="Rectangle 1027"/>
-          <p:cNvSpPr>
-            <a:spLocks noGrp="1" noChangeArrowheads="1"/>
-          </p:cNvSpPr>
-          <p:nvPr>
-            <p:ph type="subTitle" idx="1"/>
-          </p:nvPr>
-        </p:nvSpPr>
-        <p:spPr bwMode="auto">
-          <a:xfrm>
-            <a:off x="744103" y="2358312"/>
-            <a:ext cx="3488147" cy="492443"/>
-          </a:xfrm>
-          <a:prstGeom prst="rect">
-            <a:avLst/>
-          </a:prstGeom>
-        </p:spPr>
-        <p:txBody>
-          <a:bodyPr lIns="0" tIns="0" rIns="0" bIns="0"/>
-          <a:lstStyle>
-            <a:lvl1pPr>
-              <a:defRPr sz="1600" baseline="0">
-                <a:solidFill>
-                  <a:schemeClr val="bg1"/>
-                </a:solidFill>
-                <a:latin typeface="+mj-lt"/>
-                <a:ea typeface="+mj-ea"/>
-              </a:defRPr>
-            </a:lvl1pPr>
-          </a:lstStyle>
-          <a:p>
-            <a:pPr lvl="0"/>
-            <a:r>
-              <a:rPr lang="de-DE" noProof="0"/>
-              <a:t>Formatvorlage des Untertitelmasters durch Klicken bearbeiten</a:t>
-            </a:r>
-            <a:endParaRPr lang="en-US" noProof="0" dirty="0"/>
-          </a:p>
-        </p:txBody>
-      </p:sp>
-      <p:pic>
-        <p:nvPicPr>
-          <p:cNvPr id="14" name="Picture 13"/>
-          <p:cNvPicPr/>
-          <p:nvPr userDrawn="1"/>
-        </p:nvPicPr>
-        <p:blipFill>
-          <a:blip r:embed="rId7" cstate="print">
-            <a:extLst>
-              <a:ext uri="{28A0092B-C50C-407E-A947-70E740481C1C}">
-                <a14:useLocalDpi xmlns:a14="http://schemas.microsoft.com/office/drawing/2010/main" val="0"/>
-              </a:ext>
-            </a:extLst>
-          </a:blip>
-          <a:srcRect/>
-          <a:stretch>
-            <a:fillRect/>
-          </a:stretch>
-        </p:blipFill>
-        <p:spPr bwMode="auto">
-          <a:xfrm>
-            <a:off x="6787936" y="5317955"/>
-            <a:ext cx="1859585" cy="1284428"/>
-          </a:xfrm>
-          <a:prstGeom prst="rect">
-            <a:avLst/>
-          </a:prstGeom>
-          <a:noFill/>
-          <a:ln>
-            <a:noFill/>
-          </a:ln>
-        </p:spPr>
-      </p:pic>
-    </p:spTree>
-    <p:extLst>
-      <p:ext uri="{BB962C8B-B14F-4D97-AF65-F5344CB8AC3E}">
-        <p14:creationId xmlns:p14="http://schemas.microsoft.com/office/powerpoint/2010/main" val="801508568"/>
-      </p:ext>
-    </p:extLst>
-  </p:cSld>
-  <p:clrMapOvr>
-    <a:masterClrMapping/>
-  </p:clrMapOvr>
-</p:sldLayout>
-</file>
-
-<file path=ppt/slideLayouts/slideLayout13.xml><?xml version="1.0" encoding="utf-8"?>
+<file path=ppt/slideLayouts/slideLayout8.xml><?xml version="1.0" encoding="utf-8"?>
 <p:sldLayout xmlns:a="http://schemas.openxmlformats.org/drawingml/2006/main" xmlns:r="http://schemas.openxmlformats.org/officeDocument/2006/relationships" xmlns:p="http://schemas.openxmlformats.org/presentationml/2006/main" preserve="1" userDrawn="1">
   <p:cSld name="1_Title Only">
     <p:spTree>
@@ -2227,7 +1431,7 @@
 </p:sldLayout>
 </file>
 
-<file path=ppt/slideLayouts/slideLayout14.xml><?xml version="1.0" encoding="utf-8"?>
+<file path=ppt/slideLayouts/slideLayout9.xml><?xml version="1.0" encoding="utf-8"?>
 <p:sldLayout xmlns:a="http://schemas.openxmlformats.org/drawingml/2006/main" xmlns:r="http://schemas.openxmlformats.org/officeDocument/2006/relationships" xmlns:p="http://schemas.openxmlformats.org/presentationml/2006/main" userDrawn="1">
   <p:cSld name="2_Title Only">
     <p:spTree>
@@ -2279,2193 +1483,6 @@
 </p:sldLayout>
 </file>
 
-<file path=ppt/slideLayouts/slideLayout15.xml><?xml version="1.0" encoding="utf-8"?>
-<p:sldLayout xmlns:a="http://schemas.openxmlformats.org/drawingml/2006/main" xmlns:r="http://schemas.openxmlformats.org/officeDocument/2006/relationships" xmlns:p="http://schemas.openxmlformats.org/presentationml/2006/main" userDrawn="1">
-  <p:cSld name="Title and Content">
-    <p:spTree>
-      <p:nvGrpSpPr>
-        <p:cNvPr id="1" name=""/>
-        <p:cNvGrpSpPr/>
-        <p:nvPr/>
-      </p:nvGrpSpPr>
-      <p:grpSpPr>
-        <a:xfrm>
-          <a:off x="0" y="0"/>
-          <a:ext cx="0" cy="0"/>
-          <a:chOff x="0" y="0"/>
-          <a:chExt cx="0" cy="0"/>
-        </a:xfrm>
-      </p:grpSpPr>
-      <p:sp>
-        <p:nvSpPr>
-          <p:cNvPr id="8" name="Title 1"/>
-          <p:cNvSpPr>
-            <a:spLocks noGrp="1"/>
-          </p:cNvSpPr>
-          <p:nvPr>
-            <p:ph type="title"/>
-          </p:nvPr>
-        </p:nvSpPr>
-        <p:spPr>
-          <a:xfrm>
-            <a:off x="444165" y="303928"/>
-            <a:ext cx="6978931" cy="338554"/>
-          </a:xfrm>
-        </p:spPr>
-        <p:txBody>
-          <a:bodyPr/>
-          <a:lstStyle/>
-          <a:p>
-            <a:r>
-              <a:rPr lang="en-US" dirty="0"/>
-              <a:t>Click to edit Master title style</a:t>
-            </a:r>
-          </a:p>
-        </p:txBody>
-      </p:sp>
-    </p:spTree>
-    <p:extLst>
-      <p:ext uri="{BB962C8B-B14F-4D97-AF65-F5344CB8AC3E}">
-        <p14:creationId xmlns:p14="http://schemas.microsoft.com/office/powerpoint/2010/main" val="3398723770"/>
-      </p:ext>
-    </p:extLst>
-  </p:cSld>
-  <p:clrMapOvr>
-    <a:masterClrMapping/>
-  </p:clrMapOvr>
-</p:sldLayout>
-</file>
-
-<file path=ppt/slideLayouts/slideLayout16.xml><?xml version="1.0" encoding="utf-8"?>
-<p:sldLayout xmlns:a="http://schemas.openxmlformats.org/drawingml/2006/main" xmlns:r="http://schemas.openxmlformats.org/officeDocument/2006/relationships" xmlns:p="http://schemas.openxmlformats.org/presentationml/2006/main" type="obj">
-  <p:cSld name="1_Title and Content">
-    <p:spTree>
-      <p:nvGrpSpPr>
-        <p:cNvPr id="1" name=""/>
-        <p:cNvGrpSpPr/>
-        <p:nvPr/>
-      </p:nvGrpSpPr>
-      <p:grpSpPr>
-        <a:xfrm>
-          <a:off x="0" y="0"/>
-          <a:ext cx="0" cy="0"/>
-          <a:chOff x="0" y="0"/>
-          <a:chExt cx="0" cy="0"/>
-        </a:xfrm>
-      </p:grpSpPr>
-      <p:sp>
-        <p:nvSpPr>
-          <p:cNvPr id="2" name="Title 1"/>
-          <p:cNvSpPr>
-            <a:spLocks noGrp="1"/>
-          </p:cNvSpPr>
-          <p:nvPr>
-            <p:ph type="title"/>
-          </p:nvPr>
-        </p:nvSpPr>
-        <p:spPr/>
-        <p:txBody>
-          <a:bodyPr/>
-          <a:lstStyle/>
-          <a:p>
-            <a:r>
-              <a:rPr lang="en-US"/>
-              <a:t>Click to edit Master title style</a:t>
-            </a:r>
-            <a:endParaRPr lang="en-AU"/>
-          </a:p>
-        </p:txBody>
-      </p:sp>
-      <p:sp>
-        <p:nvSpPr>
-          <p:cNvPr id="3" name="Content Placeholder 2"/>
-          <p:cNvSpPr>
-            <a:spLocks noGrp="1"/>
-          </p:cNvSpPr>
-          <p:nvPr>
-            <p:ph idx="1"/>
-          </p:nvPr>
-        </p:nvSpPr>
-        <p:spPr>
-          <a:xfrm>
-            <a:off x="2377115" y="2699099"/>
-            <a:ext cx="4389768" cy="1231106"/>
-          </a:xfrm>
-        </p:spPr>
-        <p:txBody>
-          <a:bodyPr/>
-          <a:lstStyle/>
-          <a:p>
-            <a:pPr lvl="0"/>
-            <a:r>
-              <a:rPr lang="en-US"/>
-              <a:t>Click to edit Master text styles</a:t>
-            </a:r>
-          </a:p>
-          <a:p>
-            <a:pPr lvl="1"/>
-            <a:r>
-              <a:rPr lang="en-US"/>
-              <a:t>Second level</a:t>
-            </a:r>
-          </a:p>
-          <a:p>
-            <a:pPr lvl="2"/>
-            <a:r>
-              <a:rPr lang="en-US"/>
-              <a:t>Third level</a:t>
-            </a:r>
-          </a:p>
-          <a:p>
-            <a:pPr lvl="3"/>
-            <a:r>
-              <a:rPr lang="en-US"/>
-              <a:t>Fourth level</a:t>
-            </a:r>
-          </a:p>
-          <a:p>
-            <a:pPr lvl="4"/>
-            <a:r>
-              <a:rPr lang="en-US"/>
-              <a:t>Fifth level</a:t>
-            </a:r>
-            <a:endParaRPr lang="en-AU"/>
-          </a:p>
-        </p:txBody>
-      </p:sp>
-      <p:sp>
-        <p:nvSpPr>
-          <p:cNvPr id="4" name="Date Placeholder 3"/>
-          <p:cNvSpPr>
-            <a:spLocks noGrp="1"/>
-          </p:cNvSpPr>
-          <p:nvPr>
-            <p:ph type="dt" sz="half" idx="10"/>
-          </p:nvPr>
-        </p:nvSpPr>
-        <p:spPr>
-          <a:xfrm>
-            <a:off x="457200" y="6356352"/>
-            <a:ext cx="2133600" cy="365125"/>
-          </a:xfrm>
-          <a:prstGeom prst="rect">
-            <a:avLst/>
-          </a:prstGeom>
-        </p:spPr>
-        <p:txBody>
-          <a:bodyPr/>
-          <a:lstStyle/>
-          <a:p>
-            <a:pPr fontAlgn="base">
-              <a:spcBef>
-                <a:spcPct val="0"/>
-              </a:spcBef>
-              <a:spcAft>
-                <a:spcPct val="0"/>
-              </a:spcAft>
-            </a:pPr>
-            <a:fld id="{4981325C-E4B3-441B-8ED2-97520B967208}" type="datetimeFigureOut">
-              <a:rPr lang="en-AU" sz="1200" smtClean="0">
-                <a:solidFill>
-                  <a:srgbClr val="000000"/>
-                </a:solidFill>
-              </a:rPr>
-              <a:pPr fontAlgn="base">
-                <a:spcBef>
-                  <a:spcPct val="0"/>
-                </a:spcBef>
-                <a:spcAft>
-                  <a:spcPct val="0"/>
-                </a:spcAft>
-              </a:pPr>
-              <a:t>18/01/2018</a:t>
-            </a:fld>
-            <a:endParaRPr lang="en-AU" sz="1200" dirty="0">
-              <a:solidFill>
-                <a:srgbClr val="000000"/>
-              </a:solidFill>
-            </a:endParaRPr>
-          </a:p>
-        </p:txBody>
-      </p:sp>
-      <p:sp>
-        <p:nvSpPr>
-          <p:cNvPr id="5" name="Footer Placeholder 4"/>
-          <p:cNvSpPr>
-            <a:spLocks noGrp="1"/>
-          </p:cNvSpPr>
-          <p:nvPr>
-            <p:ph type="ftr" sz="quarter" idx="11"/>
-          </p:nvPr>
-        </p:nvSpPr>
-        <p:spPr>
-          <a:xfrm>
-            <a:off x="3124200" y="6356352"/>
-            <a:ext cx="2895600" cy="365125"/>
-          </a:xfrm>
-          <a:prstGeom prst="rect">
-            <a:avLst/>
-          </a:prstGeom>
-        </p:spPr>
-        <p:txBody>
-          <a:bodyPr/>
-          <a:lstStyle/>
-          <a:p>
-            <a:pPr fontAlgn="base">
-              <a:spcBef>
-                <a:spcPct val="0"/>
-              </a:spcBef>
-              <a:spcAft>
-                <a:spcPct val="0"/>
-              </a:spcAft>
-            </a:pPr>
-            <a:endParaRPr lang="en-AU" sz="1200" dirty="0">
-              <a:solidFill>
-                <a:srgbClr val="000000"/>
-              </a:solidFill>
-            </a:endParaRPr>
-          </a:p>
-        </p:txBody>
-      </p:sp>
-      <p:sp>
-        <p:nvSpPr>
-          <p:cNvPr id="6" name="Slide Number Placeholder 5"/>
-          <p:cNvSpPr>
-            <a:spLocks noGrp="1"/>
-          </p:cNvSpPr>
-          <p:nvPr>
-            <p:ph type="sldNum" sz="quarter" idx="12"/>
-          </p:nvPr>
-        </p:nvSpPr>
-        <p:spPr>
-          <a:xfrm>
-            <a:off x="6553200" y="6356352"/>
-            <a:ext cx="2133600" cy="365125"/>
-          </a:xfrm>
-          <a:prstGeom prst="rect">
-            <a:avLst/>
-          </a:prstGeom>
-        </p:spPr>
-        <p:txBody>
-          <a:bodyPr/>
-          <a:lstStyle/>
-          <a:p>
-            <a:pPr fontAlgn="base">
-              <a:spcBef>
-                <a:spcPct val="0"/>
-              </a:spcBef>
-              <a:spcAft>
-                <a:spcPct val="0"/>
-              </a:spcAft>
-            </a:pPr>
-            <a:fld id="{59CFDCAC-DB3E-4370-B132-8513B4EF70A1}" type="slidenum">
-              <a:rPr lang="en-AU" sz="1200" smtClean="0">
-                <a:solidFill>
-                  <a:srgbClr val="000000"/>
-                </a:solidFill>
-              </a:rPr>
-              <a:pPr fontAlgn="base">
-                <a:spcBef>
-                  <a:spcPct val="0"/>
-                </a:spcBef>
-                <a:spcAft>
-                  <a:spcPct val="0"/>
-                </a:spcAft>
-              </a:pPr>
-              <a:t>‹#›</a:t>
-            </a:fld>
-            <a:endParaRPr lang="en-AU" sz="1200" dirty="0">
-              <a:solidFill>
-                <a:srgbClr val="000000"/>
-              </a:solidFill>
-            </a:endParaRPr>
-          </a:p>
-        </p:txBody>
-      </p:sp>
-    </p:spTree>
-    <p:extLst>
-      <p:ext uri="{BB962C8B-B14F-4D97-AF65-F5344CB8AC3E}">
-        <p14:creationId xmlns:p14="http://schemas.microsoft.com/office/powerpoint/2010/main" val="2789446306"/>
-      </p:ext>
-    </p:extLst>
-  </p:cSld>
-  <p:clrMapOvr>
-    <a:masterClrMapping/>
-  </p:clrMapOvr>
-</p:sldLayout>
-</file>
-
-<file path=ppt/slideLayouts/slideLayout17.xml><?xml version="1.0" encoding="utf-8"?>
-<p:sldLayout xmlns:a="http://schemas.openxmlformats.org/drawingml/2006/main" xmlns:r="http://schemas.openxmlformats.org/officeDocument/2006/relationships" xmlns:p="http://schemas.openxmlformats.org/presentationml/2006/main" type="titleOnly">
-  <p:cSld name="Titre seul">
-    <p:spTree>
-      <p:nvGrpSpPr>
-        <p:cNvPr id="1" name=""/>
-        <p:cNvGrpSpPr/>
-        <p:nvPr/>
-      </p:nvGrpSpPr>
-      <p:grpSpPr>
-        <a:xfrm>
-          <a:off x="0" y="0"/>
-          <a:ext cx="0" cy="0"/>
-          <a:chOff x="0" y="0"/>
-          <a:chExt cx="0" cy="0"/>
-        </a:xfrm>
-      </p:grpSpPr>
-      <p:sp>
-        <p:nvSpPr>
-          <p:cNvPr id="2" name="Titre 1"/>
-          <p:cNvSpPr>
-            <a:spLocks noGrp="1"/>
-          </p:cNvSpPr>
-          <p:nvPr>
-            <p:ph type="title"/>
-          </p:nvPr>
-        </p:nvSpPr>
-        <p:spPr/>
-        <p:txBody>
-          <a:bodyPr/>
-          <a:lstStyle/>
-          <a:p>
-            <a:r>
-              <a:rPr lang="fr-FR" dirty="0"/>
-              <a:t>Cliquez pour modifier le style du titre</a:t>
-            </a:r>
-          </a:p>
-        </p:txBody>
-      </p:sp>
-    </p:spTree>
-    <p:extLst>
-      <p:ext uri="{BB962C8B-B14F-4D97-AF65-F5344CB8AC3E}">
-        <p14:creationId xmlns:p14="http://schemas.microsoft.com/office/powerpoint/2010/main" val="3724080702"/>
-      </p:ext>
-    </p:extLst>
-  </p:cSld>
-  <p:clrMapOvr>
-    <a:masterClrMapping/>
-  </p:clrMapOvr>
-</p:sldLayout>
-</file>
-
-<file path=ppt/slideLayouts/slideLayout18.xml><?xml version="1.0" encoding="utf-8"?>
-<p:sldLayout xmlns:a="http://schemas.openxmlformats.org/drawingml/2006/main" xmlns:r="http://schemas.openxmlformats.org/officeDocument/2006/relationships" xmlns:p="http://schemas.openxmlformats.org/presentationml/2006/main" userDrawn="1">
-  <p:cSld name="2_Title and Content">
-    <p:spTree>
-      <p:nvGrpSpPr>
-        <p:cNvPr id="1" name=""/>
-        <p:cNvGrpSpPr/>
-        <p:nvPr/>
-      </p:nvGrpSpPr>
-      <p:grpSpPr>
-        <a:xfrm>
-          <a:off x="0" y="0"/>
-          <a:ext cx="0" cy="0"/>
-          <a:chOff x="0" y="0"/>
-          <a:chExt cx="0" cy="0"/>
-        </a:xfrm>
-      </p:grpSpPr>
-      <p:sp>
-        <p:nvSpPr>
-          <p:cNvPr id="2" name="Title 1"/>
-          <p:cNvSpPr>
-            <a:spLocks noGrp="1"/>
-          </p:cNvSpPr>
-          <p:nvPr>
-            <p:ph type="title"/>
-          </p:nvPr>
-        </p:nvSpPr>
-        <p:spPr/>
-        <p:txBody>
-          <a:bodyPr/>
-          <a:lstStyle/>
-          <a:p>
-            <a:r>
-              <a:rPr lang="en-US" dirty="0"/>
-              <a:t>Click to edit Master title style</a:t>
-            </a:r>
-          </a:p>
-        </p:txBody>
-      </p:sp>
-      <p:sp>
-        <p:nvSpPr>
-          <p:cNvPr id="3" name="Content Placeholder 2"/>
-          <p:cNvSpPr>
-            <a:spLocks noGrp="1"/>
-          </p:cNvSpPr>
-          <p:nvPr>
-            <p:ph idx="1"/>
-          </p:nvPr>
-        </p:nvSpPr>
-        <p:spPr>
-          <a:xfrm>
-            <a:off x="2377115" y="2699100"/>
-            <a:ext cx="4389768" cy="1231106"/>
-          </a:xfrm>
-        </p:spPr>
-        <p:txBody>
-          <a:bodyPr/>
-          <a:lstStyle/>
-          <a:p>
-            <a:pPr lvl="0"/>
-            <a:r>
-              <a:rPr lang="en-US" dirty="0"/>
-              <a:t>Click to edit Master text styles</a:t>
-            </a:r>
-          </a:p>
-          <a:p>
-            <a:pPr lvl="1"/>
-            <a:r>
-              <a:rPr lang="en-US" dirty="0"/>
-              <a:t>Second level</a:t>
-            </a:r>
-          </a:p>
-          <a:p>
-            <a:pPr lvl="2"/>
-            <a:r>
-              <a:rPr lang="en-US" dirty="0"/>
-              <a:t>Third level</a:t>
-            </a:r>
-          </a:p>
-          <a:p>
-            <a:pPr lvl="3"/>
-            <a:r>
-              <a:rPr lang="en-US" dirty="0"/>
-              <a:t>Fourth level</a:t>
-            </a:r>
-          </a:p>
-          <a:p>
-            <a:pPr lvl="4"/>
-            <a:r>
-              <a:rPr lang="en-US" dirty="0"/>
-              <a:t>Fifth level</a:t>
-            </a:r>
-          </a:p>
-        </p:txBody>
-      </p:sp>
-    </p:spTree>
-    <p:extLst>
-      <p:ext uri="{BB962C8B-B14F-4D97-AF65-F5344CB8AC3E}">
-        <p14:creationId xmlns:p14="http://schemas.microsoft.com/office/powerpoint/2010/main" val="2638152607"/>
-      </p:ext>
-    </p:extLst>
-  </p:cSld>
-  <p:clrMapOvr>
-    <a:masterClrMapping/>
-  </p:clrMapOvr>
-</p:sldLayout>
-</file>
-
-<file path=ppt/slideLayouts/slideLayout19.xml><?xml version="1.0" encoding="utf-8"?>
-<p:sldLayout xmlns:a="http://schemas.openxmlformats.org/drawingml/2006/main" xmlns:r="http://schemas.openxmlformats.org/officeDocument/2006/relationships" xmlns:p="http://schemas.openxmlformats.org/presentationml/2006/main" userDrawn="1">
-  <p:cSld name="Title Only">
-    <p:bg bwMode="auto">
-      <p:bgPr>
-        <a:solidFill>
-          <a:schemeClr val="bg1"/>
-        </a:solidFill>
-        <a:effectLst/>
-      </p:bgPr>
-    </p:bg>
-    <p:spTree>
-      <p:nvGrpSpPr>
-        <p:cNvPr id="1" name=""/>
-        <p:cNvGrpSpPr/>
-        <p:nvPr/>
-      </p:nvGrpSpPr>
-      <p:grpSpPr>
-        <a:xfrm>
-          <a:off x="0" y="0"/>
-          <a:ext cx="0" cy="0"/>
-          <a:chOff x="0" y="0"/>
-          <a:chExt cx="0" cy="0"/>
-        </a:xfrm>
-      </p:grpSpPr>
-      <p:graphicFrame>
-        <p:nvGraphicFramePr>
-          <p:cNvPr id="4" name="Object 3" hidden="1"/>
-          <p:cNvGraphicFramePr>
-            <a:graphicFrameLocks/>
-          </p:cNvGraphicFramePr>
-          <p:nvPr userDrawn="1">
-            <p:custDataLst>
-              <p:tags r:id="rId2"/>
-            </p:custDataLst>
-            <p:extLst>
-              <p:ext uri="{D42A27DB-BD31-4B8C-83A1-F6EECF244321}">
-                <p14:modId xmlns:p14="http://schemas.microsoft.com/office/powerpoint/2010/main" val="4291118162"/>
-              </p:ext>
-            </p:extLst>
-          </p:nvPr>
-        </p:nvGraphicFramePr>
-        <p:xfrm>
-          <a:off x="0" y="0"/>
-          <a:ext cx="158750" cy="158750"/>
-        </p:xfrm>
-        <a:graphic>
-          <a:graphicData uri="http://schemas.openxmlformats.org/presentationml/2006/ole">
-            <mc:AlternateContent xmlns:mc="http://schemas.openxmlformats.org/markup-compatibility/2006">
-              <mc:Choice xmlns:v="urn:schemas-microsoft-com:vml" Requires="v">
-                <p:oleObj spid="_x0000_s7179" name="think-cell Slide" r:id="rId4" imgW="270" imgH="270" progId="TCLayout.ActiveDocument.1">
-                  <p:embed/>
-                </p:oleObj>
-              </mc:Choice>
-              <mc:Fallback>
-                <p:oleObj name="think-cell Slide" r:id="rId4" imgW="270" imgH="270" progId="TCLayout.ActiveDocument.1">
-                  <p:embed/>
-                  <p:pic>
-                    <p:nvPicPr>
-                      <p:cNvPr id="0" name=""/>
-                      <p:cNvPicPr/>
-                      <p:nvPr/>
-                    </p:nvPicPr>
-                    <p:blipFill>
-                      <a:blip r:embed="rId5"/>
-                      <a:stretch>
-                        <a:fillRect/>
-                      </a:stretch>
-                    </p:blipFill>
-                    <p:spPr>
-                      <a:xfrm>
-                        <a:off x="0" y="0"/>
-                        <a:ext cx="158750" cy="158750"/>
-                      </a:xfrm>
-                      <a:prstGeom prst="rect">
-                        <a:avLst/>
-                      </a:prstGeom>
-                    </p:spPr>
-                  </p:pic>
-                </p:oleObj>
-              </mc:Fallback>
-            </mc:AlternateContent>
-          </a:graphicData>
-        </a:graphic>
-      </p:graphicFrame>
-      <p:sp>
-        <p:nvSpPr>
-          <p:cNvPr id="2" name="McK 2. Slide Title"/>
-          <p:cNvSpPr>
-            <a:spLocks noGrp="1"/>
-          </p:cNvSpPr>
-          <p:nvPr>
-            <p:ph type="title"/>
-          </p:nvPr>
-        </p:nvSpPr>
-        <p:spPr bwMode="auto"/>
-        <p:txBody>
-          <a:bodyPr/>
-          <a:lstStyle>
-            <a:lvl1pPr>
-              <a:defRPr>
-                <a:latin typeface="+mj-lt"/>
-                <a:ea typeface="Arial Unicode MS" pitchFamily="34" charset="-128"/>
-                <a:cs typeface="Arial Unicode MS" pitchFamily="34" charset="-128"/>
-              </a:defRPr>
-            </a:lvl1pPr>
-          </a:lstStyle>
-          <a:p>
-            <a:r>
-              <a:rPr lang="en-US"/>
-              <a:t>Click to edit Master title style</a:t>
-            </a:r>
-          </a:p>
-        </p:txBody>
-      </p:sp>
-    </p:spTree>
-    <p:extLst>
-      <p:ext uri="{BB962C8B-B14F-4D97-AF65-F5344CB8AC3E}">
-        <p14:creationId xmlns:p14="http://schemas.microsoft.com/office/powerpoint/2010/main" val="611516639"/>
-      </p:ext>
-    </p:extLst>
-  </p:cSld>
-  <p:clrMapOvr>
-    <a:masterClrMapping/>
-  </p:clrMapOvr>
-</p:sldLayout>
-</file>
-
-<file path=ppt/slideLayouts/slideLayout2.xml><?xml version="1.0" encoding="utf-8"?>
-<p:sldLayout xmlns:a="http://schemas.openxmlformats.org/drawingml/2006/main" xmlns:r="http://schemas.openxmlformats.org/officeDocument/2006/relationships" xmlns:p="http://schemas.openxmlformats.org/presentationml/2006/main" preserve="1" userDrawn="1">
-  <p:cSld name="1_Title Only">
-    <p:spTree>
-      <p:nvGrpSpPr>
-        <p:cNvPr id="1" name=""/>
-        <p:cNvGrpSpPr/>
-        <p:nvPr/>
-      </p:nvGrpSpPr>
-      <p:grpSpPr>
-        <a:xfrm>
-          <a:off x="0" y="0"/>
-          <a:ext cx="0" cy="0"/>
-          <a:chOff x="0" y="0"/>
-          <a:chExt cx="0" cy="0"/>
-        </a:xfrm>
-      </p:grpSpPr>
-      <p:sp>
-        <p:nvSpPr>
-          <p:cNvPr id="2" name="Title 1"/>
-          <p:cNvSpPr>
-            <a:spLocks noGrp="1"/>
-          </p:cNvSpPr>
-          <p:nvPr>
-            <p:ph type="title"/>
-          </p:nvPr>
-        </p:nvSpPr>
-        <p:spPr/>
-        <p:txBody>
-          <a:bodyPr/>
-          <a:lstStyle/>
-          <a:p>
-            <a:r>
-              <a:rPr lang="en-US" dirty="0"/>
-              <a:t>Click to edit Master title style</a:t>
-            </a:r>
-          </a:p>
-        </p:txBody>
-      </p:sp>
-    </p:spTree>
-    <p:extLst>
-      <p:ext uri="{BB962C8B-B14F-4D97-AF65-F5344CB8AC3E}">
-        <p14:creationId xmlns:p14="http://schemas.microsoft.com/office/powerpoint/2010/main" val="893387707"/>
-      </p:ext>
-    </p:extLst>
-  </p:cSld>
-  <p:clrMapOvr>
-    <a:masterClrMapping/>
-  </p:clrMapOvr>
-</p:sldLayout>
-</file>
-
-<file path=ppt/slideLayouts/slideLayout20.xml><?xml version="1.0" encoding="utf-8"?>
-<p:sldLayout xmlns:a="http://schemas.openxmlformats.org/drawingml/2006/main" xmlns:r="http://schemas.openxmlformats.org/officeDocument/2006/relationships" xmlns:p="http://schemas.openxmlformats.org/presentationml/2006/main" showMasterSp="0" userDrawn="1">
-  <p:cSld name="Asia Pacific Title Slide 3">
-    <p:spTree>
-      <p:nvGrpSpPr>
-        <p:cNvPr id="1" name=""/>
-        <p:cNvGrpSpPr/>
-        <p:nvPr/>
-      </p:nvGrpSpPr>
-      <p:grpSpPr>
-        <a:xfrm>
-          <a:off x="0" y="0"/>
-          <a:ext cx="0" cy="0"/>
-          <a:chOff x="0" y="0"/>
-          <a:chExt cx="0" cy="0"/>
-        </a:xfrm>
-      </p:grpSpPr>
-      <p:graphicFrame>
-        <p:nvGraphicFramePr>
-          <p:cNvPr id="2" name="Object 1" hidden="1"/>
-          <p:cNvGraphicFramePr>
-            <a:graphicFrameLocks noChangeAspect="1"/>
-          </p:cNvGraphicFramePr>
-          <p:nvPr userDrawn="1">
-            <p:custDataLst>
-              <p:tags r:id="rId2"/>
-            </p:custDataLst>
-            <p:extLst>
-              <p:ext uri="{D42A27DB-BD31-4B8C-83A1-F6EECF244321}">
-                <p14:modId xmlns:p14="http://schemas.microsoft.com/office/powerpoint/2010/main" val="246204015"/>
-              </p:ext>
-            </p:extLst>
-          </p:nvPr>
-        </p:nvGraphicFramePr>
-        <p:xfrm>
-          <a:off x="1588" y="1590"/>
-          <a:ext cx="1588" cy="1587"/>
-        </p:xfrm>
-        <a:graphic>
-          <a:graphicData uri="http://schemas.openxmlformats.org/presentationml/2006/ole">
-            <mc:AlternateContent xmlns:mc="http://schemas.openxmlformats.org/markup-compatibility/2006">
-              <mc:Choice xmlns:v="urn:schemas-microsoft-com:vml" Requires="v">
-                <p:oleObj spid="_x0000_s8203" name="think-cell Slide" r:id="rId4" imgW="270" imgH="270" progId="TCLayout.ActiveDocument.1">
-                  <p:embed/>
-                </p:oleObj>
-              </mc:Choice>
-              <mc:Fallback>
-                <p:oleObj name="think-cell Slide" r:id="rId4" imgW="270" imgH="270" progId="TCLayout.ActiveDocument.1">
-                  <p:embed/>
-                  <p:pic>
-                    <p:nvPicPr>
-                      <p:cNvPr id="0" name=""/>
-                      <p:cNvPicPr/>
-                      <p:nvPr/>
-                    </p:nvPicPr>
-                    <p:blipFill>
-                      <a:blip r:embed="rId5"/>
-                      <a:stretch>
-                        <a:fillRect/>
-                      </a:stretch>
-                    </p:blipFill>
-                    <p:spPr>
-                      <a:xfrm>
-                        <a:off x="1588" y="1590"/>
-                        <a:ext cx="1588" cy="1587"/>
-                      </a:xfrm>
-                      <a:prstGeom prst="rect">
-                        <a:avLst/>
-                      </a:prstGeom>
-                    </p:spPr>
-                  </p:pic>
-                </p:oleObj>
-              </mc:Fallback>
-            </mc:AlternateContent>
-          </a:graphicData>
-        </a:graphic>
-      </p:graphicFrame>
-      <p:sp>
-        <p:nvSpPr>
-          <p:cNvPr id="5141" name="Rectangle 21"/>
-          <p:cNvSpPr>
-            <a:spLocks noChangeArrowheads="1"/>
-          </p:cNvSpPr>
-          <p:nvPr/>
-        </p:nvSpPr>
-        <p:spPr bwMode="auto">
-          <a:xfrm>
-            <a:off x="0" y="0"/>
-            <a:ext cx="9144000" cy="6858000"/>
-          </a:xfrm>
-          <a:prstGeom prst="rect">
-            <a:avLst/>
-          </a:prstGeom>
-          <a:solidFill>
-            <a:srgbClr val="D9D9D9"/>
-          </a:solidFill>
-          <a:ln w="9525">
-            <a:noFill/>
-            <a:miter lim="800000"/>
-            <a:headEnd/>
-            <a:tailEnd/>
-          </a:ln>
-          <a:effectLst/>
-        </p:spPr>
-        <p:txBody>
-          <a:bodyPr wrap="none" lIns="95780" tIns="47890" rIns="95780" bIns="47890" anchor="ctr">
-            <a:prstTxWarp prst="textNoShape">
-              <a:avLst/>
-            </a:prstTxWarp>
-          </a:bodyPr>
-          <a:lstStyle/>
-          <a:p>
-            <a:pPr fontAlgn="base">
-              <a:spcBef>
-                <a:spcPct val="0"/>
-              </a:spcBef>
-              <a:spcAft>
-                <a:spcPct val="0"/>
-              </a:spcAft>
-            </a:pPr>
-            <a:endParaRPr lang="en-US" sz="1200">
-              <a:solidFill>
-                <a:srgbClr val="000000"/>
-              </a:solidFill>
-            </a:endParaRPr>
-          </a:p>
-        </p:txBody>
-      </p:sp>
-      <p:sp>
-        <p:nvSpPr>
-          <p:cNvPr id="9" name="Rectangle 4"/>
-          <p:cNvSpPr>
-            <a:spLocks noChangeArrowheads="1"/>
-          </p:cNvSpPr>
-          <p:nvPr userDrawn="1"/>
-        </p:nvSpPr>
-        <p:spPr bwMode="gray">
-          <a:xfrm>
-            <a:off x="165102" y="123826"/>
-            <a:ext cx="8799512" cy="5962650"/>
-          </a:xfrm>
-          <a:prstGeom prst="rect">
-            <a:avLst/>
-          </a:prstGeom>
-          <a:solidFill>
-            <a:schemeClr val="accent4">
-              <a:lumMod val="75000"/>
-            </a:schemeClr>
-          </a:solidFill>
-          <a:ln>
-            <a:noFill/>
-          </a:ln>
-          <a:effectLst/>
-          <a:extLst/>
-        </p:spPr>
-        <p:txBody>
-          <a:bodyPr vert="horz" wrap="none" lIns="95780" tIns="47890" rIns="95780" bIns="47890" numCol="1" anchor="ctr" anchorCtr="0" compatLnSpc="1">
-            <a:prstTxWarp prst="textNoShape">
-              <a:avLst/>
-            </a:prstTxWarp>
-          </a:bodyPr>
-          <a:lstStyle/>
-          <a:p>
-            <a:pPr fontAlgn="base">
-              <a:spcBef>
-                <a:spcPct val="0"/>
-              </a:spcBef>
-              <a:spcAft>
-                <a:spcPct val="0"/>
-              </a:spcAft>
-            </a:pPr>
-            <a:endParaRPr lang="de-DE" sz="1200">
-              <a:solidFill>
-                <a:srgbClr val="000000"/>
-              </a:solidFill>
-            </a:endParaRPr>
-          </a:p>
-        </p:txBody>
-      </p:sp>
-      <p:pic>
-        <p:nvPicPr>
-          <p:cNvPr id="8" name="Picture 7" descr="AWP-Logo.png"/>
-          <p:cNvPicPr>
-            <a:picLocks noChangeAspect="1"/>
-          </p:cNvPicPr>
-          <p:nvPr userDrawn="1"/>
-        </p:nvPicPr>
-        <p:blipFill>
-          <a:blip r:embed="rId6" cstate="email">
-            <a:extLst>
-              <a:ext uri="{28A0092B-C50C-407E-A947-70E740481C1C}">
-                <a14:useLocalDpi xmlns:a14="http://schemas.microsoft.com/office/drawing/2010/main" val="0"/>
-              </a:ext>
-            </a:extLst>
-          </a:blip>
-          <a:stretch>
-            <a:fillRect/>
-          </a:stretch>
-        </p:blipFill>
-        <p:spPr>
-          <a:xfrm>
-            <a:off x="7286925" y="5461012"/>
-            <a:ext cx="1513484" cy="1225132"/>
-          </a:xfrm>
-          <a:prstGeom prst="rect">
-            <a:avLst/>
-          </a:prstGeom>
-        </p:spPr>
-      </p:pic>
-    </p:spTree>
-    <p:extLst>
-      <p:ext uri="{BB962C8B-B14F-4D97-AF65-F5344CB8AC3E}">
-        <p14:creationId xmlns:p14="http://schemas.microsoft.com/office/powerpoint/2010/main" val="1118125427"/>
-      </p:ext>
-    </p:extLst>
-  </p:cSld>
-  <p:clrMapOvr>
-    <a:masterClrMapping/>
-  </p:clrMapOvr>
-</p:sldLayout>
-</file>
-
-<file path=ppt/slideLayouts/slideLayout21.xml><?xml version="1.0" encoding="utf-8"?>
-<p:sldLayout xmlns:a="http://schemas.openxmlformats.org/drawingml/2006/main" xmlns:r="http://schemas.openxmlformats.org/officeDocument/2006/relationships" xmlns:p="http://schemas.openxmlformats.org/presentationml/2006/main" userDrawn="1">
-  <p:cSld name="Titel und Inhalt">
-    <p:spTree>
-      <p:nvGrpSpPr>
-        <p:cNvPr id="1" name=""/>
-        <p:cNvGrpSpPr/>
-        <p:nvPr/>
-      </p:nvGrpSpPr>
-      <p:grpSpPr>
-        <a:xfrm>
-          <a:off x="0" y="0"/>
-          <a:ext cx="0" cy="0"/>
-          <a:chOff x="0" y="0"/>
-          <a:chExt cx="0" cy="0"/>
-        </a:xfrm>
-      </p:grpSpPr>
-      <p:sp>
-        <p:nvSpPr>
-          <p:cNvPr id="16" name="Textplatzhalter 15"/>
-          <p:cNvSpPr>
-            <a:spLocks noGrp="1"/>
-          </p:cNvSpPr>
-          <p:nvPr>
-            <p:ph type="body" sz="quarter" idx="17"/>
-          </p:nvPr>
-        </p:nvSpPr>
-        <p:spPr>
-          <a:xfrm>
-            <a:off x="477776" y="1511651"/>
-            <a:ext cx="8281788" cy="4640388"/>
-          </a:xfrm>
-        </p:spPr>
-        <p:txBody>
-          <a:bodyPr>
-            <a:noAutofit/>
-          </a:bodyPr>
-          <a:lstStyle>
-            <a:lvl1pPr>
-              <a:defRPr>
-                <a:solidFill>
-                  <a:schemeClr val="accent1"/>
-                </a:solidFill>
-              </a:defRPr>
-            </a:lvl1pPr>
-            <a:lvl5pPr>
-              <a:defRPr/>
-            </a:lvl5pPr>
-          </a:lstStyle>
-          <a:p>
-            <a:pPr lvl="0"/>
-            <a:r>
-              <a:rPr lang="de-DE" noProof="0"/>
-              <a:t>Textmasterformat bearbeiten</a:t>
-            </a:r>
-          </a:p>
-          <a:p>
-            <a:pPr lvl="1"/>
-            <a:r>
-              <a:rPr lang="de-DE" noProof="0"/>
-              <a:t>Zweite Ebene</a:t>
-            </a:r>
-          </a:p>
-          <a:p>
-            <a:pPr lvl="2"/>
-            <a:r>
-              <a:rPr lang="de-DE" noProof="0"/>
-              <a:t>Dritte Ebene</a:t>
-            </a:r>
-          </a:p>
-          <a:p>
-            <a:pPr lvl="3"/>
-            <a:r>
-              <a:rPr lang="de-DE" noProof="0"/>
-              <a:t>Vierte Ebene</a:t>
-            </a:r>
-          </a:p>
-          <a:p>
-            <a:pPr lvl="4"/>
-            <a:r>
-              <a:rPr lang="de-DE" noProof="0"/>
-              <a:t>Fünfte Ebene</a:t>
-            </a:r>
-            <a:endParaRPr lang="en-US" noProof="0" dirty="0"/>
-          </a:p>
-        </p:txBody>
-      </p:sp>
-      <p:sp>
-        <p:nvSpPr>
-          <p:cNvPr id="4" name="Foliennummernplatzhalter 3"/>
-          <p:cNvSpPr>
-            <a:spLocks noGrp="1"/>
-          </p:cNvSpPr>
-          <p:nvPr>
-            <p:ph type="sldNum" sz="quarter" idx="20"/>
-          </p:nvPr>
-        </p:nvSpPr>
-        <p:spPr>
-          <a:xfrm>
-            <a:off x="8238182" y="6424931"/>
-            <a:ext cx="542924" cy="365125"/>
-          </a:xfrm>
-          <a:prstGeom prst="rect">
-            <a:avLst/>
-          </a:prstGeom>
-        </p:spPr>
-        <p:txBody>
-          <a:bodyPr lIns="80440" tIns="40220" rIns="80440" bIns="40220"/>
-          <a:lstStyle/>
-          <a:p>
-            <a:pPr fontAlgn="base">
-              <a:spcBef>
-                <a:spcPct val="0"/>
-              </a:spcBef>
-              <a:spcAft>
-                <a:spcPct val="0"/>
-              </a:spcAft>
-            </a:pPr>
-            <a:fld id="{CE4CD1D5-A1E4-4F05-BD09-2FF01D6D932F}" type="slidenum">
-              <a:rPr lang="en-US" sz="1200" smtClean="0">
-                <a:solidFill>
-                  <a:srgbClr val="000000"/>
-                </a:solidFill>
-              </a:rPr>
-              <a:pPr fontAlgn="base">
-                <a:spcBef>
-                  <a:spcPct val="0"/>
-                </a:spcBef>
-                <a:spcAft>
-                  <a:spcPct val="0"/>
-                </a:spcAft>
-              </a:pPr>
-              <a:t>‹#›</a:t>
-            </a:fld>
-            <a:endParaRPr lang="en-US" sz="1200" dirty="0">
-              <a:solidFill>
-                <a:srgbClr val="000000"/>
-              </a:solidFill>
-            </a:endParaRPr>
-          </a:p>
-        </p:txBody>
-      </p:sp>
-      <p:sp>
-        <p:nvSpPr>
-          <p:cNvPr id="9" name="Titel 8"/>
-          <p:cNvSpPr>
-            <a:spLocks noGrp="1"/>
-          </p:cNvSpPr>
-          <p:nvPr>
-            <p:ph type="title"/>
-          </p:nvPr>
-        </p:nvSpPr>
-        <p:spPr/>
-        <p:txBody>
-          <a:bodyPr/>
-          <a:lstStyle/>
-          <a:p>
-            <a:r>
-              <a:rPr lang="de-DE"/>
-              <a:t>Titelmasterformat durch Klicken bearbeiten</a:t>
-            </a:r>
-            <a:endParaRPr lang="de-AT"/>
-          </a:p>
-        </p:txBody>
-      </p:sp>
-    </p:spTree>
-    <p:extLst>
-      <p:ext uri="{BB962C8B-B14F-4D97-AF65-F5344CB8AC3E}">
-        <p14:creationId xmlns:p14="http://schemas.microsoft.com/office/powerpoint/2010/main" val="3930307532"/>
-      </p:ext>
-    </p:extLst>
-  </p:cSld>
-  <p:clrMapOvr>
-    <a:masterClrMapping/>
-  </p:clrMapOvr>
-</p:sldLayout>
-</file>
-
-<file path=ppt/slideLayouts/slideLayout22.xml><?xml version="1.0" encoding="utf-8"?>
-<p:sldLayout xmlns:a="http://schemas.openxmlformats.org/drawingml/2006/main" xmlns:r="http://schemas.openxmlformats.org/officeDocument/2006/relationships" xmlns:p="http://schemas.openxmlformats.org/presentationml/2006/main" userDrawn="1">
-  <p:cSld name="Title &amp; Subtitle">
-    <p:spTree>
-      <p:nvGrpSpPr>
-        <p:cNvPr id="1" name=""/>
-        <p:cNvGrpSpPr/>
-        <p:nvPr/>
-      </p:nvGrpSpPr>
-      <p:grpSpPr>
-        <a:xfrm>
-          <a:off x="0" y="0"/>
-          <a:ext cx="0" cy="0"/>
-          <a:chOff x="0" y="0"/>
-          <a:chExt cx="0" cy="0"/>
-        </a:xfrm>
-      </p:grpSpPr>
-      <p:sp>
-        <p:nvSpPr>
-          <p:cNvPr id="2" name="Title 1"/>
-          <p:cNvSpPr>
-            <a:spLocks noGrp="1"/>
-          </p:cNvSpPr>
-          <p:nvPr>
-            <p:ph type="title"/>
-          </p:nvPr>
-        </p:nvSpPr>
-        <p:spPr/>
-        <p:txBody>
-          <a:bodyPr/>
-          <a:lstStyle/>
-          <a:p>
-            <a:r>
-              <a:rPr lang="en-US" dirty="0"/>
-              <a:t>Click to edit Master title style</a:t>
-            </a:r>
-          </a:p>
-        </p:txBody>
-      </p:sp>
-      <p:sp>
-        <p:nvSpPr>
-          <p:cNvPr id="5" name="Text Placeholder 4"/>
-          <p:cNvSpPr>
-            <a:spLocks noGrp="1"/>
-          </p:cNvSpPr>
-          <p:nvPr>
-            <p:ph type="body" sz="quarter" idx="10"/>
-          </p:nvPr>
-        </p:nvSpPr>
-        <p:spPr>
-          <a:xfrm>
-            <a:off x="360364" y="1352550"/>
-            <a:ext cx="8315325" cy="406400"/>
-          </a:xfrm>
-        </p:spPr>
-        <p:txBody>
-          <a:bodyPr>
-            <a:noAutofit/>
-          </a:bodyPr>
-          <a:lstStyle>
-            <a:lvl1pPr>
-              <a:defRPr sz="2900"/>
-            </a:lvl1pPr>
-          </a:lstStyle>
-          <a:p>
-            <a:pPr lvl="0"/>
-            <a:r>
-              <a:rPr lang="en-US" dirty="0"/>
-              <a:t>Click to edit Master text styles</a:t>
-            </a:r>
-          </a:p>
-        </p:txBody>
-      </p:sp>
-      <p:sp>
-        <p:nvSpPr>
-          <p:cNvPr id="4" name="Content Placeholder 10"/>
-          <p:cNvSpPr>
-            <a:spLocks noGrp="1"/>
-          </p:cNvSpPr>
-          <p:nvPr>
-            <p:ph sz="quarter" idx="11"/>
-          </p:nvPr>
-        </p:nvSpPr>
-        <p:spPr>
-          <a:xfrm>
-            <a:off x="360363" y="1979407"/>
-            <a:ext cx="8280400" cy="1295226"/>
-          </a:xfrm>
-        </p:spPr>
-        <p:txBody>
-          <a:bodyPr/>
-          <a:lstStyle>
-            <a:lvl1pPr>
-              <a:spcAft>
-                <a:spcPts val="523"/>
-              </a:spcAft>
-              <a:defRPr/>
-            </a:lvl1pPr>
-          </a:lstStyle>
-          <a:p>
-            <a:pPr lvl="0"/>
-            <a:r>
-              <a:rPr lang="en-US" dirty="0"/>
-              <a:t>Click to edit Master text styles</a:t>
-            </a:r>
-          </a:p>
-          <a:p>
-            <a:pPr lvl="1"/>
-            <a:r>
-              <a:rPr lang="en-US" dirty="0"/>
-              <a:t>Second level</a:t>
-            </a:r>
-          </a:p>
-          <a:p>
-            <a:pPr lvl="2"/>
-            <a:r>
-              <a:rPr lang="en-US" dirty="0"/>
-              <a:t>Third level</a:t>
-            </a:r>
-          </a:p>
-          <a:p>
-            <a:pPr lvl="3"/>
-            <a:r>
-              <a:rPr lang="en-US" dirty="0"/>
-              <a:t>Fourth level</a:t>
-            </a:r>
-          </a:p>
-          <a:p>
-            <a:pPr lvl="4"/>
-            <a:r>
-              <a:rPr lang="en-US" dirty="0"/>
-              <a:t>Fifth level</a:t>
-            </a:r>
-            <a:endParaRPr lang="en-AU" dirty="0"/>
-          </a:p>
-        </p:txBody>
-      </p:sp>
-    </p:spTree>
-    <p:extLst>
-      <p:ext uri="{BB962C8B-B14F-4D97-AF65-F5344CB8AC3E}">
-        <p14:creationId xmlns:p14="http://schemas.microsoft.com/office/powerpoint/2010/main" val="2450306242"/>
-      </p:ext>
-    </p:extLst>
-  </p:cSld>
-  <p:clrMapOvr>
-    <a:masterClrMapping/>
-  </p:clrMapOvr>
-</p:sldLayout>
-</file>
-
-<file path=ppt/slideLayouts/slideLayout23.xml><?xml version="1.0" encoding="utf-8"?>
-<p:sldLayout xmlns:a="http://schemas.openxmlformats.org/drawingml/2006/main" xmlns:r="http://schemas.openxmlformats.org/officeDocument/2006/relationships" xmlns:p="http://schemas.openxmlformats.org/presentationml/2006/main" userDrawn="1">
-  <p:cSld name="Nur Titel">
-    <p:spTree>
-      <p:nvGrpSpPr>
-        <p:cNvPr id="1" name=""/>
-        <p:cNvGrpSpPr/>
-        <p:nvPr/>
-      </p:nvGrpSpPr>
-      <p:grpSpPr>
-        <a:xfrm>
-          <a:off x="0" y="0"/>
-          <a:ext cx="0" cy="0"/>
-          <a:chOff x="0" y="0"/>
-          <a:chExt cx="0" cy="0"/>
-        </a:xfrm>
-      </p:grpSpPr>
-      <p:sp>
-        <p:nvSpPr>
-          <p:cNvPr id="9" name="Titel 8"/>
-          <p:cNvSpPr>
-            <a:spLocks noGrp="1"/>
-          </p:cNvSpPr>
-          <p:nvPr>
-            <p:ph type="title"/>
-          </p:nvPr>
-        </p:nvSpPr>
-        <p:spPr/>
-        <p:txBody>
-          <a:bodyPr/>
-          <a:lstStyle/>
-          <a:p>
-            <a:r>
-              <a:rPr lang="de-DE"/>
-              <a:t>Titelmasterformat durch Klicken bearbeiten</a:t>
-            </a:r>
-            <a:endParaRPr lang="de-AT"/>
-          </a:p>
-        </p:txBody>
-      </p:sp>
-    </p:spTree>
-    <p:extLst>
-      <p:ext uri="{BB962C8B-B14F-4D97-AF65-F5344CB8AC3E}">
-        <p14:creationId xmlns:p14="http://schemas.microsoft.com/office/powerpoint/2010/main" val="3292574506"/>
-      </p:ext>
-    </p:extLst>
-  </p:cSld>
-  <p:clrMapOvr>
-    <a:masterClrMapping/>
-  </p:clrMapOvr>
-</p:sldLayout>
-</file>
-
-<file path=ppt/slideLayouts/slideLayout3.xml><?xml version="1.0" encoding="utf-8"?>
-<p:sldLayout xmlns:a="http://schemas.openxmlformats.org/drawingml/2006/main" xmlns:r="http://schemas.openxmlformats.org/officeDocument/2006/relationships" xmlns:p="http://schemas.openxmlformats.org/presentationml/2006/main" userDrawn="1">
-  <p:cSld name="2_Title Only">
-    <p:spTree>
-      <p:nvGrpSpPr>
-        <p:cNvPr id="1" name=""/>
-        <p:cNvGrpSpPr/>
-        <p:nvPr/>
-      </p:nvGrpSpPr>
-      <p:grpSpPr>
-        <a:xfrm>
-          <a:off x="0" y="0"/>
-          <a:ext cx="0" cy="0"/>
-          <a:chOff x="0" y="0"/>
-          <a:chExt cx="0" cy="0"/>
-        </a:xfrm>
-      </p:grpSpPr>
-      <p:sp>
-        <p:nvSpPr>
-          <p:cNvPr id="2" name="Title 1"/>
-          <p:cNvSpPr>
-            <a:spLocks noGrp="1"/>
-          </p:cNvSpPr>
-          <p:nvPr>
-            <p:ph type="title"/>
-          </p:nvPr>
-        </p:nvSpPr>
-        <p:spPr/>
-        <p:txBody>
-          <a:bodyPr/>
-          <a:lstStyle/>
-          <a:p>
-            <a:r>
-              <a:rPr lang="en-US"/>
-              <a:t>Click to edit Master title style</a:t>
-            </a:r>
-          </a:p>
-        </p:txBody>
-      </p:sp>
-    </p:spTree>
-    <p:extLst>
-      <p:ext uri="{BB962C8B-B14F-4D97-AF65-F5344CB8AC3E}">
-        <p14:creationId xmlns:p14="http://schemas.microsoft.com/office/powerpoint/2010/main" val="3094576267"/>
-      </p:ext>
-    </p:extLst>
-  </p:cSld>
-  <p:clrMapOvr>
-    <a:masterClrMapping/>
-  </p:clrMapOvr>
-</p:sldLayout>
-</file>
-
-<file path=ppt/slideLayouts/slideLayout4.xml><?xml version="1.0" encoding="utf-8"?>
-<p:sldLayout xmlns:a="http://schemas.openxmlformats.org/drawingml/2006/main" xmlns:r="http://schemas.openxmlformats.org/officeDocument/2006/relationships" xmlns:p="http://schemas.openxmlformats.org/presentationml/2006/main" userDrawn="1">
-  <p:cSld name="Title and Content">
-    <p:spTree>
-      <p:nvGrpSpPr>
-        <p:cNvPr id="1" name=""/>
-        <p:cNvGrpSpPr/>
-        <p:nvPr/>
-      </p:nvGrpSpPr>
-      <p:grpSpPr>
-        <a:xfrm>
-          <a:off x="0" y="0"/>
-          <a:ext cx="0" cy="0"/>
-          <a:chOff x="0" y="0"/>
-          <a:chExt cx="0" cy="0"/>
-        </a:xfrm>
-      </p:grpSpPr>
-      <p:sp>
-        <p:nvSpPr>
-          <p:cNvPr id="8" name="Title 1"/>
-          <p:cNvSpPr>
-            <a:spLocks noGrp="1"/>
-          </p:cNvSpPr>
-          <p:nvPr>
-            <p:ph type="title"/>
-          </p:nvPr>
-        </p:nvSpPr>
-        <p:spPr>
-          <a:xfrm>
-            <a:off x="444165" y="303928"/>
-            <a:ext cx="6978931" cy="338554"/>
-          </a:xfrm>
-        </p:spPr>
-        <p:txBody>
-          <a:bodyPr/>
-          <a:lstStyle/>
-          <a:p>
-            <a:r>
-              <a:rPr lang="en-US" dirty="0"/>
-              <a:t>Click to edit Master title style</a:t>
-            </a:r>
-          </a:p>
-        </p:txBody>
-      </p:sp>
-    </p:spTree>
-    <p:extLst>
-      <p:ext uri="{BB962C8B-B14F-4D97-AF65-F5344CB8AC3E}">
-        <p14:creationId xmlns:p14="http://schemas.microsoft.com/office/powerpoint/2010/main" val="1104809345"/>
-      </p:ext>
-    </p:extLst>
-  </p:cSld>
-  <p:clrMapOvr>
-    <a:masterClrMapping/>
-  </p:clrMapOvr>
-</p:sldLayout>
-</file>
-
-<file path=ppt/slideLayouts/slideLayout5.xml><?xml version="1.0" encoding="utf-8"?>
-<p:sldLayout xmlns:a="http://schemas.openxmlformats.org/drawingml/2006/main" xmlns:r="http://schemas.openxmlformats.org/officeDocument/2006/relationships" xmlns:p="http://schemas.openxmlformats.org/presentationml/2006/main" type="obj">
-  <p:cSld name="1_Title and Content">
-    <p:spTree>
-      <p:nvGrpSpPr>
-        <p:cNvPr id="1" name=""/>
-        <p:cNvGrpSpPr/>
-        <p:nvPr/>
-      </p:nvGrpSpPr>
-      <p:grpSpPr>
-        <a:xfrm>
-          <a:off x="0" y="0"/>
-          <a:ext cx="0" cy="0"/>
-          <a:chOff x="0" y="0"/>
-          <a:chExt cx="0" cy="0"/>
-        </a:xfrm>
-      </p:grpSpPr>
-      <p:sp>
-        <p:nvSpPr>
-          <p:cNvPr id="2" name="Title 1"/>
-          <p:cNvSpPr>
-            <a:spLocks noGrp="1"/>
-          </p:cNvSpPr>
-          <p:nvPr>
-            <p:ph type="title"/>
-          </p:nvPr>
-        </p:nvSpPr>
-        <p:spPr/>
-        <p:txBody>
-          <a:bodyPr/>
-          <a:lstStyle/>
-          <a:p>
-            <a:r>
-              <a:rPr lang="en-US"/>
-              <a:t>Click to edit Master title style</a:t>
-            </a:r>
-            <a:endParaRPr lang="en-AU"/>
-          </a:p>
-        </p:txBody>
-      </p:sp>
-      <p:sp>
-        <p:nvSpPr>
-          <p:cNvPr id="3" name="Content Placeholder 2"/>
-          <p:cNvSpPr>
-            <a:spLocks noGrp="1"/>
-          </p:cNvSpPr>
-          <p:nvPr>
-            <p:ph idx="1"/>
-          </p:nvPr>
-        </p:nvSpPr>
-        <p:spPr>
-          <a:xfrm>
-            <a:off x="2377115" y="2699099"/>
-            <a:ext cx="4389768" cy="1231106"/>
-          </a:xfrm>
-        </p:spPr>
-        <p:txBody>
-          <a:bodyPr/>
-          <a:lstStyle/>
-          <a:p>
-            <a:pPr lvl="0"/>
-            <a:r>
-              <a:rPr lang="en-US"/>
-              <a:t>Click to edit Master text styles</a:t>
-            </a:r>
-          </a:p>
-          <a:p>
-            <a:pPr lvl="1"/>
-            <a:r>
-              <a:rPr lang="en-US"/>
-              <a:t>Second level</a:t>
-            </a:r>
-          </a:p>
-          <a:p>
-            <a:pPr lvl="2"/>
-            <a:r>
-              <a:rPr lang="en-US"/>
-              <a:t>Third level</a:t>
-            </a:r>
-          </a:p>
-          <a:p>
-            <a:pPr lvl="3"/>
-            <a:r>
-              <a:rPr lang="en-US"/>
-              <a:t>Fourth level</a:t>
-            </a:r>
-          </a:p>
-          <a:p>
-            <a:pPr lvl="4"/>
-            <a:r>
-              <a:rPr lang="en-US"/>
-              <a:t>Fifth level</a:t>
-            </a:r>
-            <a:endParaRPr lang="en-AU"/>
-          </a:p>
-        </p:txBody>
-      </p:sp>
-      <p:sp>
-        <p:nvSpPr>
-          <p:cNvPr id="4" name="Date Placeholder 3"/>
-          <p:cNvSpPr>
-            <a:spLocks noGrp="1"/>
-          </p:cNvSpPr>
-          <p:nvPr>
-            <p:ph type="dt" sz="half" idx="10"/>
-          </p:nvPr>
-        </p:nvSpPr>
-        <p:spPr>
-          <a:xfrm>
-            <a:off x="457200" y="6356352"/>
-            <a:ext cx="2133600" cy="365125"/>
-          </a:xfrm>
-          <a:prstGeom prst="rect">
-            <a:avLst/>
-          </a:prstGeom>
-        </p:spPr>
-        <p:txBody>
-          <a:bodyPr/>
-          <a:lstStyle/>
-          <a:p>
-            <a:pPr fontAlgn="base">
-              <a:spcBef>
-                <a:spcPct val="0"/>
-              </a:spcBef>
-              <a:spcAft>
-                <a:spcPct val="0"/>
-              </a:spcAft>
-            </a:pPr>
-            <a:fld id="{4981325C-E4B3-441B-8ED2-97520B967208}" type="datetimeFigureOut">
-              <a:rPr lang="en-AU" sz="1200" smtClean="0">
-                <a:solidFill>
-                  <a:srgbClr val="000000"/>
-                </a:solidFill>
-              </a:rPr>
-              <a:pPr fontAlgn="base">
-                <a:spcBef>
-                  <a:spcPct val="0"/>
-                </a:spcBef>
-                <a:spcAft>
-                  <a:spcPct val="0"/>
-                </a:spcAft>
-              </a:pPr>
-              <a:t>18/01/2018</a:t>
-            </a:fld>
-            <a:endParaRPr lang="en-AU" sz="1200" dirty="0">
-              <a:solidFill>
-                <a:srgbClr val="000000"/>
-              </a:solidFill>
-            </a:endParaRPr>
-          </a:p>
-        </p:txBody>
-      </p:sp>
-      <p:sp>
-        <p:nvSpPr>
-          <p:cNvPr id="5" name="Footer Placeholder 4"/>
-          <p:cNvSpPr>
-            <a:spLocks noGrp="1"/>
-          </p:cNvSpPr>
-          <p:nvPr>
-            <p:ph type="ftr" sz="quarter" idx="11"/>
-          </p:nvPr>
-        </p:nvSpPr>
-        <p:spPr>
-          <a:xfrm>
-            <a:off x="3124200" y="6356352"/>
-            <a:ext cx="2895600" cy="365125"/>
-          </a:xfrm>
-          <a:prstGeom prst="rect">
-            <a:avLst/>
-          </a:prstGeom>
-        </p:spPr>
-        <p:txBody>
-          <a:bodyPr/>
-          <a:lstStyle/>
-          <a:p>
-            <a:pPr fontAlgn="base">
-              <a:spcBef>
-                <a:spcPct val="0"/>
-              </a:spcBef>
-              <a:spcAft>
-                <a:spcPct val="0"/>
-              </a:spcAft>
-            </a:pPr>
-            <a:endParaRPr lang="en-AU" sz="1200" dirty="0">
-              <a:solidFill>
-                <a:srgbClr val="000000"/>
-              </a:solidFill>
-            </a:endParaRPr>
-          </a:p>
-        </p:txBody>
-      </p:sp>
-      <p:sp>
-        <p:nvSpPr>
-          <p:cNvPr id="6" name="Slide Number Placeholder 5"/>
-          <p:cNvSpPr>
-            <a:spLocks noGrp="1"/>
-          </p:cNvSpPr>
-          <p:nvPr>
-            <p:ph type="sldNum" sz="quarter" idx="12"/>
-          </p:nvPr>
-        </p:nvSpPr>
-        <p:spPr>
-          <a:xfrm>
-            <a:off x="6553200" y="6356352"/>
-            <a:ext cx="2133600" cy="365125"/>
-          </a:xfrm>
-          <a:prstGeom prst="rect">
-            <a:avLst/>
-          </a:prstGeom>
-        </p:spPr>
-        <p:txBody>
-          <a:bodyPr/>
-          <a:lstStyle/>
-          <a:p>
-            <a:pPr fontAlgn="base">
-              <a:spcBef>
-                <a:spcPct val="0"/>
-              </a:spcBef>
-              <a:spcAft>
-                <a:spcPct val="0"/>
-              </a:spcAft>
-            </a:pPr>
-            <a:fld id="{59CFDCAC-DB3E-4370-B132-8513B4EF70A1}" type="slidenum">
-              <a:rPr lang="en-AU" sz="1200" smtClean="0">
-                <a:solidFill>
-                  <a:srgbClr val="000000"/>
-                </a:solidFill>
-              </a:rPr>
-              <a:pPr fontAlgn="base">
-                <a:spcBef>
-                  <a:spcPct val="0"/>
-                </a:spcBef>
-                <a:spcAft>
-                  <a:spcPct val="0"/>
-                </a:spcAft>
-              </a:pPr>
-              <a:t>‹#›</a:t>
-            </a:fld>
-            <a:endParaRPr lang="en-AU" sz="1200" dirty="0">
-              <a:solidFill>
-                <a:srgbClr val="000000"/>
-              </a:solidFill>
-            </a:endParaRPr>
-          </a:p>
-        </p:txBody>
-      </p:sp>
-    </p:spTree>
-    <p:extLst>
-      <p:ext uri="{BB962C8B-B14F-4D97-AF65-F5344CB8AC3E}">
-        <p14:creationId xmlns:p14="http://schemas.microsoft.com/office/powerpoint/2010/main" val="1166257346"/>
-      </p:ext>
-    </p:extLst>
-  </p:cSld>
-  <p:clrMapOvr>
-    <a:masterClrMapping/>
-  </p:clrMapOvr>
-</p:sldLayout>
-</file>
-
-<file path=ppt/slideLayouts/slideLayout6.xml><?xml version="1.0" encoding="utf-8"?>
-<p:sldLayout xmlns:a="http://schemas.openxmlformats.org/drawingml/2006/main" xmlns:r="http://schemas.openxmlformats.org/officeDocument/2006/relationships" xmlns:p="http://schemas.openxmlformats.org/presentationml/2006/main" type="titleOnly">
-  <p:cSld name="Titre seul">
-    <p:spTree>
-      <p:nvGrpSpPr>
-        <p:cNvPr id="1" name=""/>
-        <p:cNvGrpSpPr/>
-        <p:nvPr/>
-      </p:nvGrpSpPr>
-      <p:grpSpPr>
-        <a:xfrm>
-          <a:off x="0" y="0"/>
-          <a:ext cx="0" cy="0"/>
-          <a:chOff x="0" y="0"/>
-          <a:chExt cx="0" cy="0"/>
-        </a:xfrm>
-      </p:grpSpPr>
-      <p:sp>
-        <p:nvSpPr>
-          <p:cNvPr id="2" name="Titre 1"/>
-          <p:cNvSpPr>
-            <a:spLocks noGrp="1"/>
-          </p:cNvSpPr>
-          <p:nvPr>
-            <p:ph type="title"/>
-          </p:nvPr>
-        </p:nvSpPr>
-        <p:spPr/>
-        <p:txBody>
-          <a:bodyPr/>
-          <a:lstStyle/>
-          <a:p>
-            <a:r>
-              <a:rPr lang="fr-FR" dirty="0"/>
-              <a:t>Cliquez pour modifier le style du titre</a:t>
-            </a:r>
-          </a:p>
-        </p:txBody>
-      </p:sp>
-    </p:spTree>
-    <p:extLst>
-      <p:ext uri="{BB962C8B-B14F-4D97-AF65-F5344CB8AC3E}">
-        <p14:creationId xmlns:p14="http://schemas.microsoft.com/office/powerpoint/2010/main" val="3571363464"/>
-      </p:ext>
-    </p:extLst>
-  </p:cSld>
-  <p:clrMapOvr>
-    <a:masterClrMapping/>
-  </p:clrMapOvr>
-</p:sldLayout>
-</file>
-
-<file path=ppt/slideLayouts/slideLayout7.xml><?xml version="1.0" encoding="utf-8"?>
-<p:sldLayout xmlns:a="http://schemas.openxmlformats.org/drawingml/2006/main" xmlns:r="http://schemas.openxmlformats.org/officeDocument/2006/relationships" xmlns:p="http://schemas.openxmlformats.org/presentationml/2006/main" userDrawn="1">
-  <p:cSld name="2_Title and Content">
-    <p:spTree>
-      <p:nvGrpSpPr>
-        <p:cNvPr id="1" name=""/>
-        <p:cNvGrpSpPr/>
-        <p:nvPr/>
-      </p:nvGrpSpPr>
-      <p:grpSpPr>
-        <a:xfrm>
-          <a:off x="0" y="0"/>
-          <a:ext cx="0" cy="0"/>
-          <a:chOff x="0" y="0"/>
-          <a:chExt cx="0" cy="0"/>
-        </a:xfrm>
-      </p:grpSpPr>
-      <p:sp>
-        <p:nvSpPr>
-          <p:cNvPr id="2" name="Title 1"/>
-          <p:cNvSpPr>
-            <a:spLocks noGrp="1"/>
-          </p:cNvSpPr>
-          <p:nvPr>
-            <p:ph type="title"/>
-          </p:nvPr>
-        </p:nvSpPr>
-        <p:spPr/>
-        <p:txBody>
-          <a:bodyPr/>
-          <a:lstStyle/>
-          <a:p>
-            <a:r>
-              <a:rPr lang="en-US" dirty="0"/>
-              <a:t>Click to edit Master title style</a:t>
-            </a:r>
-          </a:p>
-        </p:txBody>
-      </p:sp>
-      <p:sp>
-        <p:nvSpPr>
-          <p:cNvPr id="3" name="Content Placeholder 2"/>
-          <p:cNvSpPr>
-            <a:spLocks noGrp="1"/>
-          </p:cNvSpPr>
-          <p:nvPr>
-            <p:ph idx="1"/>
-          </p:nvPr>
-        </p:nvSpPr>
-        <p:spPr>
-          <a:xfrm>
-            <a:off x="2377115" y="2699100"/>
-            <a:ext cx="4389768" cy="1231106"/>
-          </a:xfrm>
-        </p:spPr>
-        <p:txBody>
-          <a:bodyPr/>
-          <a:lstStyle/>
-          <a:p>
-            <a:pPr lvl="0"/>
-            <a:r>
-              <a:rPr lang="en-US" dirty="0"/>
-              <a:t>Click to edit Master text styles</a:t>
-            </a:r>
-          </a:p>
-          <a:p>
-            <a:pPr lvl="1"/>
-            <a:r>
-              <a:rPr lang="en-US" dirty="0"/>
-              <a:t>Second level</a:t>
-            </a:r>
-          </a:p>
-          <a:p>
-            <a:pPr lvl="2"/>
-            <a:r>
-              <a:rPr lang="en-US" dirty="0"/>
-              <a:t>Third level</a:t>
-            </a:r>
-          </a:p>
-          <a:p>
-            <a:pPr lvl="3"/>
-            <a:r>
-              <a:rPr lang="en-US" dirty="0"/>
-              <a:t>Fourth level</a:t>
-            </a:r>
-          </a:p>
-          <a:p>
-            <a:pPr lvl="4"/>
-            <a:r>
-              <a:rPr lang="en-US" dirty="0"/>
-              <a:t>Fifth level</a:t>
-            </a:r>
-          </a:p>
-        </p:txBody>
-      </p:sp>
-    </p:spTree>
-    <p:extLst>
-      <p:ext uri="{BB962C8B-B14F-4D97-AF65-F5344CB8AC3E}">
-        <p14:creationId xmlns:p14="http://schemas.microsoft.com/office/powerpoint/2010/main" val="354325967"/>
-      </p:ext>
-    </p:extLst>
-  </p:cSld>
-  <p:clrMapOvr>
-    <a:masterClrMapping/>
-  </p:clrMapOvr>
-</p:sldLayout>
-</file>
-
-<file path=ppt/slideLayouts/slideLayout8.xml><?xml version="1.0" encoding="utf-8"?>
-<p:sldLayout xmlns:a="http://schemas.openxmlformats.org/drawingml/2006/main" xmlns:r="http://schemas.openxmlformats.org/officeDocument/2006/relationships" xmlns:p="http://schemas.openxmlformats.org/presentationml/2006/main" showMasterSp="0" userDrawn="1">
-  <p:cSld name="Asia Pacific Title Slide 3">
-    <p:spTree>
-      <p:nvGrpSpPr>
-        <p:cNvPr id="1" name=""/>
-        <p:cNvGrpSpPr/>
-        <p:nvPr/>
-      </p:nvGrpSpPr>
-      <p:grpSpPr>
-        <a:xfrm>
-          <a:off x="0" y="0"/>
-          <a:ext cx="0" cy="0"/>
-          <a:chOff x="0" y="0"/>
-          <a:chExt cx="0" cy="0"/>
-        </a:xfrm>
-      </p:grpSpPr>
-      <p:graphicFrame>
-        <p:nvGraphicFramePr>
-          <p:cNvPr id="2" name="Object 1" hidden="1"/>
-          <p:cNvGraphicFramePr>
-            <a:graphicFrameLocks noChangeAspect="1"/>
-          </p:cNvGraphicFramePr>
-          <p:nvPr userDrawn="1">
-            <p:custDataLst>
-              <p:tags r:id="rId2"/>
-            </p:custDataLst>
-            <p:extLst>
-              <p:ext uri="{D42A27DB-BD31-4B8C-83A1-F6EECF244321}">
-                <p14:modId xmlns:p14="http://schemas.microsoft.com/office/powerpoint/2010/main" val="3741905748"/>
-              </p:ext>
-            </p:extLst>
-          </p:nvPr>
-        </p:nvGraphicFramePr>
-        <p:xfrm>
-          <a:off x="1588" y="1590"/>
-          <a:ext cx="1588" cy="1587"/>
-        </p:xfrm>
-        <a:graphic>
-          <a:graphicData uri="http://schemas.openxmlformats.org/presentationml/2006/ole">
-            <mc:AlternateContent xmlns:mc="http://schemas.openxmlformats.org/markup-compatibility/2006">
-              <mc:Choice xmlns:v="urn:schemas-microsoft-com:vml" Requires="v">
-                <p:oleObj spid="_x0000_s4107" name="think-cell Slide" r:id="rId4" imgW="270" imgH="270" progId="TCLayout.ActiveDocument.1">
-                  <p:embed/>
-                </p:oleObj>
-              </mc:Choice>
-              <mc:Fallback>
-                <p:oleObj name="think-cell Slide" r:id="rId4" imgW="270" imgH="270" progId="TCLayout.ActiveDocument.1">
-                  <p:embed/>
-                  <p:pic>
-                    <p:nvPicPr>
-                      <p:cNvPr id="0" name=""/>
-                      <p:cNvPicPr/>
-                      <p:nvPr/>
-                    </p:nvPicPr>
-                    <p:blipFill>
-                      <a:blip r:embed="rId5"/>
-                      <a:stretch>
-                        <a:fillRect/>
-                      </a:stretch>
-                    </p:blipFill>
-                    <p:spPr>
-                      <a:xfrm>
-                        <a:off x="1588" y="1590"/>
-                        <a:ext cx="1588" cy="1587"/>
-                      </a:xfrm>
-                      <a:prstGeom prst="rect">
-                        <a:avLst/>
-                      </a:prstGeom>
-                    </p:spPr>
-                  </p:pic>
-                </p:oleObj>
-              </mc:Fallback>
-            </mc:AlternateContent>
-          </a:graphicData>
-        </a:graphic>
-      </p:graphicFrame>
-      <p:sp>
-        <p:nvSpPr>
-          <p:cNvPr id="5141" name="Rectangle 21"/>
-          <p:cNvSpPr>
-            <a:spLocks noChangeArrowheads="1"/>
-          </p:cNvSpPr>
-          <p:nvPr/>
-        </p:nvSpPr>
-        <p:spPr bwMode="auto">
-          <a:xfrm>
-            <a:off x="0" y="0"/>
-            <a:ext cx="9144000" cy="6858000"/>
-          </a:xfrm>
-          <a:prstGeom prst="rect">
-            <a:avLst/>
-          </a:prstGeom>
-          <a:solidFill>
-            <a:srgbClr val="D9D9D9"/>
-          </a:solidFill>
-          <a:ln w="9525">
-            <a:noFill/>
-            <a:miter lim="800000"/>
-            <a:headEnd/>
-            <a:tailEnd/>
-          </a:ln>
-          <a:effectLst/>
-        </p:spPr>
-        <p:txBody>
-          <a:bodyPr wrap="none" lIns="95780" tIns="47890" rIns="95780" bIns="47890" anchor="ctr">
-            <a:prstTxWarp prst="textNoShape">
-              <a:avLst/>
-            </a:prstTxWarp>
-          </a:bodyPr>
-          <a:lstStyle/>
-          <a:p>
-            <a:pPr fontAlgn="base">
-              <a:spcBef>
-                <a:spcPct val="0"/>
-              </a:spcBef>
-              <a:spcAft>
-                <a:spcPct val="0"/>
-              </a:spcAft>
-            </a:pPr>
-            <a:endParaRPr lang="en-US" sz="1200">
-              <a:solidFill>
-                <a:srgbClr val="000000"/>
-              </a:solidFill>
-            </a:endParaRPr>
-          </a:p>
-        </p:txBody>
-      </p:sp>
-      <p:sp>
-        <p:nvSpPr>
-          <p:cNvPr id="9" name="Rectangle 4"/>
-          <p:cNvSpPr>
-            <a:spLocks noChangeArrowheads="1"/>
-          </p:cNvSpPr>
-          <p:nvPr userDrawn="1"/>
-        </p:nvSpPr>
-        <p:spPr bwMode="gray">
-          <a:xfrm>
-            <a:off x="165102" y="123826"/>
-            <a:ext cx="8799512" cy="5962650"/>
-          </a:xfrm>
-          <a:prstGeom prst="rect">
-            <a:avLst/>
-          </a:prstGeom>
-          <a:solidFill>
-            <a:schemeClr val="accent4">
-              <a:lumMod val="75000"/>
-            </a:schemeClr>
-          </a:solidFill>
-          <a:ln>
-            <a:noFill/>
-          </a:ln>
-          <a:effectLst/>
-          <a:extLst/>
-        </p:spPr>
-        <p:txBody>
-          <a:bodyPr vert="horz" wrap="none" lIns="95780" tIns="47890" rIns="95780" bIns="47890" numCol="1" anchor="ctr" anchorCtr="0" compatLnSpc="1">
-            <a:prstTxWarp prst="textNoShape">
-              <a:avLst/>
-            </a:prstTxWarp>
-          </a:bodyPr>
-          <a:lstStyle/>
-          <a:p>
-            <a:pPr fontAlgn="base">
-              <a:spcBef>
-                <a:spcPct val="0"/>
-              </a:spcBef>
-              <a:spcAft>
-                <a:spcPct val="0"/>
-              </a:spcAft>
-            </a:pPr>
-            <a:endParaRPr lang="de-DE" sz="1200">
-              <a:solidFill>
-                <a:srgbClr val="000000"/>
-              </a:solidFill>
-            </a:endParaRPr>
-          </a:p>
-        </p:txBody>
-      </p:sp>
-      <p:pic>
-        <p:nvPicPr>
-          <p:cNvPr id="8" name="Picture 7" descr="AWP-Logo.png"/>
-          <p:cNvPicPr>
-            <a:picLocks noChangeAspect="1"/>
-          </p:cNvPicPr>
-          <p:nvPr userDrawn="1"/>
-        </p:nvPicPr>
-        <p:blipFill>
-          <a:blip r:embed="rId6" cstate="email">
-            <a:extLst>
-              <a:ext uri="{28A0092B-C50C-407E-A947-70E740481C1C}">
-                <a14:useLocalDpi xmlns:a14="http://schemas.microsoft.com/office/drawing/2010/main" val="0"/>
-              </a:ext>
-            </a:extLst>
-          </a:blip>
-          <a:stretch>
-            <a:fillRect/>
-          </a:stretch>
-        </p:blipFill>
-        <p:spPr>
-          <a:xfrm>
-            <a:off x="7286925" y="5461012"/>
-            <a:ext cx="1513484" cy="1225132"/>
-          </a:xfrm>
-          <a:prstGeom prst="rect">
-            <a:avLst/>
-          </a:prstGeom>
-        </p:spPr>
-      </p:pic>
-    </p:spTree>
-    <p:extLst>
-      <p:ext uri="{BB962C8B-B14F-4D97-AF65-F5344CB8AC3E}">
-        <p14:creationId xmlns:p14="http://schemas.microsoft.com/office/powerpoint/2010/main" val="754670783"/>
-      </p:ext>
-    </p:extLst>
-  </p:cSld>
-  <p:clrMapOvr>
-    <a:masterClrMapping/>
-  </p:clrMapOvr>
-</p:sldLayout>
-</file>
-
-<file path=ppt/slideLayouts/slideLayout9.xml><?xml version="1.0" encoding="utf-8"?>
-<p:sldLayout xmlns:a="http://schemas.openxmlformats.org/drawingml/2006/main" xmlns:r="http://schemas.openxmlformats.org/officeDocument/2006/relationships" xmlns:p="http://schemas.openxmlformats.org/presentationml/2006/main" userDrawn="1">
-  <p:cSld name="Titel und Inhalt">
-    <p:spTree>
-      <p:nvGrpSpPr>
-        <p:cNvPr id="1" name=""/>
-        <p:cNvGrpSpPr/>
-        <p:nvPr/>
-      </p:nvGrpSpPr>
-      <p:grpSpPr>
-        <a:xfrm>
-          <a:off x="0" y="0"/>
-          <a:ext cx="0" cy="0"/>
-          <a:chOff x="0" y="0"/>
-          <a:chExt cx="0" cy="0"/>
-        </a:xfrm>
-      </p:grpSpPr>
-      <p:sp>
-        <p:nvSpPr>
-          <p:cNvPr id="16" name="Textplatzhalter 15"/>
-          <p:cNvSpPr>
-            <a:spLocks noGrp="1"/>
-          </p:cNvSpPr>
-          <p:nvPr>
-            <p:ph type="body" sz="quarter" idx="17"/>
-          </p:nvPr>
-        </p:nvSpPr>
-        <p:spPr>
-          <a:xfrm>
-            <a:off x="477776" y="1511651"/>
-            <a:ext cx="8281788" cy="4640388"/>
-          </a:xfrm>
-        </p:spPr>
-        <p:txBody>
-          <a:bodyPr>
-            <a:noAutofit/>
-          </a:bodyPr>
-          <a:lstStyle>
-            <a:lvl1pPr>
-              <a:defRPr>
-                <a:solidFill>
-                  <a:schemeClr val="accent1"/>
-                </a:solidFill>
-              </a:defRPr>
-            </a:lvl1pPr>
-            <a:lvl5pPr>
-              <a:defRPr/>
-            </a:lvl5pPr>
-          </a:lstStyle>
-          <a:p>
-            <a:pPr lvl="0"/>
-            <a:r>
-              <a:rPr lang="de-DE" noProof="0"/>
-              <a:t>Textmasterformat bearbeiten</a:t>
-            </a:r>
-          </a:p>
-          <a:p>
-            <a:pPr lvl="1"/>
-            <a:r>
-              <a:rPr lang="de-DE" noProof="0"/>
-              <a:t>Zweite Ebene</a:t>
-            </a:r>
-          </a:p>
-          <a:p>
-            <a:pPr lvl="2"/>
-            <a:r>
-              <a:rPr lang="de-DE" noProof="0"/>
-              <a:t>Dritte Ebene</a:t>
-            </a:r>
-          </a:p>
-          <a:p>
-            <a:pPr lvl="3"/>
-            <a:r>
-              <a:rPr lang="de-DE" noProof="0"/>
-              <a:t>Vierte Ebene</a:t>
-            </a:r>
-          </a:p>
-          <a:p>
-            <a:pPr lvl="4"/>
-            <a:r>
-              <a:rPr lang="de-DE" noProof="0"/>
-              <a:t>Fünfte Ebene</a:t>
-            </a:r>
-            <a:endParaRPr lang="en-US" noProof="0" dirty="0"/>
-          </a:p>
-        </p:txBody>
-      </p:sp>
-      <p:sp>
-        <p:nvSpPr>
-          <p:cNvPr id="4" name="Foliennummernplatzhalter 3"/>
-          <p:cNvSpPr>
-            <a:spLocks noGrp="1"/>
-          </p:cNvSpPr>
-          <p:nvPr>
-            <p:ph type="sldNum" sz="quarter" idx="20"/>
-          </p:nvPr>
-        </p:nvSpPr>
-        <p:spPr>
-          <a:xfrm>
-            <a:off x="8238182" y="6424931"/>
-            <a:ext cx="542924" cy="365125"/>
-          </a:xfrm>
-          <a:prstGeom prst="rect">
-            <a:avLst/>
-          </a:prstGeom>
-        </p:spPr>
-        <p:txBody>
-          <a:bodyPr lIns="80440" tIns="40220" rIns="80440" bIns="40220"/>
-          <a:lstStyle/>
-          <a:p>
-            <a:pPr fontAlgn="base">
-              <a:spcBef>
-                <a:spcPct val="0"/>
-              </a:spcBef>
-              <a:spcAft>
-                <a:spcPct val="0"/>
-              </a:spcAft>
-            </a:pPr>
-            <a:fld id="{CE4CD1D5-A1E4-4F05-BD09-2FF01D6D932F}" type="slidenum">
-              <a:rPr lang="en-US" sz="1200" smtClean="0">
-                <a:solidFill>
-                  <a:srgbClr val="000000"/>
-                </a:solidFill>
-              </a:rPr>
-              <a:pPr fontAlgn="base">
-                <a:spcBef>
-                  <a:spcPct val="0"/>
-                </a:spcBef>
-                <a:spcAft>
-                  <a:spcPct val="0"/>
-                </a:spcAft>
-              </a:pPr>
-              <a:t>‹#›</a:t>
-            </a:fld>
-            <a:endParaRPr lang="en-US" sz="1200" dirty="0">
-              <a:solidFill>
-                <a:srgbClr val="000000"/>
-              </a:solidFill>
-            </a:endParaRPr>
-          </a:p>
-        </p:txBody>
-      </p:sp>
-      <p:sp>
-        <p:nvSpPr>
-          <p:cNvPr id="9" name="Titel 8"/>
-          <p:cNvSpPr>
-            <a:spLocks noGrp="1"/>
-          </p:cNvSpPr>
-          <p:nvPr>
-            <p:ph type="title"/>
-          </p:nvPr>
-        </p:nvSpPr>
-        <p:spPr/>
-        <p:txBody>
-          <a:bodyPr/>
-          <a:lstStyle/>
-          <a:p>
-            <a:r>
-              <a:rPr lang="de-DE"/>
-              <a:t>Titelmasterformat durch Klicken bearbeiten</a:t>
-            </a:r>
-            <a:endParaRPr lang="de-AT"/>
-          </a:p>
-        </p:txBody>
-      </p:sp>
-    </p:spTree>
-    <p:extLst>
-      <p:ext uri="{BB962C8B-B14F-4D97-AF65-F5344CB8AC3E}">
-        <p14:creationId xmlns:p14="http://schemas.microsoft.com/office/powerpoint/2010/main" val="4019787983"/>
-      </p:ext>
-    </p:extLst>
-  </p:cSld>
-  <p:clrMapOvr>
-    <a:masterClrMapping/>
-  </p:clrMapOvr>
-</p:sldLayout>
-</file>
-
 <file path=ppt/slideMasters/slideMaster1.xml><?xml version="1.0" encoding="utf-8"?>
 <p:sldMaster xmlns:a="http://schemas.openxmlformats.org/drawingml/2006/main" xmlns:r="http://schemas.openxmlformats.org/officeDocument/2006/relationships" xmlns:p="http://schemas.openxmlformats.org/presentationml/2006/main" preserve="1">
   <p:cSld>
@@ -4499,7 +1516,7 @@
           </p:cNvGraphicFramePr>
           <p:nvPr>
             <p:custDataLst>
-              <p:tags r:id="rId14"/>
+              <p:tags r:id="rId10"/>
             </p:custDataLst>
             <p:extLst>
               <p:ext uri="{D42A27DB-BD31-4B8C-83A1-F6EECF244321}">
@@ -4516,12 +1533,12 @@
           <a:graphicData uri="http://schemas.openxmlformats.org/presentationml/2006/ole">
             <mc:AlternateContent xmlns:mc="http://schemas.openxmlformats.org/markup-compatibility/2006">
               <mc:Choice xmlns:v="urn:schemas-microsoft-com:vml" Requires="v">
-                <p:oleObj spid="_x0000_s1035" name="think-cell Slide" r:id="rId33" imgW="270" imgH="270" progId="TCLayout.ActiveDocument.1">
+                <p:oleObj spid="_x0000_s1036" name="think-cell Slide" r:id="rId29" imgW="270" imgH="270" progId="TCLayout.ActiveDocument.1">
                   <p:embed/>
                 </p:oleObj>
               </mc:Choice>
               <mc:Fallback>
-                <p:oleObj name="think-cell Slide" r:id="rId33" imgW="270" imgH="270" progId="TCLayout.ActiveDocument.1">
+                <p:oleObj name="think-cell Slide" r:id="rId29" imgW="270" imgH="270" progId="TCLayout.ActiveDocument.1">
                   <p:embed/>
                   <p:pic>
                     <p:nvPicPr>
@@ -4530,7 +1547,7 @@
                       <p:nvPr/>
                     </p:nvPicPr>
                     <p:blipFill>
-                      <a:blip r:embed="rId34"/>
+                      <a:blip r:embed="rId30"/>
                       <a:stretch>
                         <a:fillRect/>
                       </a:stretch>
@@ -4551,36 +1568,6 @@
           </a:graphicData>
         </a:graphic>
       </p:graphicFrame>
-      <p:pic>
-        <p:nvPicPr>
-          <p:cNvPr id="74" name="Picture 73" descr="AWP-logo.png"/>
-          <p:cNvPicPr>
-            <a:picLocks noChangeAspect="1"/>
-          </p:cNvPicPr>
-          <p:nvPr userDrawn="1"/>
-        </p:nvPicPr>
-        <p:blipFill>
-          <a:blip r:embed="rId35" cstate="email">
-            <a:extLst>
-              <a:ext uri="{28A0092B-C50C-407E-A947-70E740481C1C}">
-                <a14:useLocalDpi xmlns:a14="http://schemas.microsoft.com/office/drawing/2010/main"/>
-              </a:ext>
-            </a:extLst>
-          </a:blip>
-          <a:stretch>
-            <a:fillRect/>
-          </a:stretch>
-        </p:blipFill>
-        <p:spPr>
-          <a:xfrm>
-            <a:off x="7899320" y="182266"/>
-            <a:ext cx="1081425" cy="708604"/>
-          </a:xfrm>
-          <a:prstGeom prst="rect">
-            <a:avLst/>
-          </a:prstGeom>
-        </p:spPr>
-      </p:pic>
       <p:sp>
         <p:nvSpPr>
           <p:cNvPr id="1036" name="Rectangle 286"/>
@@ -6608,7 +3595,7 @@
             </p:cNvGrpSpPr>
             <p:nvPr>
               <p:custDataLst>
-                <p:tags r:id="rId18"/>
+                <p:tags r:id="rId14"/>
               </p:custDataLst>
             </p:nvPr>
           </p:nvGrpSpPr>
@@ -6628,7 +3615,7 @@
               </p:cNvSpPr>
               <p:nvPr>
                 <p:custDataLst>
-                  <p:tags r:id="rId31"/>
+                  <p:tags r:id="rId27"/>
                 </p:custDataLst>
               </p:nvPr>
             </p:nvSpPr>
@@ -6693,7 +3680,7 @@
               </p:cNvSpPr>
               <p:nvPr>
                 <p:custDataLst>
-                  <p:tags r:id="rId32"/>
+                  <p:tags r:id="rId28"/>
                 </p:custDataLst>
               </p:nvPr>
             </p:nvSpPr>
@@ -6762,7 +3749,7 @@
             </p:cNvGrpSpPr>
             <p:nvPr>
               <p:custDataLst>
-                <p:tags r:id="rId19"/>
+                <p:tags r:id="rId15"/>
               </p:custDataLst>
             </p:nvPr>
           </p:nvGrpSpPr>
@@ -6782,7 +3769,7 @@
               </p:cNvSpPr>
               <p:nvPr>
                 <p:custDataLst>
-                  <p:tags r:id="rId29"/>
+                  <p:tags r:id="rId25"/>
                 </p:custDataLst>
               </p:nvPr>
             </p:nvSpPr>
@@ -6847,7 +3834,7 @@
               </p:cNvSpPr>
               <p:nvPr>
                 <p:custDataLst>
-                  <p:tags r:id="rId30"/>
+                  <p:tags r:id="rId26"/>
                 </p:custDataLst>
               </p:nvPr>
             </p:nvSpPr>
@@ -6913,7 +3900,7 @@
             </p:cNvGrpSpPr>
             <p:nvPr>
               <p:custDataLst>
-                <p:tags r:id="rId20"/>
+                <p:tags r:id="rId16"/>
               </p:custDataLst>
             </p:nvPr>
           </p:nvGrpSpPr>
@@ -6933,7 +3920,7 @@
               </p:cNvSpPr>
               <p:nvPr>
                 <p:custDataLst>
-                  <p:tags r:id="rId27"/>
+                  <p:tags r:id="rId23"/>
                 </p:custDataLst>
               </p:nvPr>
             </p:nvSpPr>
@@ -6998,7 +3985,7 @@
               </p:cNvSpPr>
               <p:nvPr>
                 <p:custDataLst>
-                  <p:tags r:id="rId28"/>
+                  <p:tags r:id="rId24"/>
                 </p:custDataLst>
               </p:nvPr>
             </p:nvSpPr>
@@ -7067,7 +4054,7 @@
             </p:cNvGrpSpPr>
             <p:nvPr>
               <p:custDataLst>
-                <p:tags r:id="rId21"/>
+                <p:tags r:id="rId17"/>
               </p:custDataLst>
             </p:nvPr>
           </p:nvGrpSpPr>
@@ -7087,7 +4074,7 @@
               </p:cNvSpPr>
               <p:nvPr>
                 <p:custDataLst>
-                  <p:tags r:id="rId25"/>
+                  <p:tags r:id="rId21"/>
                 </p:custDataLst>
               </p:nvPr>
             </p:nvSpPr>
@@ -7152,7 +4139,7 @@
               </p:cNvSpPr>
               <p:nvPr>
                 <p:custDataLst>
-                  <p:tags r:id="rId26"/>
+                  <p:tags r:id="rId22"/>
                 </p:custDataLst>
               </p:nvPr>
             </p:nvSpPr>
@@ -7616,7 +4603,7 @@
             </p:cNvGrpSpPr>
             <p:nvPr>
               <p:custDataLst>
-                <p:tags r:id="rId22"/>
+                <p:tags r:id="rId18"/>
               </p:custDataLst>
             </p:nvPr>
           </p:nvGrpSpPr>
@@ -7636,7 +4623,7 @@
               </p:cNvSpPr>
               <p:nvPr>
                 <p:custDataLst>
-                  <p:tags r:id="rId23"/>
+                  <p:tags r:id="rId19"/>
                 </p:custDataLst>
               </p:nvPr>
             </p:nvSpPr>
@@ -7701,7 +4688,7 @@
               </p:cNvSpPr>
               <p:nvPr>
                 <p:custDataLst>
-                  <p:tags r:id="rId24"/>
+                  <p:tags r:id="rId20"/>
                 </p:custDataLst>
               </p:nvPr>
             </p:nvSpPr>
@@ -7771,7 +4758,7 @@
           </p:cNvGrpSpPr>
           <p:nvPr>
             <p:custDataLst>
-              <p:tags r:id="rId15"/>
+              <p:tags r:id="rId11"/>
             </p:custDataLst>
           </p:nvPr>
         </p:nvGrpSpPr>
@@ -7791,7 +4778,7 @@
             </p:cNvSpPr>
             <p:nvPr>
               <p:custDataLst>
-                <p:tags r:id="rId16"/>
+                <p:tags r:id="rId12"/>
               </p:custDataLst>
             </p:nvPr>
           </p:nvSpPr>
@@ -7856,7 +4843,7 @@
             </p:cNvSpPr>
             <p:nvPr>
               <p:custDataLst>
-                <p:tags r:id="rId17"/>
+                <p:tags r:id="rId13"/>
               </p:custDataLst>
             </p:nvPr>
           </p:nvSpPr>
@@ -8091,17 +5078,13 @@
   </p:cSld>
   <p:clrMap bg1="lt1" tx1="dk1" bg2="lt2" tx2="dk2" accent1="accent1" accent2="accent2" accent3="accent3" accent4="accent4" accent5="accent5" accent6="accent6" hlink="hlink" folHlink="folHlink"/>
   <p:sldLayoutIdLst>
-    <p:sldLayoutId id="2147483661" r:id="rId1"/>
-    <p:sldLayoutId id="2147483662" r:id="rId2"/>
-    <p:sldLayoutId id="2147483663" r:id="rId3"/>
-    <p:sldLayoutId id="2147483664" r:id="rId4"/>
-    <p:sldLayoutId id="2147483665" r:id="rId5"/>
-    <p:sldLayoutId id="2147483666" r:id="rId6"/>
-    <p:sldLayoutId id="2147483667" r:id="rId7"/>
-    <p:sldLayoutId id="2147483669" r:id="rId8"/>
-    <p:sldLayoutId id="2147483670" r:id="rId9"/>
-    <p:sldLayoutId id="2147483671" r:id="rId10"/>
-    <p:sldLayoutId id="2147483672" r:id="rId11"/>
+    <p:sldLayoutId id="2147483662" r:id="rId1"/>
+    <p:sldLayoutId id="2147483663" r:id="rId2"/>
+    <p:sldLayoutId id="2147483664" r:id="rId3"/>
+    <p:sldLayoutId id="2147483665" r:id="rId4"/>
+    <p:sldLayoutId id="2147483666" r:id="rId5"/>
+    <p:sldLayoutId id="2147483667" r:id="rId6"/>
+    <p:sldLayoutId id="2147483671" r:id="rId7"/>
   </p:sldLayoutIdLst>
   <p:hf hdr="0" ftr="0" dt="0"/>
   <p:txStyles>
@@ -8559,7 +5542,7 @@
           </p:cNvGraphicFramePr>
           <p:nvPr>
             <p:custDataLst>
-              <p:tags r:id="rId15"/>
+              <p:tags r:id="rId9"/>
             </p:custDataLst>
             <p:extLst>
               <p:ext uri="{D42A27DB-BD31-4B8C-83A1-F6EECF244321}">
@@ -8576,12 +5559,12 @@
           <a:graphicData uri="http://schemas.openxmlformats.org/presentationml/2006/ole">
             <mc:AlternateContent xmlns:mc="http://schemas.openxmlformats.org/markup-compatibility/2006">
               <mc:Choice xmlns:v="urn:schemas-microsoft-com:vml" Requires="v">
-                <p:oleObj spid="_x0000_s5131" name="think-cell Slide" r:id="rId34" imgW="270" imgH="270" progId="TCLayout.ActiveDocument.1">
+                <p:oleObj spid="_x0000_s5132" name="think-cell Slide" r:id="rId28" imgW="270" imgH="270" progId="TCLayout.ActiveDocument.1">
                   <p:embed/>
                 </p:oleObj>
               </mc:Choice>
               <mc:Fallback>
-                <p:oleObj name="think-cell Slide" r:id="rId34" imgW="270" imgH="270" progId="TCLayout.ActiveDocument.1">
+                <p:oleObj name="think-cell Slide" r:id="rId28" imgW="270" imgH="270" progId="TCLayout.ActiveDocument.1">
                   <p:embed/>
                   <p:pic>
                     <p:nvPicPr>
@@ -8590,7 +5573,7 @@
                       <p:nvPr/>
                     </p:nvPicPr>
                     <p:blipFill>
-                      <a:blip r:embed="rId35"/>
+                      <a:blip r:embed="rId29"/>
                       <a:stretch>
                         <a:fillRect/>
                       </a:stretch>
@@ -8611,36 +5594,6 @@
           </a:graphicData>
         </a:graphic>
       </p:graphicFrame>
-      <p:pic>
-        <p:nvPicPr>
-          <p:cNvPr id="74" name="Picture 73" descr="AWP-logo.png"/>
-          <p:cNvPicPr>
-            <a:picLocks noChangeAspect="1"/>
-          </p:cNvPicPr>
-          <p:nvPr userDrawn="1"/>
-        </p:nvPicPr>
-        <p:blipFill>
-          <a:blip r:embed="rId36" cstate="email">
-            <a:extLst>
-              <a:ext uri="{28A0092B-C50C-407E-A947-70E740481C1C}">
-                <a14:useLocalDpi xmlns:a14="http://schemas.microsoft.com/office/drawing/2010/main"/>
-              </a:ext>
-            </a:extLst>
-          </a:blip>
-          <a:stretch>
-            <a:fillRect/>
-          </a:stretch>
-        </p:blipFill>
-        <p:spPr>
-          <a:xfrm>
-            <a:off x="7899320" y="182266"/>
-            <a:ext cx="1081425" cy="708604"/>
-          </a:xfrm>
-          <a:prstGeom prst="rect">
-            <a:avLst/>
-          </a:prstGeom>
-        </p:spPr>
-      </p:pic>
       <p:sp>
         <p:nvSpPr>
           <p:cNvPr id="1036" name="Rectangle 286"/>
@@ -10668,7 +7621,7 @@
             </p:cNvGrpSpPr>
             <p:nvPr>
               <p:custDataLst>
-                <p:tags r:id="rId19"/>
+                <p:tags r:id="rId13"/>
               </p:custDataLst>
             </p:nvPr>
           </p:nvGrpSpPr>
@@ -10688,7 +7641,7 @@
               </p:cNvSpPr>
               <p:nvPr>
                 <p:custDataLst>
-                  <p:tags r:id="rId32"/>
+                  <p:tags r:id="rId26"/>
                 </p:custDataLst>
               </p:nvPr>
             </p:nvSpPr>
@@ -10753,7 +7706,7 @@
               </p:cNvSpPr>
               <p:nvPr>
                 <p:custDataLst>
-                  <p:tags r:id="rId33"/>
+                  <p:tags r:id="rId27"/>
                 </p:custDataLst>
               </p:nvPr>
             </p:nvSpPr>
@@ -10822,7 +7775,7 @@
             </p:cNvGrpSpPr>
             <p:nvPr>
               <p:custDataLst>
-                <p:tags r:id="rId20"/>
+                <p:tags r:id="rId14"/>
               </p:custDataLst>
             </p:nvPr>
           </p:nvGrpSpPr>
@@ -10842,7 +7795,7 @@
               </p:cNvSpPr>
               <p:nvPr>
                 <p:custDataLst>
-                  <p:tags r:id="rId30"/>
+                  <p:tags r:id="rId24"/>
                 </p:custDataLst>
               </p:nvPr>
             </p:nvSpPr>
@@ -10907,7 +7860,7 @@
               </p:cNvSpPr>
               <p:nvPr>
                 <p:custDataLst>
-                  <p:tags r:id="rId31"/>
+                  <p:tags r:id="rId25"/>
                 </p:custDataLst>
               </p:nvPr>
             </p:nvSpPr>
@@ -10973,7 +7926,7 @@
             </p:cNvGrpSpPr>
             <p:nvPr>
               <p:custDataLst>
-                <p:tags r:id="rId21"/>
+                <p:tags r:id="rId15"/>
               </p:custDataLst>
             </p:nvPr>
           </p:nvGrpSpPr>
@@ -10993,7 +7946,7 @@
               </p:cNvSpPr>
               <p:nvPr>
                 <p:custDataLst>
-                  <p:tags r:id="rId28"/>
+                  <p:tags r:id="rId22"/>
                 </p:custDataLst>
               </p:nvPr>
             </p:nvSpPr>
@@ -11058,7 +8011,7 @@
               </p:cNvSpPr>
               <p:nvPr>
                 <p:custDataLst>
-                  <p:tags r:id="rId29"/>
+                  <p:tags r:id="rId23"/>
                 </p:custDataLst>
               </p:nvPr>
             </p:nvSpPr>
@@ -11127,7 +8080,7 @@
             </p:cNvGrpSpPr>
             <p:nvPr>
               <p:custDataLst>
-                <p:tags r:id="rId22"/>
+                <p:tags r:id="rId16"/>
               </p:custDataLst>
             </p:nvPr>
           </p:nvGrpSpPr>
@@ -11147,7 +8100,7 @@
               </p:cNvSpPr>
               <p:nvPr>
                 <p:custDataLst>
-                  <p:tags r:id="rId26"/>
+                  <p:tags r:id="rId20"/>
                 </p:custDataLst>
               </p:nvPr>
             </p:nvSpPr>
@@ -11212,7 +8165,7 @@
               </p:cNvSpPr>
               <p:nvPr>
                 <p:custDataLst>
-                  <p:tags r:id="rId27"/>
+                  <p:tags r:id="rId21"/>
                 </p:custDataLst>
               </p:nvPr>
             </p:nvSpPr>
@@ -11676,7 +8629,7 @@
             </p:cNvGrpSpPr>
             <p:nvPr>
               <p:custDataLst>
-                <p:tags r:id="rId23"/>
+                <p:tags r:id="rId17"/>
               </p:custDataLst>
             </p:nvPr>
           </p:nvGrpSpPr>
@@ -11696,7 +8649,7 @@
               </p:cNvSpPr>
               <p:nvPr>
                 <p:custDataLst>
-                  <p:tags r:id="rId24"/>
+                  <p:tags r:id="rId18"/>
                 </p:custDataLst>
               </p:nvPr>
             </p:nvSpPr>
@@ -11761,7 +8714,7 @@
               </p:cNvSpPr>
               <p:nvPr>
                 <p:custDataLst>
-                  <p:tags r:id="rId25"/>
+                  <p:tags r:id="rId19"/>
                 </p:custDataLst>
               </p:nvPr>
             </p:nvSpPr>
@@ -11831,7 +8784,7 @@
           </p:cNvGrpSpPr>
           <p:nvPr>
             <p:custDataLst>
-              <p:tags r:id="rId16"/>
+              <p:tags r:id="rId10"/>
             </p:custDataLst>
           </p:nvPr>
         </p:nvGrpSpPr>
@@ -11851,7 +8804,7 @@
             </p:cNvSpPr>
             <p:nvPr>
               <p:custDataLst>
-                <p:tags r:id="rId17"/>
+                <p:tags r:id="rId11"/>
               </p:custDataLst>
             </p:nvPr>
           </p:nvSpPr>
@@ -11916,7 +8869,7 @@
             </p:cNvSpPr>
             <p:nvPr>
               <p:custDataLst>
-                <p:tags r:id="rId18"/>
+                <p:tags r:id="rId12"/>
               </p:custDataLst>
             </p:nvPr>
           </p:nvSpPr>
@@ -12151,18 +9104,12 @@
   </p:cSld>
   <p:clrMap bg1="lt1" tx1="dk1" bg2="lt2" tx2="dk2" accent1="accent1" accent2="accent2" accent3="accent3" accent4="accent4" accent5="accent5" accent6="accent6" hlink="hlink" folHlink="folHlink"/>
   <p:sldLayoutIdLst>
-    <p:sldLayoutId id="2147483674" r:id="rId1"/>
-    <p:sldLayoutId id="2147483675" r:id="rId2"/>
-    <p:sldLayoutId id="2147483676" r:id="rId3"/>
-    <p:sldLayoutId id="2147483677" r:id="rId4"/>
-    <p:sldLayoutId id="2147483678" r:id="rId5"/>
-    <p:sldLayoutId id="2147483679" r:id="rId6"/>
-    <p:sldLayoutId id="2147483680" r:id="rId7"/>
-    <p:sldLayoutId id="2147483681" r:id="rId8"/>
-    <p:sldLayoutId id="2147483682" r:id="rId9"/>
-    <p:sldLayoutId id="2147483683" r:id="rId10"/>
-    <p:sldLayoutId id="2147483684" r:id="rId11"/>
-    <p:sldLayoutId id="2147483685" r:id="rId12"/>
+    <p:sldLayoutId id="2147483675" r:id="rId1"/>
+    <p:sldLayoutId id="2147483676" r:id="rId2"/>
+    <p:sldLayoutId id="2147483677" r:id="rId3"/>
+    <p:sldLayoutId id="2147483680" r:id="rId4"/>
+    <p:sldLayoutId id="2147483681" r:id="rId5"/>
+    <p:sldLayoutId id="2147483684" r:id="rId6"/>
   </p:sldLayoutIdLst>
   <p:hf hdr="0" ftr="0" dt="0"/>
   <p:txStyles>
@@ -13989,7 +10936,7 @@
           <a:graphicData uri="http://schemas.openxmlformats.org/presentationml/2006/ole">
             <mc:AlternateContent xmlns:mc="http://schemas.openxmlformats.org/markup-compatibility/2006">
               <mc:Choice xmlns:v="urn:schemas-microsoft-com:vml" Requires="v">
-                <p:oleObj spid="_x0000_s9222" name="Visio" r:id="rId3" imgW="5005834" imgH="3052890" progId="Visio.Drawing.11">
+                <p:oleObj spid="_x0000_s9223" name="Visio" r:id="rId3" imgW="5005834" imgH="3052890" progId="Visio.Drawing.11">
                   <p:embed/>
                 </p:oleObj>
               </mc:Choice>
@@ -14181,7 +11128,7 @@
           <a:graphicData uri="http://schemas.openxmlformats.org/presentationml/2006/ole">
             <mc:AlternateContent xmlns:mc="http://schemas.openxmlformats.org/markup-compatibility/2006">
               <mc:Choice xmlns:v="urn:schemas-microsoft-com:vml" Requires="v">
-                <p:oleObj spid="_x0000_s10247" name="Visio" r:id="rId3" imgW="8129111" imgH="4177710" progId="Visio.Drawing.11">
+                <p:oleObj spid="_x0000_s10248" name="Visio" r:id="rId3" imgW="8129111" imgH="4177710" progId="Visio.Drawing.11">
                   <p:embed/>
                 </p:oleObj>
               </mc:Choice>
@@ -14367,7 +11314,7 @@
           <a:graphicData uri="http://schemas.openxmlformats.org/presentationml/2006/ole">
             <mc:AlternateContent xmlns:mc="http://schemas.openxmlformats.org/markup-compatibility/2006">
               <mc:Choice xmlns:v="urn:schemas-microsoft-com:vml" Requires="v">
-                <p:oleObj spid="_x0000_s11270" name="Visio" r:id="rId3" imgW="6517768" imgH="2836890" progId="Visio.Drawing.11">
+                <p:oleObj spid="_x0000_s11271" name="Visio" r:id="rId3" imgW="6517768" imgH="2836890" progId="Visio.Drawing.11">
                   <p:embed/>
                 </p:oleObj>
               </mc:Choice>
@@ -14553,7 +11500,7 @@
           <a:graphicData uri="http://schemas.openxmlformats.org/presentationml/2006/ole">
             <mc:AlternateContent xmlns:mc="http://schemas.openxmlformats.org/markup-compatibility/2006">
               <mc:Choice xmlns:v="urn:schemas-microsoft-com:vml" Requires="v">
-                <p:oleObj spid="_x0000_s12295" name="Visio" r:id="rId3" imgW="6806184" imgH="3997757" progId="Visio.Drawing.11">
+                <p:oleObj spid="_x0000_s12296" name="Visio" r:id="rId3" imgW="6806184" imgH="3997757" progId="Visio.Drawing.11">
                   <p:embed/>
                 </p:oleObj>
               </mc:Choice>
@@ -15645,7 +12592,7 @@
           <a:graphicData uri="http://schemas.openxmlformats.org/presentationml/2006/ole">
             <mc:AlternateContent xmlns:mc="http://schemas.openxmlformats.org/markup-compatibility/2006">
               <mc:Choice xmlns:v="urn:schemas-microsoft-com:vml" Requires="v">
-                <p:oleObj spid="_x0000_s15367" name="Visio" r:id="rId3" imgW="9820683" imgH="5764500" progId="Visio.Drawing.11">
+                <p:oleObj spid="_x0000_s15368" name="Visio" r:id="rId3" imgW="9820683" imgH="5764500" progId="Visio.Drawing.11">
                   <p:embed/>
                 </p:oleObj>
               </mc:Choice>
@@ -15762,7 +12709,7 @@
           <a:graphicData uri="http://schemas.openxmlformats.org/presentationml/2006/ole">
             <mc:AlternateContent xmlns:mc="http://schemas.openxmlformats.org/markup-compatibility/2006">
               <mc:Choice xmlns:v="urn:schemas-microsoft-com:vml" Requires="v">
-                <p:oleObj spid="_x0000_s16388" name="Visio" r:id="rId3" imgW="8763383" imgH="5359770" progId="Visio.Drawing.11">
+                <p:oleObj spid="_x0000_s16389" name="Visio" r:id="rId3" imgW="8763383" imgH="5359770" progId="Visio.Drawing.11">
                   <p:embed/>
                 </p:oleObj>
               </mc:Choice>
@@ -15927,34 +12874,34 @@
 
 <file path=ppt/tags/tag21.xml><?xml version="1.0" encoding="utf-8"?>
 <p:tagLst xmlns:a="http://schemas.openxmlformats.org/drawingml/2006/main" xmlns:r="http://schemas.openxmlformats.org/officeDocument/2006/relationships" xmlns:p="http://schemas.openxmlformats.org/presentationml/2006/main">
-  <p:tag name="THINKCELLSHAPEDONOTDELETE" val="thinkcellActiveDocDoNotDelete"/>
-</p:tagLst>
-</file>
-
-<file path=ppt/tags/tag22.xml><?xml version="1.0" encoding="utf-8"?>
-<p:tagLst xmlns:a="http://schemas.openxmlformats.org/drawingml/2006/main" xmlns:r="http://schemas.openxmlformats.org/officeDocument/2006/relationships" xmlns:p="http://schemas.openxmlformats.org/presentationml/2006/main">
-  <p:tag name="THINKCELLSHAPEDONOTDELETE" val="thinkcellActiveDocDoNotDelete"/>
-</p:tagLst>
-</file>
-
-<file path=ppt/tags/tag23.xml><?xml version="1.0" encoding="utf-8"?>
-<p:tagLst xmlns:a="http://schemas.openxmlformats.org/drawingml/2006/main" xmlns:r="http://schemas.openxmlformats.org/officeDocument/2006/relationships" xmlns:p="http://schemas.openxmlformats.org/presentationml/2006/main">
   <p:tag name="NAME" val="Moon"/>
   <p:tag name="TYPE" val="McK Moon"/>
 </p:tagLst>
 </file>
 
-<file path=ppt/tags/tag24.xml><?xml version="1.0" encoding="utf-8"?>
+<file path=ppt/tags/tag22.xml><?xml version="1.0" encoding="utf-8"?>
 <p:tagLst xmlns:a="http://schemas.openxmlformats.org/drawingml/2006/main" xmlns:r="http://schemas.openxmlformats.org/officeDocument/2006/relationships" xmlns:p="http://schemas.openxmlformats.org/presentationml/2006/main">
   <p:tag name="NAME" val="MoonShape"/>
   <p:tag name="ANGLE" val="2"/>
 </p:tagLst>
 </file>
 
-<file path=ppt/tags/tag25.xml><?xml version="1.0" encoding="utf-8"?>
+<file path=ppt/tags/tag23.xml><?xml version="1.0" encoding="utf-8"?>
 <p:tagLst xmlns:a="http://schemas.openxmlformats.org/drawingml/2006/main" xmlns:r="http://schemas.openxmlformats.org/officeDocument/2006/relationships" xmlns:p="http://schemas.openxmlformats.org/presentationml/2006/main">
   <p:tag name="NAME" val="MoonHalfShape"/>
   <p:tag name="ANGLE" val="2"/>
+</p:tagLst>
+</file>
+
+<file path=ppt/tags/tag24.xml><?xml version="1.0" encoding="utf-8"?>
+<p:tagLst xmlns:a="http://schemas.openxmlformats.org/drawingml/2006/main" xmlns:r="http://schemas.openxmlformats.org/officeDocument/2006/relationships" xmlns:p="http://schemas.openxmlformats.org/presentationml/2006/main">
+  <p:tag name="NAME" val="Moon"/>
+</p:tagLst>
+</file>
+
+<file path=ppt/tags/tag25.xml><?xml version="1.0" encoding="utf-8"?>
+<p:tagLst xmlns:a="http://schemas.openxmlformats.org/drawingml/2006/main" xmlns:r="http://schemas.openxmlformats.org/officeDocument/2006/relationships" xmlns:p="http://schemas.openxmlformats.org/presentationml/2006/main">
+  <p:tag name="NAME" val="Moon"/>
 </p:tagLst>
 </file>
 
@@ -15978,7 +12925,8 @@
 
 <file path=ppt/tags/tag29.xml><?xml version="1.0" encoding="utf-8"?>
 <p:tagLst xmlns:a="http://schemas.openxmlformats.org/drawingml/2006/main" xmlns:r="http://schemas.openxmlformats.org/officeDocument/2006/relationships" xmlns:p="http://schemas.openxmlformats.org/presentationml/2006/main">
-  <p:tag name="NAME" val="Moon"/>
+  <p:tag name="NAME" val="MoonShape"/>
+  <p:tag name="ANGLE" val="3"/>
 </p:tagLst>
 </file>
 
@@ -15991,70 +12939,70 @@
 
 <file path=ppt/tags/tag30.xml><?xml version="1.0" encoding="utf-8"?>
 <p:tagLst xmlns:a="http://schemas.openxmlformats.org/drawingml/2006/main" xmlns:r="http://schemas.openxmlformats.org/officeDocument/2006/relationships" xmlns:p="http://schemas.openxmlformats.org/presentationml/2006/main">
-  <p:tag name="NAME" val="Moon"/>
+  <p:tag name="NAME" val="MoonHalfShape"/>
+  <p:tag name="ANGLE" val="4"/>
 </p:tagLst>
 </file>
 
 <file path=ppt/tags/tag31.xml><?xml version="1.0" encoding="utf-8"?>
 <p:tagLst xmlns:a="http://schemas.openxmlformats.org/drawingml/2006/main" xmlns:r="http://schemas.openxmlformats.org/officeDocument/2006/relationships" xmlns:p="http://schemas.openxmlformats.org/presentationml/2006/main">
   <p:tag name="NAME" val="MoonShape"/>
-  <p:tag name="ANGLE" val="3"/>
+  <p:tag name="ANGLE" val="5"/>
 </p:tagLst>
 </file>
 
 <file path=ppt/tags/tag32.xml><?xml version="1.0" encoding="utf-8"?>
 <p:tagLst xmlns:a="http://schemas.openxmlformats.org/drawingml/2006/main" xmlns:r="http://schemas.openxmlformats.org/officeDocument/2006/relationships" xmlns:p="http://schemas.openxmlformats.org/presentationml/2006/main">
   <p:tag name="NAME" val="MoonHalfShape"/>
-  <p:tag name="ANGLE" val="4"/>
+  <p:tag name="ANGLE" val="5"/>
 </p:tagLst>
 </file>
 
 <file path=ppt/tags/tag33.xml><?xml version="1.0" encoding="utf-8"?>
 <p:tagLst xmlns:a="http://schemas.openxmlformats.org/drawingml/2006/main" xmlns:r="http://schemas.openxmlformats.org/officeDocument/2006/relationships" xmlns:p="http://schemas.openxmlformats.org/presentationml/2006/main">
   <p:tag name="NAME" val="MoonShape"/>
-  <p:tag name="ANGLE" val="5"/>
+  <p:tag name="ANGLE" val="4"/>
 </p:tagLst>
 </file>
 
 <file path=ppt/tags/tag34.xml><?xml version="1.0" encoding="utf-8"?>
 <p:tagLst xmlns:a="http://schemas.openxmlformats.org/drawingml/2006/main" xmlns:r="http://schemas.openxmlformats.org/officeDocument/2006/relationships" xmlns:p="http://schemas.openxmlformats.org/presentationml/2006/main">
   <p:tag name="NAME" val="MoonHalfShape"/>
-  <p:tag name="ANGLE" val="5"/>
+  <p:tag name="ANGLE" val="4"/>
 </p:tagLst>
 </file>
 
 <file path=ppt/tags/tag35.xml><?xml version="1.0" encoding="utf-8"?>
 <p:tagLst xmlns:a="http://schemas.openxmlformats.org/drawingml/2006/main" xmlns:r="http://schemas.openxmlformats.org/officeDocument/2006/relationships" xmlns:p="http://schemas.openxmlformats.org/presentationml/2006/main">
   <p:tag name="NAME" val="MoonShape"/>
-  <p:tag name="ANGLE" val="4"/>
+  <p:tag name="ANGLE" val="2"/>
 </p:tagLst>
 </file>
 
 <file path=ppt/tags/tag36.xml><?xml version="1.0" encoding="utf-8"?>
 <p:tagLst xmlns:a="http://schemas.openxmlformats.org/drawingml/2006/main" xmlns:r="http://schemas.openxmlformats.org/officeDocument/2006/relationships" xmlns:p="http://schemas.openxmlformats.org/presentationml/2006/main">
   <p:tag name="NAME" val="MoonHalfShape"/>
-  <p:tag name="ANGLE" val="4"/>
+  <p:tag name="ANGLE" val="2"/>
 </p:tagLst>
 </file>
 
 <file path=ppt/tags/tag37.xml><?xml version="1.0" encoding="utf-8"?>
 <p:tagLst xmlns:a="http://schemas.openxmlformats.org/drawingml/2006/main" xmlns:r="http://schemas.openxmlformats.org/officeDocument/2006/relationships" xmlns:p="http://schemas.openxmlformats.org/presentationml/2006/main">
   <p:tag name="NAME" val="MoonShape"/>
-  <p:tag name="ANGLE" val="2"/>
+  <p:tag name="ANGLE" val="1"/>
 </p:tagLst>
 </file>
 
 <file path=ppt/tags/tag38.xml><?xml version="1.0" encoding="utf-8"?>
 <p:tagLst xmlns:a="http://schemas.openxmlformats.org/drawingml/2006/main" xmlns:r="http://schemas.openxmlformats.org/officeDocument/2006/relationships" xmlns:p="http://schemas.openxmlformats.org/presentationml/2006/main">
   <p:tag name="NAME" val="MoonHalfShape"/>
-  <p:tag name="ANGLE" val="2"/>
+  <p:tag name="ANGLE" val="1"/>
 </p:tagLst>
 </file>
 
 <file path=ppt/tags/tag39.xml><?xml version="1.0" encoding="utf-8"?>
 <p:tagLst xmlns:a="http://schemas.openxmlformats.org/drawingml/2006/main" xmlns:r="http://schemas.openxmlformats.org/officeDocument/2006/relationships" xmlns:p="http://schemas.openxmlformats.org/presentationml/2006/main">
-  <p:tag name="NAME" val="MoonShape"/>
-  <p:tag name="ANGLE" val="1"/>
+  <p:tag name="THINKCELLSHAPEDONOTDELETE" val="thinkcellActiveDocDoNotDelete"/>
 </p:tagLst>
 </file>
 
@@ -16062,31 +13010,6 @@
 <p:tagLst xmlns:a="http://schemas.openxmlformats.org/drawingml/2006/main" xmlns:r="http://schemas.openxmlformats.org/officeDocument/2006/relationships" xmlns:p="http://schemas.openxmlformats.org/presentationml/2006/main">
   <p:tag name="NAME" val="MoonHalfShape"/>
   <p:tag name="ANGLE" val="2"/>
-</p:tagLst>
-</file>
-
-<file path=ppt/tags/tag40.xml><?xml version="1.0" encoding="utf-8"?>
-<p:tagLst xmlns:a="http://schemas.openxmlformats.org/drawingml/2006/main" xmlns:r="http://schemas.openxmlformats.org/officeDocument/2006/relationships" xmlns:p="http://schemas.openxmlformats.org/presentationml/2006/main">
-  <p:tag name="NAME" val="MoonHalfShape"/>
-  <p:tag name="ANGLE" val="1"/>
-</p:tagLst>
-</file>
-
-<file path=ppt/tags/tag41.xml><?xml version="1.0" encoding="utf-8"?>
-<p:tagLst xmlns:a="http://schemas.openxmlformats.org/drawingml/2006/main" xmlns:r="http://schemas.openxmlformats.org/officeDocument/2006/relationships" xmlns:p="http://schemas.openxmlformats.org/presentationml/2006/main">
-  <p:tag name="THINKCELLSHAPEDONOTDELETE" val="thinkcellActiveDocDoNotDelete"/>
-</p:tagLst>
-</file>
-
-<file path=ppt/tags/tag42.xml><?xml version="1.0" encoding="utf-8"?>
-<p:tagLst xmlns:a="http://schemas.openxmlformats.org/drawingml/2006/main" xmlns:r="http://schemas.openxmlformats.org/officeDocument/2006/relationships" xmlns:p="http://schemas.openxmlformats.org/presentationml/2006/main">
-  <p:tag name="THINKCELLSHAPEDONOTDELETE" val="thinkcellActiveDocDoNotDelete"/>
-</p:tagLst>
-</file>
-
-<file path=ppt/tags/tag43.xml><?xml version="1.0" encoding="utf-8"?>
-<p:tagLst xmlns:a="http://schemas.openxmlformats.org/drawingml/2006/main" xmlns:r="http://schemas.openxmlformats.org/officeDocument/2006/relationships" xmlns:p="http://schemas.openxmlformats.org/presentationml/2006/main">
-  <p:tag name="THINKCELLSHAPEDONOTDELETE" val="thinkcellActiveDocDoNotDelete"/>
 </p:tagLst>
 </file>
 

--- a/DIRECT_Documentation/Images/Images.pptx
+++ b/DIRECT_Documentation/Images/Images.pptx
@@ -115,6 +115,22 @@
       </a:defRPr>
     </a:lvl9pPr>
   </p:defaultTextStyle>
+  <p:extLst>
+    <p:ext uri="{EFAFB233-063F-42B5-8137-9DF3F51BA10A}">
+      <p15:sldGuideLst xmlns:p15="http://schemas.microsoft.com/office/powerpoint/2012/main">
+        <p15:guide id="1" orient="horz" pos="2160">
+          <p15:clr>
+            <a:srgbClr val="A4A3A4"/>
+          </p15:clr>
+        </p15:guide>
+        <p15:guide id="2" pos="2880">
+          <p15:clr>
+            <a:srgbClr val="A4A3A4"/>
+          </p15:clr>
+        </p15:guide>
+      </p15:sldGuideLst>
+    </p:ext>
+  </p:extLst>
 </p:presentation>
 </file>
 
@@ -200,7 +216,7 @@
           <a:p>
             <a:fld id="{3F99826A-3FCD-4C97-9E7F-673D53AC6244}" type="datetimeFigureOut">
               <a:rPr lang="en-AU" smtClean="0"/>
-              <a:t>18/01/2018</a:t>
+              <a:t>25/03/2018</a:t>
             </a:fld>
             <a:endParaRPr lang="en-AU"/>
           </a:p>
@@ -264,35 +280,35 @@
           <a:p>
             <a:pPr lvl="0"/>
             <a:r>
-              <a:rPr lang="en-US" smtClean="0"/>
+              <a:rPr lang="en-US"/>
               <a:t>Click to edit Master text styles</a:t>
             </a:r>
           </a:p>
           <a:p>
             <a:pPr lvl="1"/>
             <a:r>
-              <a:rPr lang="en-US" smtClean="0"/>
+              <a:rPr lang="en-US"/>
               <a:t>Second level</a:t>
             </a:r>
           </a:p>
           <a:p>
             <a:pPr lvl="2"/>
             <a:r>
-              <a:rPr lang="en-US" smtClean="0"/>
+              <a:rPr lang="en-US"/>
               <a:t>Third level</a:t>
             </a:r>
           </a:p>
           <a:p>
             <a:pPr lvl="3"/>
             <a:r>
-              <a:rPr lang="en-US" smtClean="0"/>
+              <a:rPr lang="en-US"/>
               <a:t>Fourth level</a:t>
             </a:r>
           </a:p>
           <a:p>
             <a:pPr lvl="4"/>
             <a:r>
-              <a:rPr lang="en-US" smtClean="0"/>
+              <a:rPr lang="en-US"/>
               <a:t>Fifth level</a:t>
             </a:r>
             <a:endParaRPr lang="en-AU"/>
@@ -735,7 +751,7 @@
           <a:graphicData uri="http://schemas.openxmlformats.org/presentationml/2006/ole">
             <mc:AlternateContent xmlns:mc="http://schemas.openxmlformats.org/markup-compatibility/2006">
               <mc:Choice xmlns:v="urn:schemas-microsoft-com:vml" Requires="v">
-                <p:oleObj spid="_x0000_s7180" name="think-cell Slide" r:id="rId4" imgW="270" imgH="270" progId="TCLayout.ActiveDocument.1">
+                <p:oleObj spid="_x0000_s7182" name="think-cell Slide" r:id="rId4" imgW="270" imgH="270" progId="TCLayout.ActiveDocument.1">
                   <p:embed/>
                 </p:oleObj>
               </mc:Choice>
@@ -1533,7 +1549,7 @@
           <a:graphicData uri="http://schemas.openxmlformats.org/presentationml/2006/ole">
             <mc:AlternateContent xmlns:mc="http://schemas.openxmlformats.org/markup-compatibility/2006">
               <mc:Choice xmlns:v="urn:schemas-microsoft-com:vml" Requires="v">
-                <p:oleObj spid="_x0000_s1036" name="think-cell Slide" r:id="rId29" imgW="270" imgH="270" progId="TCLayout.ActiveDocument.1">
+                <p:oleObj spid="_x0000_s1038" name="think-cell Slide" r:id="rId29" imgW="270" imgH="270" progId="TCLayout.ActiveDocument.1">
                   <p:embed/>
                 </p:oleObj>
               </mc:Choice>
@@ -5559,7 +5575,7 @@
           <a:graphicData uri="http://schemas.openxmlformats.org/presentationml/2006/ole">
             <mc:AlternateContent xmlns:mc="http://schemas.openxmlformats.org/markup-compatibility/2006">
               <mc:Choice xmlns:v="urn:schemas-microsoft-com:vml" Requires="v">
-                <p:oleObj spid="_x0000_s5132" name="think-cell Slide" r:id="rId28" imgW="270" imgH="270" progId="TCLayout.ActiveDocument.1">
+                <p:oleObj spid="_x0000_s5134" name="think-cell Slide" r:id="rId28" imgW="270" imgH="270" progId="TCLayout.ActiveDocument.1">
                   <p:embed/>
                 </p:oleObj>
               </mc:Choice>
@@ -9567,10 +9583,9 @@
           <a:lstStyle/>
           <a:p>
             <a:r>
-              <a:rPr lang="en-US" dirty="0" smtClean="0"/>
+              <a:rPr lang="en-US" dirty="0"/>
               <a:t>Integration Metadata</a:t>
             </a:r>
-            <a:endParaRPr lang="en-US" dirty="0"/>
           </a:p>
         </p:txBody>
       </p:sp>
@@ -9886,17 +9901,7 @@
                 <a:ea typeface="Times New Roman" pitchFamily="18" charset="0"/>
                 <a:cs typeface="Times New Roman" pitchFamily="18" charset="0"/>
               </a:rPr>
-              <a:t>Integration </a:t>
-            </a:r>
-            <a:r>
-              <a:rPr lang="en-US" sz="1400" dirty="0" smtClean="0">
-                <a:solidFill>
-                  <a:srgbClr val="FFFFFF"/>
-                </a:solidFill>
-                <a:ea typeface="Times New Roman" pitchFamily="18" charset="0"/>
-                <a:cs typeface="Times New Roman" pitchFamily="18" charset="0"/>
-              </a:rPr>
-              <a:t>Metadata</a:t>
+              <a:t>Integration Metadata</a:t>
             </a:r>
             <a:endParaRPr lang="en-US" dirty="0">
               <a:solidFill>
@@ -10696,7 +10701,7 @@
           <a:lstStyle/>
           <a:p>
             <a:r>
-              <a:rPr lang="en-US" dirty="0" smtClean="0">
+              <a:rPr lang="en-US" dirty="0">
                 <a:solidFill>
                   <a:srgbClr val="5080BC">
                     <a:lumMod val="50000"/>
@@ -10705,13 +10710,6 @@
               </a:rPr>
               <a:t>Information Delivery</a:t>
             </a:r>
-            <a:endParaRPr lang="en-US" dirty="0">
-              <a:solidFill>
-                <a:srgbClr val="5080BC">
-                  <a:lumMod val="50000"/>
-                </a:srgbClr>
-              </a:solidFill>
-            </a:endParaRPr>
           </a:p>
         </p:txBody>
       </p:sp>
@@ -10844,10 +10842,9 @@
           <a:lstStyle/>
           <a:p>
             <a:r>
-              <a:rPr lang="en-AU" dirty="0" smtClean="0"/>
+              <a:rPr lang="en-AU" dirty="0"/>
               <a:t>Figure 2</a:t>
             </a:r>
-            <a:endParaRPr lang="en-AU" dirty="0"/>
           </a:p>
         </p:txBody>
       </p:sp>
@@ -10936,7 +10933,7 @@
           <a:graphicData uri="http://schemas.openxmlformats.org/presentationml/2006/ole">
             <mc:AlternateContent xmlns:mc="http://schemas.openxmlformats.org/markup-compatibility/2006">
               <mc:Choice xmlns:v="urn:schemas-microsoft-com:vml" Requires="v">
-                <p:oleObj spid="_x0000_s9223" name="Visio" r:id="rId3" imgW="5005834" imgH="3052890" progId="Visio.Drawing.11">
+                <p:oleObj spid="_x0000_s9226" name="Visio" r:id="rId3" imgW="5005834" imgH="3052890" progId="Visio.Drawing.11">
                   <p:embed/>
                 </p:oleObj>
               </mc:Choice>
@@ -11036,10 +11033,9 @@
           <a:lstStyle/>
           <a:p>
             <a:r>
-              <a:rPr lang="en-AU" dirty="0" smtClean="0"/>
+              <a:rPr lang="en-AU" dirty="0"/>
               <a:t>Figure 3</a:t>
             </a:r>
-            <a:endParaRPr lang="en-AU" dirty="0"/>
           </a:p>
         </p:txBody>
       </p:sp>
@@ -11128,7 +11124,7 @@
           <a:graphicData uri="http://schemas.openxmlformats.org/presentationml/2006/ole">
             <mc:AlternateContent xmlns:mc="http://schemas.openxmlformats.org/markup-compatibility/2006">
               <mc:Choice xmlns:v="urn:schemas-microsoft-com:vml" Requires="v">
-                <p:oleObj spid="_x0000_s10248" name="Visio" r:id="rId3" imgW="8129111" imgH="4177710" progId="Visio.Drawing.11">
+                <p:oleObj spid="_x0000_s10250" name="Visio" r:id="rId3" imgW="8129111" imgH="4177710" progId="Visio.Drawing.11">
                   <p:embed/>
                 </p:oleObj>
               </mc:Choice>
@@ -11222,10 +11218,9 @@
           <a:lstStyle/>
           <a:p>
             <a:r>
-              <a:rPr lang="en-AU" dirty="0" smtClean="0"/>
+              <a:rPr lang="en-AU" dirty="0"/>
               <a:t>Figure 4</a:t>
             </a:r>
-            <a:endParaRPr lang="en-AU" dirty="0"/>
           </a:p>
         </p:txBody>
       </p:sp>
@@ -11314,7 +11309,7 @@
           <a:graphicData uri="http://schemas.openxmlformats.org/presentationml/2006/ole">
             <mc:AlternateContent xmlns:mc="http://schemas.openxmlformats.org/markup-compatibility/2006">
               <mc:Choice xmlns:v="urn:schemas-microsoft-com:vml" Requires="v">
-                <p:oleObj spid="_x0000_s11271" name="Visio" r:id="rId3" imgW="6517768" imgH="2836890" progId="Visio.Drawing.11">
+                <p:oleObj spid="_x0000_s11274" name="Visio" r:id="rId3" imgW="6517768" imgH="2836890" progId="Visio.Drawing.11">
                   <p:embed/>
                 </p:oleObj>
               </mc:Choice>
@@ -11408,10 +11403,9 @@
           <a:lstStyle/>
           <a:p>
             <a:r>
-              <a:rPr lang="en-AU" dirty="0" smtClean="0"/>
+              <a:rPr lang="en-AU" dirty="0"/>
               <a:t>Figure 5</a:t>
             </a:r>
-            <a:endParaRPr lang="en-AU" dirty="0"/>
           </a:p>
         </p:txBody>
       </p:sp>
@@ -11487,20 +11481,20 @@
           <p:nvPr>
             <p:extLst>
               <p:ext uri="{D42A27DB-BD31-4B8C-83A1-F6EECF244321}">
-                <p14:modId xmlns:p14="http://schemas.microsoft.com/office/powerpoint/2010/main" val="1607497983"/>
+                <p14:modId xmlns:p14="http://schemas.microsoft.com/office/powerpoint/2010/main" val="175002654"/>
               </p:ext>
             </p:extLst>
           </p:nvPr>
         </p:nvGraphicFramePr>
         <p:xfrm>
-          <a:off x="1835696" y="1124744"/>
+          <a:off x="1763688" y="1124744"/>
           <a:ext cx="4991100" cy="2943225"/>
         </p:xfrm>
         <a:graphic>
           <a:graphicData uri="http://schemas.openxmlformats.org/presentationml/2006/ole">
             <mc:AlternateContent xmlns:mc="http://schemas.openxmlformats.org/markup-compatibility/2006">
               <mc:Choice xmlns:v="urn:schemas-microsoft-com:vml" Requires="v">
-                <p:oleObj spid="_x0000_s12296" name="Visio" r:id="rId3" imgW="6806184" imgH="3997757" progId="Visio.Drawing.11">
+                <p:oleObj spid="_x0000_s12298" name="Visio" r:id="rId3" imgW="6806184" imgH="3997757" progId="Visio.Drawing.11">
                   <p:embed/>
                 </p:oleObj>
               </mc:Choice>
@@ -11530,7 +11524,7 @@
                     </p:blipFill>
                     <p:spPr bwMode="auto">
                       <a:xfrm>
-                        <a:off x="1835696" y="1124744"/>
+                        <a:off x="1763688" y="1124744"/>
                         <a:ext cx="4991100" cy="2943225"/>
                       </a:xfrm>
                       <a:prstGeom prst="rect">
@@ -11600,10 +11594,9 @@
           <a:lstStyle/>
           <a:p>
             <a:r>
-              <a:rPr lang="en-AU" dirty="0" smtClean="0"/>
+              <a:rPr lang="en-AU" dirty="0"/>
               <a:t>Figure 6</a:t>
             </a:r>
-            <a:endParaRPr lang="en-AU" dirty="0"/>
           </a:p>
         </p:txBody>
       </p:sp>
@@ -11814,10 +11807,9 @@
           <a:p>
             <a:pPr algn="ctr"/>
             <a:r>
-              <a:rPr lang="en-AU" sz="1200" dirty="0" smtClean="0"/>
+              <a:rPr lang="en-AU" sz="1200" dirty="0"/>
               <a:t>Batch scheduler (i.e. script or job)</a:t>
             </a:r>
-            <a:endParaRPr lang="en-AU" sz="1200" dirty="0"/>
           </a:p>
         </p:txBody>
       </p:sp>
@@ -11955,18 +11947,13 @@
           <a:p>
             <a:pPr algn="ctr"/>
             <a:r>
-              <a:rPr lang="en-AU" sz="1200" dirty="0" smtClean="0">
+              <a:rPr lang="en-AU" sz="1200" dirty="0">
                 <a:solidFill>
                   <a:schemeClr val="tx1"/>
                 </a:solidFill>
               </a:rPr>
               <a:t>Module 1</a:t>
             </a:r>
-            <a:endParaRPr lang="en-AU" sz="1200" dirty="0">
-              <a:solidFill>
-                <a:schemeClr val="tx1"/>
-              </a:solidFill>
-            </a:endParaRPr>
           </a:p>
         </p:txBody>
       </p:sp>
@@ -12007,18 +11994,13 @@
           <a:p>
             <a:pPr algn="ctr"/>
             <a:r>
-              <a:rPr lang="en-AU" sz="1200" dirty="0" smtClean="0">
+              <a:rPr lang="en-AU" sz="1200" dirty="0">
                 <a:solidFill>
                   <a:schemeClr val="tx1"/>
                 </a:solidFill>
               </a:rPr>
               <a:t>Module 2</a:t>
             </a:r>
-            <a:endParaRPr lang="en-AU" sz="1200" dirty="0">
-              <a:solidFill>
-                <a:schemeClr val="tx1"/>
-              </a:solidFill>
-            </a:endParaRPr>
           </a:p>
         </p:txBody>
       </p:sp>
@@ -12059,18 +12041,13 @@
           <a:p>
             <a:pPr algn="ctr"/>
             <a:r>
-              <a:rPr lang="en-AU" sz="1200" dirty="0" smtClean="0">
+              <a:rPr lang="en-AU" sz="1200" dirty="0">
                 <a:solidFill>
                   <a:schemeClr val="tx1"/>
                 </a:solidFill>
               </a:rPr>
               <a:t>Module 3</a:t>
             </a:r>
-            <a:endParaRPr lang="en-AU" sz="1200" dirty="0">
-              <a:solidFill>
-                <a:schemeClr val="tx1"/>
-              </a:solidFill>
-            </a:endParaRPr>
           </a:p>
         </p:txBody>
       </p:sp>
@@ -12235,10 +12212,9 @@
           <a:lstStyle/>
           <a:p>
             <a:r>
-              <a:rPr lang="en-AU" sz="800" dirty="0" smtClean="0"/>
+              <a:rPr lang="en-AU" sz="800" dirty="0"/>
               <a:t>Module start</a:t>
             </a:r>
-            <a:endParaRPr lang="en-AU" sz="800" dirty="0"/>
           </a:p>
         </p:txBody>
       </p:sp>
@@ -12294,10 +12270,9 @@
           <a:lstStyle/>
           <a:p>
             <a:r>
-              <a:rPr lang="en-AU" sz="800" dirty="0" smtClean="0"/>
+              <a:rPr lang="en-AU" sz="800" dirty="0"/>
               <a:t>Module finish</a:t>
             </a:r>
-            <a:endParaRPr lang="en-AU" sz="800" dirty="0"/>
           </a:p>
         </p:txBody>
       </p:sp>
@@ -12563,10 +12538,9 @@
           <a:lstStyle/>
           <a:p>
             <a:r>
-              <a:rPr lang="en-AU" dirty="0" smtClean="0"/>
+              <a:rPr lang="en-AU" dirty="0"/>
               <a:t>Figure 7</a:t>
             </a:r>
-            <a:endParaRPr lang="en-AU" dirty="0"/>
           </a:p>
         </p:txBody>
       </p:sp>
@@ -12579,7 +12553,7 @@
           <p:nvPr>
             <p:extLst>
               <p:ext uri="{D42A27DB-BD31-4B8C-83A1-F6EECF244321}">
-                <p14:modId xmlns:p14="http://schemas.microsoft.com/office/powerpoint/2010/main" val="557606949"/>
+                <p14:modId xmlns:p14="http://schemas.microsoft.com/office/powerpoint/2010/main" val="578606342"/>
               </p:ext>
             </p:extLst>
           </p:nvPr>
@@ -12592,12 +12566,12 @@
           <a:graphicData uri="http://schemas.openxmlformats.org/presentationml/2006/ole">
             <mc:AlternateContent xmlns:mc="http://schemas.openxmlformats.org/markup-compatibility/2006">
               <mc:Choice xmlns:v="urn:schemas-microsoft-com:vml" Requires="v">
-                <p:oleObj spid="_x0000_s15368" name="Visio" r:id="rId3" imgW="9820683" imgH="5764500" progId="Visio.Drawing.11">
+                <p:oleObj spid="_x0000_s15370" name="Visio" r:id="rId3" imgW="9810890" imgH="5753065" progId="Visio.Drawing.11">
                   <p:embed/>
                 </p:oleObj>
               </mc:Choice>
               <mc:Fallback>
-                <p:oleObj name="Visio" r:id="rId3" imgW="9820683" imgH="5764500" progId="Visio.Drawing.11">
+                <p:oleObj name="Visio" r:id="rId3" imgW="9810890" imgH="5753065" progId="Visio.Drawing.11">
                   <p:embed/>
                   <p:pic>
                     <p:nvPicPr>
@@ -12680,10 +12654,9 @@
           <a:lstStyle/>
           <a:p>
             <a:r>
-              <a:rPr lang="en-AU" dirty="0" smtClean="0"/>
+              <a:rPr lang="en-AU" dirty="0"/>
               <a:t>Figure 7</a:t>
             </a:r>
-            <a:endParaRPr lang="en-AU" dirty="0"/>
           </a:p>
         </p:txBody>
       </p:sp>
@@ -12696,25 +12669,25 @@
           <p:nvPr>
             <p:extLst>
               <p:ext uri="{D42A27DB-BD31-4B8C-83A1-F6EECF244321}">
-                <p14:modId xmlns:p14="http://schemas.microsoft.com/office/powerpoint/2010/main" val="810781108"/>
+                <p14:modId xmlns:p14="http://schemas.microsoft.com/office/powerpoint/2010/main" val="3754602452"/>
               </p:ext>
             </p:extLst>
           </p:nvPr>
         </p:nvGraphicFramePr>
         <p:xfrm>
-          <a:off x="1835150" y="1123950"/>
+          <a:off x="1835696" y="1124744"/>
           <a:ext cx="7600950" cy="4762500"/>
         </p:xfrm>
         <a:graphic>
           <a:graphicData uri="http://schemas.openxmlformats.org/presentationml/2006/ole">
             <mc:AlternateContent xmlns:mc="http://schemas.openxmlformats.org/markup-compatibility/2006">
               <mc:Choice xmlns:v="urn:schemas-microsoft-com:vml" Requires="v">
-                <p:oleObj spid="_x0000_s16389" name="Visio" r:id="rId3" imgW="8763383" imgH="5359770" progId="Visio.Drawing.11">
+                <p:oleObj spid="_x0000_s16392" name="Visio" r:id="rId3" imgW="8753345" imgH="5343498" progId="Visio.Drawing.11">
                   <p:embed/>
                 </p:oleObj>
               </mc:Choice>
               <mc:Fallback>
-                <p:oleObj name="Visio" r:id="rId3" imgW="8763383" imgH="5359770" progId="Visio.Drawing.11">
+                <p:oleObj name="Visio" r:id="rId3" imgW="8753345" imgH="5343498" progId="Visio.Drawing.11">
                   <p:embed/>
                   <p:pic>
                     <p:nvPicPr>
@@ -12733,7 +12706,7 @@
                     </p:blipFill>
                     <p:spPr bwMode="auto">
                       <a:xfrm>
-                        <a:off x="1835150" y="1123950"/>
+                        <a:off x="1835696" y="1124744"/>
                         <a:ext cx="7600950" cy="4762500"/>
                       </a:xfrm>
                       <a:prstGeom prst="rect">
